--- a/Manuscript/Figures/04_METHODS_VRTs.pptx
+++ b/Manuscript/Figures/04_METHODS_VRTs.pptx
@@ -112,14 +112,6 @@
 </p:presentation>
 </file>
 
-<file path=ppt/revisionInfo.xml><?xml version="1.0" encoding="utf-8"?>
-<p1510:revInfo xmlns:a="http://schemas.openxmlformats.org/drawingml/2006/main" xmlns:r="http://schemas.openxmlformats.org/officeDocument/2006/relationships" xmlns:p1510="http://schemas.microsoft.com/office/powerpoint/2015/10/main">
-  <p1510:revLst>
-    <p1510:client id="{E2B223F2-0B33-4F85-811E-48E98266BFC0}" v="19" dt="2023-10-15T22:05:09.653"/>
-  </p1510:revLst>
-</p1510:revInfo>
-</file>
-
 <file path=ppt/changesInfos/changesInfo1.xml><?xml version="1.0" encoding="utf-8"?>
 <pc:chgInfo xmlns:a="http://schemas.openxmlformats.org/drawingml/2006/main" xmlns:r="http://schemas.openxmlformats.org/officeDocument/2006/relationships" xmlns:ac="http://schemas.microsoft.com/office/drawing/2013/main/command" xmlns:pc="http://schemas.microsoft.com/office/powerpoint/2013/main/command">
   <pc:docChgLst>
@@ -837,6 +829,86 @@
             <pc:docMk/>
             <pc:sldMk cId="3183180916" sldId="256"/>
             <ac:cxnSpMk id="164" creationId="{9E9C3FCA-6E28-499A-8CFF-B660935050B6}"/>
+          </ac:cxnSpMkLst>
+        </pc:cxnChg>
+      </pc:sldChg>
+    </pc:docChg>
+  </pc:docChgLst>
+  <pc:docChgLst>
+    <pc:chgData name="Fatima Pillosu" userId="a6295d4dc9e22643" providerId="LiveId" clId="{537A97E6-967C-44B8-A46F-A25AF11477A2}"/>
+    <pc:docChg chg="custSel modSld">
+      <pc:chgData name="Fatima Pillosu" userId="a6295d4dc9e22643" providerId="LiveId" clId="{537A97E6-967C-44B8-A46F-A25AF11477A2}" dt="2023-11-02T13:37:34.840" v="30" actId="1035"/>
+      <pc:docMkLst>
+        <pc:docMk/>
+      </pc:docMkLst>
+      <pc:sldChg chg="delSp modSp mod">
+        <pc:chgData name="Fatima Pillosu" userId="a6295d4dc9e22643" providerId="LiveId" clId="{537A97E6-967C-44B8-A46F-A25AF11477A2}" dt="2023-11-02T13:37:34.840" v="30" actId="1035"/>
+        <pc:sldMkLst>
+          <pc:docMk/>
+          <pc:sldMk cId="2230501479" sldId="257"/>
+        </pc:sldMkLst>
+        <pc:spChg chg="mod">
+          <ac:chgData name="Fatima Pillosu" userId="a6295d4dc9e22643" providerId="LiveId" clId="{537A97E6-967C-44B8-A46F-A25AF11477A2}" dt="2023-11-02T13:37:34.840" v="30" actId="1035"/>
+          <ac:spMkLst>
+            <pc:docMk/>
+            <pc:sldMk cId="2230501479" sldId="257"/>
+            <ac:spMk id="301" creationId="{4A8ABDDE-1A98-C659-E0C0-70958461A6DD}"/>
+          </ac:spMkLst>
+        </pc:spChg>
+        <pc:spChg chg="del">
+          <ac:chgData name="Fatima Pillosu" userId="a6295d4dc9e22643" providerId="LiveId" clId="{537A97E6-967C-44B8-A46F-A25AF11477A2}" dt="2023-11-02T13:37:29.696" v="6" actId="478"/>
+          <ac:spMkLst>
+            <pc:docMk/>
+            <pc:sldMk cId="2230501479" sldId="257"/>
+            <ac:spMk id="304" creationId="{A6E8B822-9EEE-8BF3-9A9C-D65596F5E22B}"/>
+          </ac:spMkLst>
+        </pc:spChg>
+        <pc:spChg chg="del">
+          <ac:chgData name="Fatima Pillosu" userId="a6295d4dc9e22643" providerId="LiveId" clId="{537A97E6-967C-44B8-A46F-A25AF11477A2}" dt="2023-11-02T13:37:25.273" v="2" actId="478"/>
+          <ac:spMkLst>
+            <pc:docMk/>
+            <pc:sldMk cId="2230501479" sldId="257"/>
+            <ac:spMk id="306" creationId="{B4CA7901-5DBD-023C-40AF-83DF69C1EFDA}"/>
+          </ac:spMkLst>
+        </pc:spChg>
+        <pc:spChg chg="del">
+          <ac:chgData name="Fatima Pillosu" userId="a6295d4dc9e22643" providerId="LiveId" clId="{537A97E6-967C-44B8-A46F-A25AF11477A2}" dt="2023-11-02T13:37:27.821" v="4" actId="478"/>
+          <ac:spMkLst>
+            <pc:docMk/>
+            <pc:sldMk cId="2230501479" sldId="257"/>
+            <ac:spMk id="308" creationId="{4CD4775E-2630-9C87-6F3A-9951A2D20ED3}"/>
+          </ac:spMkLst>
+        </pc:spChg>
+        <pc:spChg chg="del">
+          <ac:chgData name="Fatima Pillosu" userId="a6295d4dc9e22643" providerId="LiveId" clId="{537A97E6-967C-44B8-A46F-A25AF11477A2}" dt="2023-11-02T13:37:21.639" v="0" actId="478"/>
+          <ac:spMkLst>
+            <pc:docMk/>
+            <pc:sldMk cId="2230501479" sldId="257"/>
+            <ac:spMk id="310" creationId="{954DA63F-C322-DDD1-4321-7866BEDF9F27}"/>
+          </ac:spMkLst>
+        </pc:spChg>
+        <pc:cxnChg chg="del">
+          <ac:chgData name="Fatima Pillosu" userId="a6295d4dc9e22643" providerId="LiveId" clId="{537A97E6-967C-44B8-A46F-A25AF11477A2}" dt="2023-11-02T13:37:28.390" v="5" actId="478"/>
+          <ac:cxnSpMkLst>
+            <pc:docMk/>
+            <pc:sldMk cId="2230501479" sldId="257"/>
+            <ac:cxnSpMk id="303" creationId="{0669BD32-4CFA-E029-1953-60C2A5ECFE87}"/>
+          </ac:cxnSpMkLst>
+        </pc:cxnChg>
+        <pc:cxnChg chg="del">
+          <ac:chgData name="Fatima Pillosu" userId="a6295d4dc9e22643" providerId="LiveId" clId="{537A97E6-967C-44B8-A46F-A25AF11477A2}" dt="2023-11-02T13:37:26.575" v="3" actId="478"/>
+          <ac:cxnSpMkLst>
+            <pc:docMk/>
+            <pc:sldMk cId="2230501479" sldId="257"/>
+            <ac:cxnSpMk id="305" creationId="{305D71CB-B233-CEB4-B3C2-4F20DD75B02D}"/>
+          </ac:cxnSpMkLst>
+        </pc:cxnChg>
+        <pc:cxnChg chg="del">
+          <ac:chgData name="Fatima Pillosu" userId="a6295d4dc9e22643" providerId="LiveId" clId="{537A97E6-967C-44B8-A46F-A25AF11477A2}" dt="2023-11-02T13:37:22.820" v="1" actId="478"/>
+          <ac:cxnSpMkLst>
+            <pc:docMk/>
+            <pc:sldMk cId="2230501479" sldId="257"/>
+            <ac:cxnSpMk id="311" creationId="{6C6532A5-8F65-E36A-EC45-E648F439AA14}"/>
           </ac:cxnSpMkLst>
         </pc:cxnChg>
       </pc:sldChg>
@@ -4287,7 +4359,7 @@
           <a:p>
             <a:fld id="{ECF8A5AB-4FEB-4DE2-90BB-D554FBAEAC0F}" type="datetimeFigureOut">
               <a:rPr lang="en-GB" smtClean="0"/>
-              <a:t>15/10/2023</a:t>
+              <a:t>02/11/2023</a:t>
             </a:fld>
             <a:endParaRPr lang="en-GB"/>
           </a:p>
@@ -4329,7 +4401,7 @@
           <a:p>
             <a:fld id="{C8412E9A-3B95-40E3-A7A7-1D9879B1CEE8}" type="slidenum">
               <a:rPr lang="en-GB" smtClean="0"/>
-              <a:t>‹N›</a:t>
+              <a:t>‹#›</a:t>
             </a:fld>
             <a:endParaRPr lang="en-GB"/>
           </a:p>
@@ -4457,7 +4529,7 @@
           <a:p>
             <a:fld id="{ECF8A5AB-4FEB-4DE2-90BB-D554FBAEAC0F}" type="datetimeFigureOut">
               <a:rPr lang="en-GB" smtClean="0"/>
-              <a:t>15/10/2023</a:t>
+              <a:t>02/11/2023</a:t>
             </a:fld>
             <a:endParaRPr lang="en-GB"/>
           </a:p>
@@ -4499,7 +4571,7 @@
           <a:p>
             <a:fld id="{C8412E9A-3B95-40E3-A7A7-1D9879B1CEE8}" type="slidenum">
               <a:rPr lang="en-GB" smtClean="0"/>
-              <a:t>‹N›</a:t>
+              <a:t>‹#›</a:t>
             </a:fld>
             <a:endParaRPr lang="en-GB"/>
           </a:p>
@@ -4637,7 +4709,7 @@
           <a:p>
             <a:fld id="{ECF8A5AB-4FEB-4DE2-90BB-D554FBAEAC0F}" type="datetimeFigureOut">
               <a:rPr lang="en-GB" smtClean="0"/>
-              <a:t>15/10/2023</a:t>
+              <a:t>02/11/2023</a:t>
             </a:fld>
             <a:endParaRPr lang="en-GB"/>
           </a:p>
@@ -4679,7 +4751,7 @@
           <a:p>
             <a:fld id="{C8412E9A-3B95-40E3-A7A7-1D9879B1CEE8}" type="slidenum">
               <a:rPr lang="en-GB" smtClean="0"/>
-              <a:t>‹N›</a:t>
+              <a:t>‹#›</a:t>
             </a:fld>
             <a:endParaRPr lang="en-GB"/>
           </a:p>
@@ -4807,7 +4879,7 @@
           <a:p>
             <a:fld id="{ECF8A5AB-4FEB-4DE2-90BB-D554FBAEAC0F}" type="datetimeFigureOut">
               <a:rPr lang="en-GB" smtClean="0"/>
-              <a:t>15/10/2023</a:t>
+              <a:t>02/11/2023</a:t>
             </a:fld>
             <a:endParaRPr lang="en-GB"/>
           </a:p>
@@ -4849,7 +4921,7 @@
           <a:p>
             <a:fld id="{C8412E9A-3B95-40E3-A7A7-1D9879B1CEE8}" type="slidenum">
               <a:rPr lang="en-GB" smtClean="0"/>
-              <a:t>‹N›</a:t>
+              <a:t>‹#›</a:t>
             </a:fld>
             <a:endParaRPr lang="en-GB"/>
           </a:p>
@@ -5053,7 +5125,7 @@
           <a:p>
             <a:fld id="{ECF8A5AB-4FEB-4DE2-90BB-D554FBAEAC0F}" type="datetimeFigureOut">
               <a:rPr lang="en-GB" smtClean="0"/>
-              <a:t>15/10/2023</a:t>
+              <a:t>02/11/2023</a:t>
             </a:fld>
             <a:endParaRPr lang="en-GB"/>
           </a:p>
@@ -5095,7 +5167,7 @@
           <a:p>
             <a:fld id="{C8412E9A-3B95-40E3-A7A7-1D9879B1CEE8}" type="slidenum">
               <a:rPr lang="en-GB" smtClean="0"/>
-              <a:t>‹N›</a:t>
+              <a:t>‹#›</a:t>
             </a:fld>
             <a:endParaRPr lang="en-GB"/>
           </a:p>
@@ -5285,7 +5357,7 @@
           <a:p>
             <a:fld id="{ECF8A5AB-4FEB-4DE2-90BB-D554FBAEAC0F}" type="datetimeFigureOut">
               <a:rPr lang="en-GB" smtClean="0"/>
-              <a:t>15/10/2023</a:t>
+              <a:t>02/11/2023</a:t>
             </a:fld>
             <a:endParaRPr lang="en-GB"/>
           </a:p>
@@ -5327,7 +5399,7 @@
           <a:p>
             <a:fld id="{C8412E9A-3B95-40E3-A7A7-1D9879B1CEE8}" type="slidenum">
               <a:rPr lang="en-GB" smtClean="0"/>
-              <a:t>‹N›</a:t>
+              <a:t>‹#›</a:t>
             </a:fld>
             <a:endParaRPr lang="en-GB"/>
           </a:p>
@@ -5652,7 +5724,7 @@
           <a:p>
             <a:fld id="{ECF8A5AB-4FEB-4DE2-90BB-D554FBAEAC0F}" type="datetimeFigureOut">
               <a:rPr lang="en-GB" smtClean="0"/>
-              <a:t>15/10/2023</a:t>
+              <a:t>02/11/2023</a:t>
             </a:fld>
             <a:endParaRPr lang="en-GB"/>
           </a:p>
@@ -5694,7 +5766,7 @@
           <a:p>
             <a:fld id="{C8412E9A-3B95-40E3-A7A7-1D9879B1CEE8}" type="slidenum">
               <a:rPr lang="en-GB" smtClean="0"/>
-              <a:t>‹N›</a:t>
+              <a:t>‹#›</a:t>
             </a:fld>
             <a:endParaRPr lang="en-GB"/>
           </a:p>
@@ -5770,7 +5842,7 @@
           <a:p>
             <a:fld id="{ECF8A5AB-4FEB-4DE2-90BB-D554FBAEAC0F}" type="datetimeFigureOut">
               <a:rPr lang="en-GB" smtClean="0"/>
-              <a:t>15/10/2023</a:t>
+              <a:t>02/11/2023</a:t>
             </a:fld>
             <a:endParaRPr lang="en-GB"/>
           </a:p>
@@ -5812,7 +5884,7 @@
           <a:p>
             <a:fld id="{C8412E9A-3B95-40E3-A7A7-1D9879B1CEE8}" type="slidenum">
               <a:rPr lang="en-GB" smtClean="0"/>
-              <a:t>‹N›</a:t>
+              <a:t>‹#›</a:t>
             </a:fld>
             <a:endParaRPr lang="en-GB"/>
           </a:p>
@@ -5865,7 +5937,7 @@
           <a:p>
             <a:fld id="{ECF8A5AB-4FEB-4DE2-90BB-D554FBAEAC0F}" type="datetimeFigureOut">
               <a:rPr lang="en-GB" smtClean="0"/>
-              <a:t>15/10/2023</a:t>
+              <a:t>02/11/2023</a:t>
             </a:fld>
             <a:endParaRPr lang="en-GB"/>
           </a:p>
@@ -5907,7 +5979,7 @@
           <a:p>
             <a:fld id="{C8412E9A-3B95-40E3-A7A7-1D9879B1CEE8}" type="slidenum">
               <a:rPr lang="en-GB" smtClean="0"/>
-              <a:t>‹N›</a:t>
+              <a:t>‹#›</a:t>
             </a:fld>
             <a:endParaRPr lang="en-GB"/>
           </a:p>
@@ -6142,7 +6214,7 @@
           <a:p>
             <a:fld id="{ECF8A5AB-4FEB-4DE2-90BB-D554FBAEAC0F}" type="datetimeFigureOut">
               <a:rPr lang="en-GB" smtClean="0"/>
-              <a:t>15/10/2023</a:t>
+              <a:t>02/11/2023</a:t>
             </a:fld>
             <a:endParaRPr lang="en-GB"/>
           </a:p>
@@ -6184,7 +6256,7 @@
           <a:p>
             <a:fld id="{C8412E9A-3B95-40E3-A7A7-1D9879B1CEE8}" type="slidenum">
               <a:rPr lang="en-GB" smtClean="0"/>
-              <a:t>‹N›</a:t>
+              <a:t>‹#›</a:t>
             </a:fld>
             <a:endParaRPr lang="en-GB"/>
           </a:p>
@@ -6399,7 +6471,7 @@
           <a:p>
             <a:fld id="{ECF8A5AB-4FEB-4DE2-90BB-D554FBAEAC0F}" type="datetimeFigureOut">
               <a:rPr lang="en-GB" smtClean="0"/>
-              <a:t>15/10/2023</a:t>
+              <a:t>02/11/2023</a:t>
             </a:fld>
             <a:endParaRPr lang="en-GB"/>
           </a:p>
@@ -6441,7 +6513,7 @@
           <a:p>
             <a:fld id="{C8412E9A-3B95-40E3-A7A7-1D9879B1CEE8}" type="slidenum">
               <a:rPr lang="en-GB" smtClean="0"/>
-              <a:t>‹N›</a:t>
+              <a:t>‹#›</a:t>
             </a:fld>
             <a:endParaRPr lang="en-GB"/>
           </a:p>
@@ -6612,7 +6684,7 @@
           <a:p>
             <a:fld id="{ECF8A5AB-4FEB-4DE2-90BB-D554FBAEAC0F}" type="datetimeFigureOut">
               <a:rPr lang="en-GB" smtClean="0"/>
-              <a:t>15/10/2023</a:t>
+              <a:t>02/11/2023</a:t>
             </a:fld>
             <a:endParaRPr lang="en-GB"/>
           </a:p>
@@ -6690,7 +6762,7 @@
           <a:p>
             <a:fld id="{C8412E9A-3B95-40E3-A7A7-1D9879B1CEE8}" type="slidenum">
               <a:rPr lang="en-GB" smtClean="0"/>
-              <a:t>‹N›</a:t>
+              <a:t>‹#›</a:t>
             </a:fld>
             <a:endParaRPr lang="en-GB"/>
           </a:p>
@@ -11173,7 +11245,7 @@
         </p:nvSpPr>
         <p:spPr>
           <a:xfrm>
-            <a:off x="5429396" y="3123983"/>
+            <a:off x="5429396" y="2907099"/>
             <a:ext cx="1385926" cy="246221"/>
           </a:xfrm>
           <a:prstGeom prst="rect">
@@ -11233,214 +11305,6 @@
           </a:p>
         </p:txBody>
       </p:sp>
-      <p:cxnSp>
-        <p:nvCxnSpPr>
-          <p:cNvPr id="303" name="Connettore diritto 302">
-            <a:extLst>
-              <a:ext uri="{FF2B5EF4-FFF2-40B4-BE49-F238E27FC236}">
-                <a16:creationId xmlns:a16="http://schemas.microsoft.com/office/drawing/2014/main" id="{0669BD32-4CFA-E029-1953-60C2A5ECFE87}"/>
-              </a:ext>
-            </a:extLst>
-          </p:cNvPr>
-          <p:cNvCxnSpPr>
-            <a:cxnSpLocks/>
-          </p:cNvCxnSpPr>
-          <p:nvPr/>
-        </p:nvCxnSpPr>
-        <p:spPr>
-          <a:xfrm>
-            <a:off x="5948183" y="2619588"/>
-            <a:ext cx="0" cy="274509"/>
-          </a:xfrm>
-          <a:prstGeom prst="line">
-            <a:avLst/>
-          </a:prstGeom>
-          <a:ln>
-            <a:solidFill>
-              <a:schemeClr val="accent6">
-                <a:lumMod val="60000"/>
-                <a:lumOff val="40000"/>
-              </a:schemeClr>
-            </a:solidFill>
-            <a:prstDash val="dash"/>
-          </a:ln>
-        </p:spPr>
-        <p:style>
-          <a:lnRef idx="1">
-            <a:schemeClr val="accent1"/>
-          </a:lnRef>
-          <a:fillRef idx="0">
-            <a:schemeClr val="accent1"/>
-          </a:fillRef>
-          <a:effectRef idx="0">
-            <a:schemeClr val="accent1"/>
-          </a:effectRef>
-          <a:fontRef idx="minor">
-            <a:schemeClr val="tx1"/>
-          </a:fontRef>
-        </p:style>
-      </p:cxnSp>
-      <p:sp>
-        <p:nvSpPr>
-          <p:cNvPr id="304" name="CasellaDiTesto 303">
-            <a:extLst>
-              <a:ext uri="{FF2B5EF4-FFF2-40B4-BE49-F238E27FC236}">
-                <a16:creationId xmlns:a16="http://schemas.microsoft.com/office/drawing/2014/main" id="{A6E8B822-9EEE-8BF3-9A9C-D65596F5E22B}"/>
-              </a:ext>
-            </a:extLst>
-          </p:cNvPr>
-          <p:cNvSpPr txBox="1"/>
-          <p:nvPr/>
-        </p:nvSpPr>
-        <p:spPr>
-          <a:xfrm>
-            <a:off x="5438876" y="2880117"/>
-            <a:ext cx="1142779" cy="276999"/>
-          </a:xfrm>
-          <a:prstGeom prst="rect">
-            <a:avLst/>
-          </a:prstGeom>
-          <a:noFill/>
-        </p:spPr>
-        <p:txBody>
-          <a:bodyPr wrap="square" rtlCol="0">
-            <a:spAutoFit/>
-          </a:bodyPr>
-          <a:lstStyle/>
-          <a:p>
-            <a:pPr algn="ctr"/>
-            <a:r>
-              <a:rPr lang="it-IT" sz="1200" b="1" dirty="0">
-                <a:solidFill>
-                  <a:srgbClr val="7030A0"/>
-                </a:solidFill>
-              </a:rPr>
-              <a:t>tp(25</a:t>
-            </a:r>
-            <a:r>
-              <a:rPr lang="it-IT" sz="1200" b="1" baseline="30000" dirty="0">
-                <a:solidFill>
-                  <a:srgbClr val="7030A0"/>
-                </a:solidFill>
-              </a:rPr>
-              <a:t>th</a:t>
-            </a:r>
-            <a:r>
-              <a:rPr lang="it-IT" sz="1200" b="1" dirty="0">
-                <a:solidFill>
-                  <a:srgbClr val="7030A0"/>
-                </a:solidFill>
-              </a:rPr>
-              <a:t>) = VRT</a:t>
-            </a:r>
-            <a:endParaRPr lang="en-GB" sz="1200" b="1" dirty="0">
-              <a:solidFill>
-                <a:srgbClr val="7030A0"/>
-              </a:solidFill>
-            </a:endParaRPr>
-          </a:p>
-        </p:txBody>
-      </p:sp>
-      <p:cxnSp>
-        <p:nvCxnSpPr>
-          <p:cNvPr id="305" name="Connettore diritto 304">
-            <a:extLst>
-              <a:ext uri="{FF2B5EF4-FFF2-40B4-BE49-F238E27FC236}">
-                <a16:creationId xmlns:a16="http://schemas.microsoft.com/office/drawing/2014/main" id="{305D71CB-B233-CEB4-B3C2-4F20DD75B02D}"/>
-              </a:ext>
-            </a:extLst>
-          </p:cNvPr>
-          <p:cNvCxnSpPr>
-            <a:cxnSpLocks/>
-          </p:cNvCxnSpPr>
-          <p:nvPr/>
-        </p:nvCxnSpPr>
-        <p:spPr>
-          <a:xfrm flipH="1">
-            <a:off x="5419419" y="2601422"/>
-            <a:ext cx="540000" cy="0"/>
-          </a:xfrm>
-          <a:prstGeom prst="line">
-            <a:avLst/>
-          </a:prstGeom>
-          <a:ln>
-            <a:solidFill>
-              <a:schemeClr val="accent6">
-                <a:lumMod val="60000"/>
-                <a:lumOff val="40000"/>
-              </a:schemeClr>
-            </a:solidFill>
-            <a:prstDash val="dash"/>
-          </a:ln>
-        </p:spPr>
-        <p:style>
-          <a:lnRef idx="1">
-            <a:schemeClr val="accent1"/>
-          </a:lnRef>
-          <a:fillRef idx="0">
-            <a:schemeClr val="accent1"/>
-          </a:fillRef>
-          <a:effectRef idx="0">
-            <a:schemeClr val="accent1"/>
-          </a:effectRef>
-          <a:fontRef idx="minor">
-            <a:schemeClr val="tx1"/>
-          </a:fontRef>
-        </p:style>
-      </p:cxnSp>
-      <p:sp>
-        <p:nvSpPr>
-          <p:cNvPr id="306" name="CasellaDiTesto 305">
-            <a:extLst>
-              <a:ext uri="{FF2B5EF4-FFF2-40B4-BE49-F238E27FC236}">
-                <a16:creationId xmlns:a16="http://schemas.microsoft.com/office/drawing/2014/main" id="{B4CA7901-5DBD-023C-40AF-83DF69C1EFDA}"/>
-              </a:ext>
-            </a:extLst>
-          </p:cNvPr>
-          <p:cNvSpPr txBox="1"/>
-          <p:nvPr/>
-        </p:nvSpPr>
-        <p:spPr>
-          <a:xfrm>
-            <a:off x="4871604" y="2475514"/>
-            <a:ext cx="814191" cy="246221"/>
-          </a:xfrm>
-          <a:prstGeom prst="rect">
-            <a:avLst/>
-          </a:prstGeom>
-          <a:noFill/>
-        </p:spPr>
-        <p:txBody>
-          <a:bodyPr wrap="square" rtlCol="0">
-            <a:spAutoFit/>
-          </a:bodyPr>
-          <a:lstStyle/>
-          <a:p>
-            <a:pPr algn="ctr"/>
-            <a:r>
-              <a:rPr lang="it-IT" sz="1000" dirty="0">
-                <a:solidFill>
-                  <a:srgbClr val="7030A0"/>
-                </a:solidFill>
-              </a:rPr>
-              <a:t>25</a:t>
-            </a:r>
-            <a:r>
-              <a:rPr lang="it-IT" sz="1000" baseline="30000" dirty="0">
-                <a:solidFill>
-                  <a:srgbClr val="7030A0"/>
-                </a:solidFill>
-              </a:rPr>
-              <a:t>th</a:t>
-            </a:r>
-            <a:endParaRPr lang="en-GB" sz="1000" dirty="0">
-              <a:solidFill>
-                <a:srgbClr val="7030A0"/>
-              </a:solidFill>
-            </a:endParaRPr>
-          </a:p>
-        </p:txBody>
-      </p:sp>
       <p:sp>
         <p:nvSpPr>
           <p:cNvPr id="307" name="CasellaDiTesto 306">
@@ -11494,58 +11358,6 @@
               </a:rPr>
               <a:t>) values</a:t>
             </a:r>
-          </a:p>
-        </p:txBody>
-      </p:sp>
-      <p:sp>
-        <p:nvSpPr>
-          <p:cNvPr id="308" name="Ovale 307">
-            <a:extLst>
-              <a:ext uri="{FF2B5EF4-FFF2-40B4-BE49-F238E27FC236}">
-                <a16:creationId xmlns:a16="http://schemas.microsoft.com/office/drawing/2014/main" id="{4CD4775E-2630-9C87-6F3A-9951A2D20ED3}"/>
-              </a:ext>
-            </a:extLst>
-          </p:cNvPr>
-          <p:cNvSpPr/>
-          <p:nvPr/>
-        </p:nvSpPr>
-        <p:spPr>
-          <a:xfrm>
-            <a:off x="5906368" y="2577485"/>
-            <a:ext cx="72000" cy="72000"/>
-          </a:xfrm>
-          <a:prstGeom prst="ellipse">
-            <a:avLst/>
-          </a:prstGeom>
-          <a:solidFill>
-            <a:srgbClr val="7030A0"/>
-          </a:solidFill>
-          <a:ln>
-            <a:noFill/>
-          </a:ln>
-        </p:spPr>
-        <p:style>
-          <a:lnRef idx="2">
-            <a:schemeClr val="accent1">
-              <a:shade val="50000"/>
-            </a:schemeClr>
-          </a:lnRef>
-          <a:fillRef idx="1">
-            <a:schemeClr val="accent1"/>
-          </a:fillRef>
-          <a:effectRef idx="0">
-            <a:schemeClr val="accent1"/>
-          </a:effectRef>
-          <a:fontRef idx="minor">
-            <a:schemeClr val="lt1"/>
-          </a:fontRef>
-        </p:style>
-        <p:txBody>
-          <a:bodyPr rtlCol="0" anchor="ctr"/>
-          <a:lstStyle/>
-          <a:p>
-            <a:pPr algn="ctr"/>
-            <a:endParaRPr lang="en-GB"/>
           </a:p>
         </p:txBody>
       </p:sp>
@@ -11591,96 +11403,6 @@
           </a:p>
         </p:txBody>
       </p:sp>
-      <p:sp>
-        <p:nvSpPr>
-          <p:cNvPr id="310" name="CasellaDiTesto 157">
-            <a:extLst>
-              <a:ext uri="{FF2B5EF4-FFF2-40B4-BE49-F238E27FC236}">
-                <a16:creationId xmlns:a16="http://schemas.microsoft.com/office/drawing/2014/main" id="{954DA63F-C322-DDD1-4321-7866BEDF9F27}"/>
-              </a:ext>
-            </a:extLst>
-          </p:cNvPr>
-          <p:cNvSpPr txBox="1"/>
-          <p:nvPr/>
-        </p:nvSpPr>
-        <p:spPr>
-          <a:xfrm>
-            <a:off x="5379281" y="1697902"/>
-            <a:ext cx="915130" cy="553998"/>
-          </a:xfrm>
-          <a:prstGeom prst="rect">
-            <a:avLst/>
-          </a:prstGeom>
-          <a:noFill/>
-        </p:spPr>
-        <p:txBody>
-          <a:bodyPr wrap="square" rtlCol="0">
-            <a:spAutoFit/>
-          </a:bodyPr>
-          <a:lstStyle/>
-          <a:p>
-            <a:pPr algn="ctr"/>
-            <a:r>
-              <a:rPr lang="en-GB" sz="1000" dirty="0">
-                <a:solidFill>
-                  <a:schemeClr val="tx1">
-                    <a:lumMod val="85000"/>
-                    <a:lumOff val="15000"/>
-                  </a:schemeClr>
-                </a:solidFill>
-              </a:rPr>
-              <a:t>75% of point flood reports retained</a:t>
-            </a:r>
-          </a:p>
-        </p:txBody>
-      </p:sp>
-      <p:cxnSp>
-        <p:nvCxnSpPr>
-          <p:cNvPr id="311" name="Straight Arrow Connector 2">
-            <a:extLst>
-              <a:ext uri="{FF2B5EF4-FFF2-40B4-BE49-F238E27FC236}">
-                <a16:creationId xmlns:a16="http://schemas.microsoft.com/office/drawing/2014/main" id="{6C6532A5-8F65-E36A-EC45-E648F439AA14}"/>
-              </a:ext>
-            </a:extLst>
-          </p:cNvPr>
-          <p:cNvCxnSpPr>
-            <a:cxnSpLocks/>
-          </p:cNvCxnSpPr>
-          <p:nvPr/>
-        </p:nvCxnSpPr>
-        <p:spPr>
-          <a:xfrm flipH="1">
-            <a:off x="5479482" y="2209946"/>
-            <a:ext cx="223149" cy="365923"/>
-          </a:xfrm>
-          <a:prstGeom prst="straightConnector1">
-            <a:avLst/>
-          </a:prstGeom>
-          <a:ln w="3175">
-            <a:solidFill>
-              <a:schemeClr val="tx1">
-                <a:lumMod val="85000"/>
-                <a:lumOff val="15000"/>
-              </a:schemeClr>
-            </a:solidFill>
-            <a:tailEnd type="triangle"/>
-          </a:ln>
-        </p:spPr>
-        <p:style>
-          <a:lnRef idx="1">
-            <a:schemeClr val="accent1"/>
-          </a:lnRef>
-          <a:fillRef idx="0">
-            <a:schemeClr val="accent1"/>
-          </a:fillRef>
-          <a:effectRef idx="0">
-            <a:schemeClr val="accent1"/>
-          </a:effectRef>
-          <a:fontRef idx="minor">
-            <a:schemeClr val="tx1"/>
-          </a:fontRef>
-        </p:style>
-      </p:cxnSp>
       <p:sp>
         <p:nvSpPr>
           <p:cNvPr id="312" name="CasellaDiTesto 146">

--- a/Manuscript/Figures/04_METHODS_VRTs.pptx
+++ b/Manuscript/Figures/04_METHODS_VRTs.pptx
@@ -115,7 +115,7 @@
 <file path=ppt/revisionInfo.xml><?xml version="1.0" encoding="utf-8"?>
 <p1510:revInfo xmlns:a="http://schemas.openxmlformats.org/drawingml/2006/main" xmlns:r="http://schemas.openxmlformats.org/officeDocument/2006/relationships" xmlns:p1510="http://schemas.microsoft.com/office/powerpoint/2015/10/main">
   <p1510:revLst>
-    <p1510:client id="{E2B223F2-0B33-4F85-811E-48E98266BFC0}" v="194" dt="2023-11-17T15:55:45.103"/>
+    <p1510:client id="{E2B223F2-0B33-4F85-811E-48E98266BFC0}" v="198" dt="2023-11-19T16:36:52.051"/>
   </p1510:revLst>
 </p1510:revInfo>
 </file>
@@ -925,7 +925,7 @@
   <pc:docChgLst>
     <pc:chgData name="Fatima Pillosu" userId="a6295d4dc9e22643" providerId="LiveId" clId="{E2B223F2-0B33-4F85-811E-48E98266BFC0}"/>
     <pc:docChg chg="undo custSel addSld delSld modSld">
-      <pc:chgData name="Fatima Pillosu" userId="a6295d4dc9e22643" providerId="LiveId" clId="{E2B223F2-0B33-4F85-811E-48E98266BFC0}" dt="2023-11-17T16:52:34.515" v="2285" actId="208"/>
+      <pc:chgData name="Fatima Pillosu" userId="a6295d4dc9e22643" providerId="LiveId" clId="{E2B223F2-0B33-4F85-811E-48E98266BFC0}" dt="2023-11-20T00:04:45.342" v="3133" actId="14100"/>
       <pc:docMkLst>
         <pc:docMk/>
       </pc:docMkLst>
@@ -937,7 +937,7 @@
         </pc:sldMkLst>
       </pc:sldChg>
       <pc:sldChg chg="addSp delSp modSp new add del mod">
-        <pc:chgData name="Fatima Pillosu" userId="a6295d4dc9e22643" providerId="LiveId" clId="{E2B223F2-0B33-4F85-811E-48E98266BFC0}" dt="2023-11-17T16:52:34.515" v="2285" actId="208"/>
+        <pc:chgData name="Fatima Pillosu" userId="a6295d4dc9e22643" providerId="LiveId" clId="{E2B223F2-0B33-4F85-811E-48E98266BFC0}" dt="2023-11-20T00:04:45.342" v="3133" actId="14100"/>
         <pc:sldMkLst>
           <pc:docMk/>
           <pc:sldMk cId="2230501479" sldId="257"/>
@@ -950,12 +950,28 @@
             <ac:spMk id="2" creationId="{6D05E87F-737E-297C-BDB6-A19FB15970C1}"/>
           </ac:spMkLst>
         </pc:spChg>
+        <pc:spChg chg="add mod">
+          <ac:chgData name="Fatima Pillosu" userId="a6295d4dc9e22643" providerId="LiveId" clId="{E2B223F2-0B33-4F85-811E-48E98266BFC0}" dt="2023-11-19T16:34:21.083" v="2629" actId="1038"/>
+          <ac:spMkLst>
+            <pc:docMk/>
+            <pc:sldMk cId="2230501479" sldId="257"/>
+            <ac:spMk id="2" creationId="{D418E678-C87A-88E1-524D-31F2757C051E}"/>
+          </ac:spMkLst>
+        </pc:spChg>
         <pc:spChg chg="add del mod">
           <ac:chgData name="Fatima Pillosu" userId="a6295d4dc9e22643" providerId="LiveId" clId="{E2B223F2-0B33-4F85-811E-48E98266BFC0}" dt="2023-11-17T14:40:58.417" v="921"/>
           <ac:spMkLst>
             <pc:docMk/>
             <pc:sldMk cId="2230501479" sldId="257"/>
             <ac:spMk id="3" creationId="{3AA65090-708B-DD53-E3AA-F7E0108B0449}"/>
+          </ac:spMkLst>
+        </pc:spChg>
+        <pc:spChg chg="add mod">
+          <ac:chgData name="Fatima Pillosu" userId="a6295d4dc9e22643" providerId="LiveId" clId="{E2B223F2-0B33-4F85-811E-48E98266BFC0}" dt="2023-11-19T16:32:06.700" v="2579" actId="1035"/>
+          <ac:spMkLst>
+            <pc:docMk/>
+            <pc:sldMk cId="2230501479" sldId="257"/>
+            <ac:spMk id="3" creationId="{80840E2E-DDD8-7F50-C028-7F8A2186A16C}"/>
           </ac:spMkLst>
         </pc:spChg>
         <pc:spChg chg="del">
@@ -966,6 +982,14 @@
             <ac:spMk id="3" creationId="{F13B5C91-EFA0-3C58-EBB4-E79F1E148AAB}"/>
           </ac:spMkLst>
         </pc:spChg>
+        <pc:spChg chg="add mod">
+          <ac:chgData name="Fatima Pillosu" userId="a6295d4dc9e22643" providerId="LiveId" clId="{E2B223F2-0B33-4F85-811E-48E98266BFC0}" dt="2023-11-19T22:32:44.935" v="3057" actId="1037"/>
+          <ac:spMkLst>
+            <pc:docMk/>
+            <pc:sldMk cId="2230501479" sldId="257"/>
+            <ac:spMk id="4" creationId="{6FC38557-38E6-99F8-E256-7E6C9AB95BDC}"/>
+          </ac:spMkLst>
+        </pc:spChg>
         <pc:spChg chg="add del mod">
           <ac:chgData name="Fatima Pillosu" userId="a6295d4dc9e22643" providerId="LiveId" clId="{E2B223F2-0B33-4F85-811E-48E98266BFC0}" dt="2023-11-17T14:40:58.417" v="921"/>
           <ac:spMkLst>
@@ -980,6 +1004,14 @@
             <pc:docMk/>
             <pc:sldMk cId="2230501479" sldId="257"/>
             <ac:spMk id="5" creationId="{1A8BFEE1-5169-75D9-8B24-C7D27700907C}"/>
+          </ac:spMkLst>
+        </pc:spChg>
+        <pc:spChg chg="add mod">
+          <ac:chgData name="Fatima Pillosu" userId="a6295d4dc9e22643" providerId="LiveId" clId="{E2B223F2-0B33-4F85-811E-48E98266BFC0}" dt="2023-11-19T22:32:44.935" v="3057" actId="1037"/>
+          <ac:spMkLst>
+            <pc:docMk/>
+            <pc:sldMk cId="2230501479" sldId="257"/>
+            <ac:spMk id="5" creationId="{1B3E2A5F-0628-3490-22B5-84FF4575447A}"/>
           </ac:spMkLst>
         </pc:spChg>
         <pc:spChg chg="add del mod">
@@ -4111,11 +4143,163 @@
           </ac:spMkLst>
         </pc:spChg>
         <pc:spChg chg="add mod">
-          <ac:chgData name="Fatima Pillosu" userId="a6295d4dc9e22643" providerId="LiveId" clId="{E2B223F2-0B33-4F85-811E-48E98266BFC0}" dt="2023-11-17T15:55:45.103" v="2281"/>
+          <ac:chgData name="Fatima Pillosu" userId="a6295d4dc9e22643" providerId="LiveId" clId="{E2B223F2-0B33-4F85-811E-48E98266BFC0}" dt="2023-11-19T16:28:51.249" v="2476" actId="1036"/>
           <ac:spMkLst>
             <pc:docMk/>
             <pc:sldMk cId="2230501479" sldId="257"/>
             <ac:spMk id="493" creationId="{9ABF85D6-751C-2F75-79EF-2C76B4CEF8C7}"/>
+          </ac:spMkLst>
+        </pc:spChg>
+        <pc:spChg chg="add mod">
+          <ac:chgData name="Fatima Pillosu" userId="a6295d4dc9e22643" providerId="LiveId" clId="{E2B223F2-0B33-4F85-811E-48E98266BFC0}" dt="2023-11-19T16:28:51.249" v="2476" actId="1036"/>
+          <ac:spMkLst>
+            <pc:docMk/>
+            <pc:sldMk cId="2230501479" sldId="257"/>
+            <ac:spMk id="494" creationId="{362077C8-13B0-6E2E-313C-567EA962C192}"/>
+          </ac:spMkLst>
+        </pc:spChg>
+        <pc:spChg chg="add mod">
+          <ac:chgData name="Fatima Pillosu" userId="a6295d4dc9e22643" providerId="LiveId" clId="{E2B223F2-0B33-4F85-811E-48E98266BFC0}" dt="2023-11-19T16:28:51.249" v="2476" actId="1036"/>
+          <ac:spMkLst>
+            <pc:docMk/>
+            <pc:sldMk cId="2230501479" sldId="257"/>
+            <ac:spMk id="495" creationId="{2EEA52A4-523E-7A19-3E95-30B00F140037}"/>
+          </ac:spMkLst>
+        </pc:spChg>
+        <pc:spChg chg="add mod">
+          <ac:chgData name="Fatima Pillosu" userId="a6295d4dc9e22643" providerId="LiveId" clId="{E2B223F2-0B33-4F85-811E-48E98266BFC0}" dt="2023-11-19T16:28:51.249" v="2476" actId="1036"/>
+          <ac:spMkLst>
+            <pc:docMk/>
+            <pc:sldMk cId="2230501479" sldId="257"/>
+            <ac:spMk id="498" creationId="{D7A6D74B-36E5-047A-059B-F030A58D775C}"/>
+          </ac:spMkLst>
+        </pc:spChg>
+        <pc:spChg chg="add mod">
+          <ac:chgData name="Fatima Pillosu" userId="a6295d4dc9e22643" providerId="LiveId" clId="{E2B223F2-0B33-4F85-811E-48E98266BFC0}" dt="2023-11-19T16:31:47.082" v="2575" actId="1035"/>
+          <ac:spMkLst>
+            <pc:docMk/>
+            <pc:sldMk cId="2230501479" sldId="257"/>
+            <ac:spMk id="499" creationId="{8EB931B4-4058-7224-A94F-1662747E4FF0}"/>
+          </ac:spMkLst>
+        </pc:spChg>
+        <pc:spChg chg="add mod">
+          <ac:chgData name="Fatima Pillosu" userId="a6295d4dc9e22643" providerId="LiveId" clId="{E2B223F2-0B33-4F85-811E-48E98266BFC0}" dt="2023-11-19T16:28:51.249" v="2476" actId="1036"/>
+          <ac:spMkLst>
+            <pc:docMk/>
+            <pc:sldMk cId="2230501479" sldId="257"/>
+            <ac:spMk id="500" creationId="{7BC03B9F-9ED2-E462-92C5-8DB1EDDC677A}"/>
+          </ac:spMkLst>
+        </pc:spChg>
+        <pc:spChg chg="add mod">
+          <ac:chgData name="Fatima Pillosu" userId="a6295d4dc9e22643" providerId="LiveId" clId="{E2B223F2-0B33-4F85-811E-48E98266BFC0}" dt="2023-11-19T16:28:51.249" v="2476" actId="1036"/>
+          <ac:spMkLst>
+            <pc:docMk/>
+            <pc:sldMk cId="2230501479" sldId="257"/>
+            <ac:spMk id="501" creationId="{5B9208AC-103F-1B98-81C2-C8AFCA414B59}"/>
+          </ac:spMkLst>
+        </pc:spChg>
+        <pc:spChg chg="add mod">
+          <ac:chgData name="Fatima Pillosu" userId="a6295d4dc9e22643" providerId="LiveId" clId="{E2B223F2-0B33-4F85-811E-48E98266BFC0}" dt="2023-11-19T16:28:51.249" v="2476" actId="1036"/>
+          <ac:spMkLst>
+            <pc:docMk/>
+            <pc:sldMk cId="2230501479" sldId="257"/>
+            <ac:spMk id="502" creationId="{E3EDA3E5-EE9F-2BB7-5126-89077A083863}"/>
+          </ac:spMkLst>
+        </pc:spChg>
+        <pc:spChg chg="add mod">
+          <ac:chgData name="Fatima Pillosu" userId="a6295d4dc9e22643" providerId="LiveId" clId="{E2B223F2-0B33-4F85-811E-48E98266BFC0}" dt="2023-11-19T16:28:51.249" v="2476" actId="1036"/>
+          <ac:spMkLst>
+            <pc:docMk/>
+            <pc:sldMk cId="2230501479" sldId="257"/>
+            <ac:spMk id="503" creationId="{73AB2599-3D20-8E33-06DA-17C9D376C66B}"/>
+          </ac:spMkLst>
+        </pc:spChg>
+        <pc:spChg chg="add mod">
+          <ac:chgData name="Fatima Pillosu" userId="a6295d4dc9e22643" providerId="LiveId" clId="{E2B223F2-0B33-4F85-811E-48E98266BFC0}" dt="2023-11-19T16:28:51.249" v="2476" actId="1036"/>
+          <ac:spMkLst>
+            <pc:docMk/>
+            <pc:sldMk cId="2230501479" sldId="257"/>
+            <ac:spMk id="504" creationId="{21548DE5-3230-873B-D4C5-6F25E112C2A1}"/>
+          </ac:spMkLst>
+        </pc:spChg>
+        <pc:spChg chg="add mod">
+          <ac:chgData name="Fatima Pillosu" userId="a6295d4dc9e22643" providerId="LiveId" clId="{E2B223F2-0B33-4F85-811E-48E98266BFC0}" dt="2023-11-19T16:28:51.249" v="2476" actId="1036"/>
+          <ac:spMkLst>
+            <pc:docMk/>
+            <pc:sldMk cId="2230501479" sldId="257"/>
+            <ac:spMk id="507" creationId="{F1DDF06A-CD3E-4838-13C0-E51787FEAEEA}"/>
+          </ac:spMkLst>
+        </pc:spChg>
+        <pc:spChg chg="add mod">
+          <ac:chgData name="Fatima Pillosu" userId="a6295d4dc9e22643" providerId="LiveId" clId="{E2B223F2-0B33-4F85-811E-48E98266BFC0}" dt="2023-11-19T16:31:47.082" v="2575" actId="1035"/>
+          <ac:spMkLst>
+            <pc:docMk/>
+            <pc:sldMk cId="2230501479" sldId="257"/>
+            <ac:spMk id="508" creationId="{67190468-B93C-D883-4E1B-F510CC1306FB}"/>
+          </ac:spMkLst>
+        </pc:spChg>
+        <pc:spChg chg="add mod">
+          <ac:chgData name="Fatima Pillosu" userId="a6295d4dc9e22643" providerId="LiveId" clId="{E2B223F2-0B33-4F85-811E-48E98266BFC0}" dt="2023-11-19T16:28:51.249" v="2476" actId="1036"/>
+          <ac:spMkLst>
+            <pc:docMk/>
+            <pc:sldMk cId="2230501479" sldId="257"/>
+            <ac:spMk id="509" creationId="{C9FAE66A-6560-1F53-6A54-847E1031648E}"/>
+          </ac:spMkLst>
+        </pc:spChg>
+        <pc:spChg chg="add mod">
+          <ac:chgData name="Fatima Pillosu" userId="a6295d4dc9e22643" providerId="LiveId" clId="{E2B223F2-0B33-4F85-811E-48E98266BFC0}" dt="2023-11-19T16:32:06.700" v="2579" actId="1035"/>
+          <ac:spMkLst>
+            <pc:docMk/>
+            <pc:sldMk cId="2230501479" sldId="257"/>
+            <ac:spMk id="510" creationId="{3E35F97B-CFB2-BBF6-A021-C812AF0EC7F5}"/>
+          </ac:spMkLst>
+        </pc:spChg>
+        <pc:spChg chg="add mod">
+          <ac:chgData name="Fatima Pillosu" userId="a6295d4dc9e22643" providerId="LiveId" clId="{E2B223F2-0B33-4F85-811E-48E98266BFC0}" dt="2023-11-19T16:32:06.700" v="2579" actId="1035"/>
+          <ac:spMkLst>
+            <pc:docMk/>
+            <pc:sldMk cId="2230501479" sldId="257"/>
+            <ac:spMk id="511" creationId="{086B75EB-281D-C5F2-8679-D7578BBF5FE6}"/>
+          </ac:spMkLst>
+        </pc:spChg>
+        <pc:spChg chg="add mod">
+          <ac:chgData name="Fatima Pillosu" userId="a6295d4dc9e22643" providerId="LiveId" clId="{E2B223F2-0B33-4F85-811E-48E98266BFC0}" dt="2023-11-19T16:32:06.700" v="2579" actId="1035"/>
+          <ac:spMkLst>
+            <pc:docMk/>
+            <pc:sldMk cId="2230501479" sldId="257"/>
+            <ac:spMk id="512" creationId="{FC29FAD8-04C2-3AB0-FA26-6453919FAF43}"/>
+          </ac:spMkLst>
+        </pc:spChg>
+        <pc:spChg chg="add mod">
+          <ac:chgData name="Fatima Pillosu" userId="a6295d4dc9e22643" providerId="LiveId" clId="{E2B223F2-0B33-4F85-811E-48E98266BFC0}" dt="2023-11-19T16:32:06.700" v="2579" actId="1035"/>
+          <ac:spMkLst>
+            <pc:docMk/>
+            <pc:sldMk cId="2230501479" sldId="257"/>
+            <ac:spMk id="513" creationId="{D6A09F43-82E3-5876-8D85-10B64668B77A}"/>
+          </ac:spMkLst>
+        </pc:spChg>
+        <pc:spChg chg="add mod">
+          <ac:chgData name="Fatima Pillosu" userId="a6295d4dc9e22643" providerId="LiveId" clId="{E2B223F2-0B33-4F85-811E-48E98266BFC0}" dt="2023-11-19T16:32:06.700" v="2579" actId="1035"/>
+          <ac:spMkLst>
+            <pc:docMk/>
+            <pc:sldMk cId="2230501479" sldId="257"/>
+            <ac:spMk id="516" creationId="{648F3CF8-D6A6-116E-9F19-11EF19C4FA51}"/>
+          </ac:spMkLst>
+        </pc:spChg>
+        <pc:spChg chg="add mod">
+          <ac:chgData name="Fatima Pillosu" userId="a6295d4dc9e22643" providerId="LiveId" clId="{E2B223F2-0B33-4F85-811E-48E98266BFC0}" dt="2023-11-19T16:32:06.700" v="2579" actId="1035"/>
+          <ac:spMkLst>
+            <pc:docMk/>
+            <pc:sldMk cId="2230501479" sldId="257"/>
+            <ac:spMk id="517" creationId="{F9AD298B-0E7A-2D59-22E2-F6A0497C9B31}"/>
+          </ac:spMkLst>
+        </pc:spChg>
+        <pc:spChg chg="add mod">
+          <ac:chgData name="Fatima Pillosu" userId="a6295d4dc9e22643" providerId="LiveId" clId="{E2B223F2-0B33-4F85-811E-48E98266BFC0}" dt="2023-11-19T16:32:06.700" v="2579" actId="1035"/>
+          <ac:spMkLst>
+            <pc:docMk/>
+            <pc:sldMk cId="2230501479" sldId="257"/>
+            <ac:spMk id="518" creationId="{200BDA48-D62F-8BD5-C69F-009D09DF0005}"/>
           </ac:spMkLst>
         </pc:spChg>
         <pc:spChg chg="add mod">
@@ -4123,7 +4307,15 @@
           <ac:spMkLst>
             <pc:docMk/>
             <pc:sldMk cId="2230501479" sldId="257"/>
-            <ac:spMk id="494" creationId="{362077C8-13B0-6E2E-313C-567EA962C192}"/>
+            <ac:spMk id="519" creationId="{2FBC65F8-3477-2A55-034D-CB8CA4820C39}"/>
+          </ac:spMkLst>
+        </pc:spChg>
+        <pc:spChg chg="add mod">
+          <ac:chgData name="Fatima Pillosu" userId="a6295d4dc9e22643" providerId="LiveId" clId="{E2B223F2-0B33-4F85-811E-48E98266BFC0}" dt="2023-11-19T16:28:51.249" v="2476" actId="1036"/>
+          <ac:spMkLst>
+            <pc:docMk/>
+            <pc:sldMk cId="2230501479" sldId="257"/>
+            <ac:spMk id="520" creationId="{01F67F03-031E-2853-B9E1-BFE52F89D354}"/>
           </ac:spMkLst>
         </pc:spChg>
         <pc:spChg chg="add mod">
@@ -4131,7 +4323,63 @@
           <ac:spMkLst>
             <pc:docMk/>
             <pc:sldMk cId="2230501479" sldId="257"/>
-            <ac:spMk id="495" creationId="{2EEA52A4-523E-7A19-3E95-30B00F140037}"/>
+            <ac:spMk id="521" creationId="{ECDE9A13-559F-891C-F174-E7351A8B047B}"/>
+          </ac:spMkLst>
+        </pc:spChg>
+        <pc:spChg chg="add mod">
+          <ac:chgData name="Fatima Pillosu" userId="a6295d4dc9e22643" providerId="LiveId" clId="{E2B223F2-0B33-4F85-811E-48E98266BFC0}" dt="2023-11-19T16:28:51.249" v="2476" actId="1036"/>
+          <ac:spMkLst>
+            <pc:docMk/>
+            <pc:sldMk cId="2230501479" sldId="257"/>
+            <ac:spMk id="522" creationId="{26F898C9-CA98-9740-DCF3-DE90C66C7A58}"/>
+          </ac:spMkLst>
+        </pc:spChg>
+        <pc:spChg chg="add mod">
+          <ac:chgData name="Fatima Pillosu" userId="a6295d4dc9e22643" providerId="LiveId" clId="{E2B223F2-0B33-4F85-811E-48E98266BFC0}" dt="2023-11-19T16:32:06.700" v="2579" actId="1035"/>
+          <ac:spMkLst>
+            <pc:docMk/>
+            <pc:sldMk cId="2230501479" sldId="257"/>
+            <ac:spMk id="523" creationId="{E6FA3B7D-B3BA-540D-6037-5571BFFD768F}"/>
+          </ac:spMkLst>
+        </pc:spChg>
+        <pc:spChg chg="add mod">
+          <ac:chgData name="Fatima Pillosu" userId="a6295d4dc9e22643" providerId="LiveId" clId="{E2B223F2-0B33-4F85-811E-48E98266BFC0}" dt="2023-11-19T16:28:51.249" v="2476" actId="1036"/>
+          <ac:spMkLst>
+            <pc:docMk/>
+            <pc:sldMk cId="2230501479" sldId="257"/>
+            <ac:spMk id="524" creationId="{9D555B96-DE09-4DE0-9ED8-2E7393137789}"/>
+          </ac:spMkLst>
+        </pc:spChg>
+        <pc:spChg chg="add mod">
+          <ac:chgData name="Fatima Pillosu" userId="a6295d4dc9e22643" providerId="LiveId" clId="{E2B223F2-0B33-4F85-811E-48E98266BFC0}" dt="2023-11-19T16:28:51.249" v="2476" actId="1036"/>
+          <ac:spMkLst>
+            <pc:docMk/>
+            <pc:sldMk cId="2230501479" sldId="257"/>
+            <ac:spMk id="525" creationId="{DF8E6140-C4C6-B75F-70A6-475DC0FEF5D0}"/>
+          </ac:spMkLst>
+        </pc:spChg>
+        <pc:spChg chg="add mod">
+          <ac:chgData name="Fatima Pillosu" userId="a6295d4dc9e22643" providerId="LiveId" clId="{E2B223F2-0B33-4F85-811E-48E98266BFC0}" dt="2023-11-19T16:28:51.249" v="2476" actId="1036"/>
+          <ac:spMkLst>
+            <pc:docMk/>
+            <pc:sldMk cId="2230501479" sldId="257"/>
+            <ac:spMk id="526" creationId="{2C158700-9E35-CD90-66FD-3ACD858607EF}"/>
+          </ac:spMkLst>
+        </pc:spChg>
+        <pc:spChg chg="add mod">
+          <ac:chgData name="Fatima Pillosu" userId="a6295d4dc9e22643" providerId="LiveId" clId="{E2B223F2-0B33-4F85-811E-48E98266BFC0}" dt="2023-11-19T16:28:51.249" v="2476" actId="1036"/>
+          <ac:spMkLst>
+            <pc:docMk/>
+            <pc:sldMk cId="2230501479" sldId="257"/>
+            <ac:spMk id="527" creationId="{8AE1AD48-7476-D67B-3861-C44BCF628DA0}"/>
+          </ac:spMkLst>
+        </pc:spChg>
+        <pc:spChg chg="add mod">
+          <ac:chgData name="Fatima Pillosu" userId="a6295d4dc9e22643" providerId="LiveId" clId="{E2B223F2-0B33-4F85-811E-48E98266BFC0}" dt="2023-11-19T16:32:06.700" v="2579" actId="1035"/>
+          <ac:spMkLst>
+            <pc:docMk/>
+            <pc:sldMk cId="2230501479" sldId="257"/>
+            <ac:spMk id="531" creationId="{13C677CA-124E-2544-4A7B-F6DA7626E8CB}"/>
           </ac:spMkLst>
         </pc:spChg>
         <pc:spChg chg="add mod">
@@ -4139,7 +4387,7 @@
           <ac:spMkLst>
             <pc:docMk/>
             <pc:sldMk cId="2230501479" sldId="257"/>
-            <ac:spMk id="498" creationId="{D7A6D74B-36E5-047A-059B-F030A58D775C}"/>
+            <ac:spMk id="532" creationId="{FBC9C7CE-6D91-153B-D7BB-65D8165B97A3}"/>
           </ac:spMkLst>
         </pc:spChg>
         <pc:spChg chg="add mod">
@@ -4147,7 +4395,7 @@
           <ac:spMkLst>
             <pc:docMk/>
             <pc:sldMk cId="2230501479" sldId="257"/>
-            <ac:spMk id="499" creationId="{8EB931B4-4058-7224-A94F-1662747E4FF0}"/>
+            <ac:spMk id="533" creationId="{7E6E0497-6602-C39F-2521-F4694FDAF384}"/>
           </ac:spMkLst>
         </pc:spChg>
         <pc:spChg chg="add mod">
@@ -4155,7 +4403,7 @@
           <ac:spMkLst>
             <pc:docMk/>
             <pc:sldMk cId="2230501479" sldId="257"/>
-            <ac:spMk id="500" creationId="{7BC03B9F-9ED2-E462-92C5-8DB1EDDC677A}"/>
+            <ac:spMk id="534" creationId="{B1A19C48-8994-C5AA-10ED-29894C503212}"/>
           </ac:spMkLst>
         </pc:spChg>
         <pc:spChg chg="add mod">
@@ -4163,7 +4411,23 @@
           <ac:spMkLst>
             <pc:docMk/>
             <pc:sldMk cId="2230501479" sldId="257"/>
-            <ac:spMk id="501" creationId="{5B9208AC-103F-1B98-81C2-C8AFCA414B59}"/>
+            <ac:spMk id="535" creationId="{3EFA6971-3DA3-09CC-BBC8-9B14CEDFCD44}"/>
+          </ac:spMkLst>
+        </pc:spChg>
+        <pc:spChg chg="add mod">
+          <ac:chgData name="Fatima Pillosu" userId="a6295d4dc9e22643" providerId="LiveId" clId="{E2B223F2-0B33-4F85-811E-48E98266BFC0}" dt="2023-11-19T16:29:43.692" v="2547" actId="20577"/>
+          <ac:spMkLst>
+            <pc:docMk/>
+            <pc:sldMk cId="2230501479" sldId="257"/>
+            <ac:spMk id="536" creationId="{04A39F24-8A42-B1B3-4CAF-C18EF3A94261}"/>
+          </ac:spMkLst>
+        </pc:spChg>
+        <pc:spChg chg="add mod">
+          <ac:chgData name="Fatima Pillosu" userId="a6295d4dc9e22643" providerId="LiveId" clId="{E2B223F2-0B33-4F85-811E-48E98266BFC0}" dt="2023-11-19T16:26:11.919" v="2453" actId="1035"/>
+          <ac:spMkLst>
+            <pc:docMk/>
+            <pc:sldMk cId="2230501479" sldId="257"/>
+            <ac:spMk id="537" creationId="{0EE7F395-DD96-7D61-568F-A9628A57438E}"/>
           </ac:spMkLst>
         </pc:spChg>
         <pc:spChg chg="add mod">
@@ -4171,7 +4435,7 @@
           <ac:spMkLst>
             <pc:docMk/>
             <pc:sldMk cId="2230501479" sldId="257"/>
-            <ac:spMk id="502" creationId="{E3EDA3E5-EE9F-2BB7-5126-89077A083863}"/>
+            <ac:spMk id="538" creationId="{9DCE8549-6B76-FDA0-F2B7-64602A2A5189}"/>
           </ac:spMkLst>
         </pc:spChg>
         <pc:spChg chg="add mod">
@@ -4179,635 +4443,403 @@
           <ac:spMkLst>
             <pc:docMk/>
             <pc:sldMk cId="2230501479" sldId="257"/>
-            <ac:spMk id="503" creationId="{73AB2599-3D20-8E33-06DA-17C9D376C66B}"/>
+            <ac:spMk id="539" creationId="{3C5F1E53-A594-9784-8FD6-FFDEA6E0B40F}"/>
           </ac:spMkLst>
         </pc:spChg>
         <pc:spChg chg="add mod">
-          <ac:chgData name="Fatima Pillosu" userId="a6295d4dc9e22643" providerId="LiveId" clId="{E2B223F2-0B33-4F85-811E-48E98266BFC0}" dt="2023-11-17T15:55:45.103" v="2281"/>
-          <ac:spMkLst>
-            <pc:docMk/>
-            <pc:sldMk cId="2230501479" sldId="257"/>
-            <ac:spMk id="504" creationId="{21548DE5-3230-873B-D4C5-6F25E112C2A1}"/>
+          <ac:chgData name="Fatima Pillosu" userId="a6295d4dc9e22643" providerId="LiveId" clId="{E2B223F2-0B33-4F85-811E-48E98266BFC0}" dt="2023-11-19T22:26:47.465" v="3005" actId="1035"/>
+          <ac:spMkLst>
+            <pc:docMk/>
+            <pc:sldMk cId="2230501479" sldId="257"/>
+            <ac:spMk id="540" creationId="{17E85FF3-1F8F-D914-FBCF-FA4B7B7FA8BF}"/>
           </ac:spMkLst>
         </pc:spChg>
         <pc:spChg chg="add mod">
-          <ac:chgData name="Fatima Pillosu" userId="a6295d4dc9e22643" providerId="LiveId" clId="{E2B223F2-0B33-4F85-811E-48E98266BFC0}" dt="2023-11-17T15:55:45.103" v="2281"/>
-          <ac:spMkLst>
-            <pc:docMk/>
-            <pc:sldMk cId="2230501479" sldId="257"/>
-            <ac:spMk id="507" creationId="{F1DDF06A-CD3E-4838-13C0-E51787FEAEEA}"/>
+          <ac:chgData name="Fatima Pillosu" userId="a6295d4dc9e22643" providerId="LiveId" clId="{E2B223F2-0B33-4F85-811E-48E98266BFC0}" dt="2023-11-19T22:26:41.314" v="3003" actId="1035"/>
+          <ac:spMkLst>
+            <pc:docMk/>
+            <pc:sldMk cId="2230501479" sldId="257"/>
+            <ac:spMk id="541" creationId="{B7DB4E5A-9164-43A3-59A0-36F60342243D}"/>
           </ac:spMkLst>
         </pc:spChg>
         <pc:spChg chg="add mod">
-          <ac:chgData name="Fatima Pillosu" userId="a6295d4dc9e22643" providerId="LiveId" clId="{E2B223F2-0B33-4F85-811E-48E98266BFC0}" dt="2023-11-17T15:55:45.103" v="2281"/>
-          <ac:spMkLst>
-            <pc:docMk/>
-            <pc:sldMk cId="2230501479" sldId="257"/>
-            <ac:spMk id="508" creationId="{67190468-B93C-D883-4E1B-F510CC1306FB}"/>
+          <ac:chgData name="Fatima Pillosu" userId="a6295d4dc9e22643" providerId="LiveId" clId="{E2B223F2-0B33-4F85-811E-48E98266BFC0}" dt="2023-11-19T16:34:21.083" v="2629" actId="1038"/>
+          <ac:spMkLst>
+            <pc:docMk/>
+            <pc:sldMk cId="2230501479" sldId="257"/>
+            <ac:spMk id="542" creationId="{79677E89-F472-2E0E-FCCE-1B7FCE750CE4}"/>
           </ac:spMkLst>
         </pc:spChg>
         <pc:spChg chg="add mod">
-          <ac:chgData name="Fatima Pillosu" userId="a6295d4dc9e22643" providerId="LiveId" clId="{E2B223F2-0B33-4F85-811E-48E98266BFC0}" dt="2023-11-17T15:55:45.103" v="2281"/>
-          <ac:spMkLst>
-            <pc:docMk/>
-            <pc:sldMk cId="2230501479" sldId="257"/>
-            <ac:spMk id="509" creationId="{C9FAE66A-6560-1F53-6A54-847E1031648E}"/>
+          <ac:chgData name="Fatima Pillosu" userId="a6295d4dc9e22643" providerId="LiveId" clId="{E2B223F2-0B33-4F85-811E-48E98266BFC0}" dt="2023-11-19T16:34:21.083" v="2629" actId="1038"/>
+          <ac:spMkLst>
+            <pc:docMk/>
+            <pc:sldMk cId="2230501479" sldId="257"/>
+            <ac:spMk id="543" creationId="{2E057E61-2EAE-3AF6-1578-305D109E9A30}"/>
           </ac:spMkLst>
         </pc:spChg>
         <pc:spChg chg="add mod">
-          <ac:chgData name="Fatima Pillosu" userId="a6295d4dc9e22643" providerId="LiveId" clId="{E2B223F2-0B33-4F85-811E-48E98266BFC0}" dt="2023-11-17T15:55:45.103" v="2281"/>
-          <ac:spMkLst>
-            <pc:docMk/>
-            <pc:sldMk cId="2230501479" sldId="257"/>
-            <ac:spMk id="510" creationId="{3E35F97B-CFB2-BBF6-A021-C812AF0EC7F5}"/>
+          <ac:chgData name="Fatima Pillosu" userId="a6295d4dc9e22643" providerId="LiveId" clId="{E2B223F2-0B33-4F85-811E-48E98266BFC0}" dt="2023-11-19T23:01:24.489" v="3115" actId="207"/>
+          <ac:spMkLst>
+            <pc:docMk/>
+            <pc:sldMk cId="2230501479" sldId="257"/>
+            <ac:spMk id="544" creationId="{7937E0E0-0F49-1BFD-2B93-37F597C84BE4}"/>
           </ac:spMkLst>
         </pc:spChg>
         <pc:spChg chg="add mod">
-          <ac:chgData name="Fatima Pillosu" userId="a6295d4dc9e22643" providerId="LiveId" clId="{E2B223F2-0B33-4F85-811E-48E98266BFC0}" dt="2023-11-17T15:55:45.103" v="2281"/>
-          <ac:spMkLst>
-            <pc:docMk/>
-            <pc:sldMk cId="2230501479" sldId="257"/>
-            <ac:spMk id="511" creationId="{086B75EB-281D-C5F2-8679-D7578BBF5FE6}"/>
+          <ac:chgData name="Fatima Pillosu" userId="a6295d4dc9e22643" providerId="LiveId" clId="{E2B223F2-0B33-4F85-811E-48E98266BFC0}" dt="2023-11-19T16:34:21.083" v="2629" actId="1038"/>
+          <ac:spMkLst>
+            <pc:docMk/>
+            <pc:sldMk cId="2230501479" sldId="257"/>
+            <ac:spMk id="545" creationId="{262A0AC8-420B-B925-E652-87CC6C4335CA}"/>
           </ac:spMkLst>
         </pc:spChg>
         <pc:spChg chg="add mod">
-          <ac:chgData name="Fatima Pillosu" userId="a6295d4dc9e22643" providerId="LiveId" clId="{E2B223F2-0B33-4F85-811E-48E98266BFC0}" dt="2023-11-17T15:55:45.103" v="2281"/>
-          <ac:spMkLst>
-            <pc:docMk/>
-            <pc:sldMk cId="2230501479" sldId="257"/>
-            <ac:spMk id="512" creationId="{FC29FAD8-04C2-3AB0-FA26-6453919FAF43}"/>
+          <ac:chgData name="Fatima Pillosu" userId="a6295d4dc9e22643" providerId="LiveId" clId="{E2B223F2-0B33-4F85-811E-48E98266BFC0}" dt="2023-11-19T17:55:49.949" v="2809" actId="208"/>
+          <ac:spMkLst>
+            <pc:docMk/>
+            <pc:sldMk cId="2230501479" sldId="257"/>
+            <ac:spMk id="546" creationId="{58B6A8CF-FE1F-62DA-0AF8-4124F800B7C6}"/>
           </ac:spMkLst>
         </pc:spChg>
         <pc:spChg chg="add mod">
-          <ac:chgData name="Fatima Pillosu" userId="a6295d4dc9e22643" providerId="LiveId" clId="{E2B223F2-0B33-4F85-811E-48E98266BFC0}" dt="2023-11-17T15:55:45.103" v="2281"/>
-          <ac:spMkLst>
-            <pc:docMk/>
-            <pc:sldMk cId="2230501479" sldId="257"/>
-            <ac:spMk id="513" creationId="{D6A09F43-82E3-5876-8D85-10B64668B77A}"/>
+          <ac:chgData name="Fatima Pillosu" userId="a6295d4dc9e22643" providerId="LiveId" clId="{E2B223F2-0B33-4F85-811E-48E98266BFC0}" dt="2023-11-19T16:34:21.083" v="2629" actId="1038"/>
+          <ac:spMkLst>
+            <pc:docMk/>
+            <pc:sldMk cId="2230501479" sldId="257"/>
+            <ac:spMk id="547" creationId="{74C24D45-DB8B-044E-EBE3-3ED3789D0A0C}"/>
           </ac:spMkLst>
         </pc:spChg>
         <pc:spChg chg="add mod">
-          <ac:chgData name="Fatima Pillosu" userId="a6295d4dc9e22643" providerId="LiveId" clId="{E2B223F2-0B33-4F85-811E-48E98266BFC0}" dt="2023-11-17T15:55:45.103" v="2281"/>
-          <ac:spMkLst>
-            <pc:docMk/>
-            <pc:sldMk cId="2230501479" sldId="257"/>
-            <ac:spMk id="516" creationId="{648F3CF8-D6A6-116E-9F19-11EF19C4FA51}"/>
+          <ac:chgData name="Fatima Pillosu" userId="a6295d4dc9e22643" providerId="LiveId" clId="{E2B223F2-0B33-4F85-811E-48E98266BFC0}" dt="2023-11-19T16:34:21.083" v="2629" actId="1038"/>
+          <ac:spMkLst>
+            <pc:docMk/>
+            <pc:sldMk cId="2230501479" sldId="257"/>
+            <ac:spMk id="548" creationId="{8DF4974F-0731-B6D9-2684-CC656ABE13D5}"/>
           </ac:spMkLst>
         </pc:spChg>
         <pc:spChg chg="add mod">
-          <ac:chgData name="Fatima Pillosu" userId="a6295d4dc9e22643" providerId="LiveId" clId="{E2B223F2-0B33-4F85-811E-48E98266BFC0}" dt="2023-11-17T15:55:45.103" v="2281"/>
-          <ac:spMkLst>
-            <pc:docMk/>
-            <pc:sldMk cId="2230501479" sldId="257"/>
-            <ac:spMk id="517" creationId="{F9AD298B-0E7A-2D59-22E2-F6A0497C9B31}"/>
+          <ac:chgData name="Fatima Pillosu" userId="a6295d4dc9e22643" providerId="LiveId" clId="{E2B223F2-0B33-4F85-811E-48E98266BFC0}" dt="2023-11-19T22:16:40.117" v="2827" actId="1582"/>
+          <ac:spMkLst>
+            <pc:docMk/>
+            <pc:sldMk cId="2230501479" sldId="257"/>
+            <ac:spMk id="549" creationId="{CC7C0B71-41B8-071E-FDF2-30BA9DC82D25}"/>
           </ac:spMkLst>
         </pc:spChg>
         <pc:spChg chg="add mod">
-          <ac:chgData name="Fatima Pillosu" userId="a6295d4dc9e22643" providerId="LiveId" clId="{E2B223F2-0B33-4F85-811E-48E98266BFC0}" dt="2023-11-17T15:55:45.103" v="2281"/>
-          <ac:spMkLst>
-            <pc:docMk/>
-            <pc:sldMk cId="2230501479" sldId="257"/>
-            <ac:spMk id="518" creationId="{200BDA48-D62F-8BD5-C69F-009D09DF0005}"/>
+          <ac:chgData name="Fatima Pillosu" userId="a6295d4dc9e22643" providerId="LiveId" clId="{E2B223F2-0B33-4F85-811E-48E98266BFC0}" dt="2023-11-19T16:34:21.083" v="2629" actId="1038"/>
+          <ac:spMkLst>
+            <pc:docMk/>
+            <pc:sldMk cId="2230501479" sldId="257"/>
+            <ac:spMk id="550" creationId="{2567B18A-A09C-B96A-5D92-214CF358D40F}"/>
           </ac:spMkLst>
         </pc:spChg>
         <pc:spChg chg="add mod">
-          <ac:chgData name="Fatima Pillosu" userId="a6295d4dc9e22643" providerId="LiveId" clId="{E2B223F2-0B33-4F85-811E-48E98266BFC0}" dt="2023-11-17T15:55:45.103" v="2281"/>
-          <ac:spMkLst>
-            <pc:docMk/>
-            <pc:sldMk cId="2230501479" sldId="257"/>
-            <ac:spMk id="519" creationId="{2FBC65F8-3477-2A55-034D-CB8CA4820C39}"/>
+          <ac:chgData name="Fatima Pillosu" userId="a6295d4dc9e22643" providerId="LiveId" clId="{E2B223F2-0B33-4F85-811E-48E98266BFC0}" dt="2023-11-19T22:58:19.751" v="3097" actId="947"/>
+          <ac:spMkLst>
+            <pc:docMk/>
+            <pc:sldMk cId="2230501479" sldId="257"/>
+            <ac:spMk id="551" creationId="{D28C0FD2-DDBB-9A9F-97A1-BA99F006AF60}"/>
           </ac:spMkLst>
         </pc:spChg>
         <pc:spChg chg="add mod">
-          <ac:chgData name="Fatima Pillosu" userId="a6295d4dc9e22643" providerId="LiveId" clId="{E2B223F2-0B33-4F85-811E-48E98266BFC0}" dt="2023-11-17T15:55:45.103" v="2281"/>
-          <ac:spMkLst>
-            <pc:docMk/>
-            <pc:sldMk cId="2230501479" sldId="257"/>
-            <ac:spMk id="520" creationId="{01F67F03-031E-2853-B9E1-BFE52F89D354}"/>
+          <ac:chgData name="Fatima Pillosu" userId="a6295d4dc9e22643" providerId="LiveId" clId="{E2B223F2-0B33-4F85-811E-48E98266BFC0}" dt="2023-11-19T22:58:05.983" v="3096" actId="947"/>
+          <ac:spMkLst>
+            <pc:docMk/>
+            <pc:sldMk cId="2230501479" sldId="257"/>
+            <ac:spMk id="552" creationId="{C998D48F-72F2-7A8C-7EA7-0C97C8F38FB8}"/>
           </ac:spMkLst>
         </pc:spChg>
         <pc:spChg chg="add mod">
-          <ac:chgData name="Fatima Pillosu" userId="a6295d4dc9e22643" providerId="LiveId" clId="{E2B223F2-0B33-4F85-811E-48E98266BFC0}" dt="2023-11-17T15:55:45.103" v="2281"/>
-          <ac:spMkLst>
-            <pc:docMk/>
-            <pc:sldMk cId="2230501479" sldId="257"/>
-            <ac:spMk id="521" creationId="{ECDE9A13-559F-891C-F174-E7351A8B047B}"/>
+          <ac:chgData name="Fatima Pillosu" userId="a6295d4dc9e22643" providerId="LiveId" clId="{E2B223F2-0B33-4F85-811E-48E98266BFC0}" dt="2023-11-19T22:57:55.847" v="3095" actId="947"/>
+          <ac:spMkLst>
+            <pc:docMk/>
+            <pc:sldMk cId="2230501479" sldId="257"/>
+            <ac:spMk id="553" creationId="{0D8EA6C5-B039-18C0-043C-382F779AF0F3}"/>
           </ac:spMkLst>
         </pc:spChg>
         <pc:spChg chg="add mod">
-          <ac:chgData name="Fatima Pillosu" userId="a6295d4dc9e22643" providerId="LiveId" clId="{E2B223F2-0B33-4F85-811E-48E98266BFC0}" dt="2023-11-17T15:55:45.103" v="2281"/>
-          <ac:spMkLst>
-            <pc:docMk/>
-            <pc:sldMk cId="2230501479" sldId="257"/>
-            <ac:spMk id="522" creationId="{26F898C9-CA98-9740-DCF3-DE90C66C7A58}"/>
+          <ac:chgData name="Fatima Pillosu" userId="a6295d4dc9e22643" providerId="LiveId" clId="{E2B223F2-0B33-4F85-811E-48E98266BFC0}" dt="2023-11-19T22:16:40.117" v="2827" actId="1582"/>
+          <ac:spMkLst>
+            <pc:docMk/>
+            <pc:sldMk cId="2230501479" sldId="257"/>
+            <ac:spMk id="554" creationId="{E56152AD-8B72-3983-DBE9-0D5DE94967FB}"/>
           </ac:spMkLst>
         </pc:spChg>
         <pc:spChg chg="add mod">
-          <ac:chgData name="Fatima Pillosu" userId="a6295d4dc9e22643" providerId="LiveId" clId="{E2B223F2-0B33-4F85-811E-48E98266BFC0}" dt="2023-11-17T15:55:45.103" v="2281"/>
-          <ac:spMkLst>
-            <pc:docMk/>
-            <pc:sldMk cId="2230501479" sldId="257"/>
-            <ac:spMk id="523" creationId="{E6FA3B7D-B3BA-540D-6037-5571BFFD768F}"/>
+          <ac:chgData name="Fatima Pillosu" userId="a6295d4dc9e22643" providerId="LiveId" clId="{E2B223F2-0B33-4F85-811E-48E98266BFC0}" dt="2023-11-19T22:16:40.117" v="2827" actId="1582"/>
+          <ac:spMkLst>
+            <pc:docMk/>
+            <pc:sldMk cId="2230501479" sldId="257"/>
+            <ac:spMk id="555" creationId="{C118D9DB-6DFD-48F8-2382-48F4D6AF8CED}"/>
           </ac:spMkLst>
         </pc:spChg>
         <pc:spChg chg="add mod">
-          <ac:chgData name="Fatima Pillosu" userId="a6295d4dc9e22643" providerId="LiveId" clId="{E2B223F2-0B33-4F85-811E-48E98266BFC0}" dt="2023-11-17T15:55:45.103" v="2281"/>
-          <ac:spMkLst>
-            <pc:docMk/>
-            <pc:sldMk cId="2230501479" sldId="257"/>
-            <ac:spMk id="524" creationId="{9D555B96-DE09-4DE0-9ED8-2E7393137789}"/>
+          <ac:chgData name="Fatima Pillosu" userId="a6295d4dc9e22643" providerId="LiveId" clId="{E2B223F2-0B33-4F85-811E-48E98266BFC0}" dt="2023-11-19T22:58:32.836" v="3107" actId="20577"/>
+          <ac:spMkLst>
+            <pc:docMk/>
+            <pc:sldMk cId="2230501479" sldId="257"/>
+            <ac:spMk id="562" creationId="{32F7C3B8-D5CB-68AF-FA42-D7DB88E2EEF2}"/>
           </ac:spMkLst>
         </pc:spChg>
         <pc:spChg chg="add mod">
-          <ac:chgData name="Fatima Pillosu" userId="a6295d4dc9e22643" providerId="LiveId" clId="{E2B223F2-0B33-4F85-811E-48E98266BFC0}" dt="2023-11-17T15:55:45.103" v="2281"/>
-          <ac:spMkLst>
-            <pc:docMk/>
-            <pc:sldMk cId="2230501479" sldId="257"/>
-            <ac:spMk id="525" creationId="{DF8E6140-C4C6-B75F-70A6-475DC0FEF5D0}"/>
+          <ac:chgData name="Fatima Pillosu" userId="a6295d4dc9e22643" providerId="LiveId" clId="{E2B223F2-0B33-4F85-811E-48E98266BFC0}" dt="2023-11-19T22:58:37.938" v="3112" actId="6549"/>
+          <ac:spMkLst>
+            <pc:docMk/>
+            <pc:sldMk cId="2230501479" sldId="257"/>
+            <ac:spMk id="563" creationId="{D5E08A09-33AE-8A56-A6D4-2C40966A564F}"/>
           </ac:spMkLst>
         </pc:spChg>
         <pc:spChg chg="add mod">
-          <ac:chgData name="Fatima Pillosu" userId="a6295d4dc9e22643" providerId="LiveId" clId="{E2B223F2-0B33-4F85-811E-48E98266BFC0}" dt="2023-11-17T15:55:45.103" v="2281"/>
-          <ac:spMkLst>
-            <pc:docMk/>
-            <pc:sldMk cId="2230501479" sldId="257"/>
-            <ac:spMk id="526" creationId="{2C158700-9E35-CD90-66FD-3ACD858607EF}"/>
+          <ac:chgData name="Fatima Pillosu" userId="a6295d4dc9e22643" providerId="LiveId" clId="{E2B223F2-0B33-4F85-811E-48E98266BFC0}" dt="2023-11-19T16:34:21.083" v="2629" actId="1038"/>
+          <ac:spMkLst>
+            <pc:docMk/>
+            <pc:sldMk cId="2230501479" sldId="257"/>
+            <ac:spMk id="564" creationId="{34D32958-E630-4F79-EDC9-AA819945EFBC}"/>
           </ac:spMkLst>
         </pc:spChg>
         <pc:spChg chg="add mod">
-          <ac:chgData name="Fatima Pillosu" userId="a6295d4dc9e22643" providerId="LiveId" clId="{E2B223F2-0B33-4F85-811E-48E98266BFC0}" dt="2023-11-17T15:55:45.103" v="2281"/>
-          <ac:spMkLst>
-            <pc:docMk/>
-            <pc:sldMk cId="2230501479" sldId="257"/>
-            <ac:spMk id="527" creationId="{8AE1AD48-7476-D67B-3861-C44BCF628DA0}"/>
+          <ac:chgData name="Fatima Pillosu" userId="a6295d4dc9e22643" providerId="LiveId" clId="{E2B223F2-0B33-4F85-811E-48E98266BFC0}" dt="2023-11-19T22:58:26.124" v="3102" actId="6549"/>
+          <ac:spMkLst>
+            <pc:docMk/>
+            <pc:sldMk cId="2230501479" sldId="257"/>
+            <ac:spMk id="565" creationId="{1B2D4176-8C61-0F80-6782-D353E1CEBD3A}"/>
           </ac:spMkLst>
         </pc:spChg>
         <pc:spChg chg="add mod">
-          <ac:chgData name="Fatima Pillosu" userId="a6295d4dc9e22643" providerId="LiveId" clId="{E2B223F2-0B33-4F85-811E-48E98266BFC0}" dt="2023-11-17T15:55:45.103" v="2281"/>
-          <ac:spMkLst>
-            <pc:docMk/>
-            <pc:sldMk cId="2230501479" sldId="257"/>
-            <ac:spMk id="531" creationId="{13C677CA-124E-2544-4A7B-F6DA7626E8CB}"/>
+          <ac:chgData name="Fatima Pillosu" userId="a6295d4dc9e22643" providerId="LiveId" clId="{E2B223F2-0B33-4F85-811E-48E98266BFC0}" dt="2023-11-19T23:01:00.149" v="3113" actId="207"/>
+          <ac:spMkLst>
+            <pc:docMk/>
+            <pc:sldMk cId="2230501479" sldId="257"/>
+            <ac:spMk id="566" creationId="{8221B94B-975D-C17A-818C-51284CB96552}"/>
           </ac:spMkLst>
         </pc:spChg>
         <pc:spChg chg="add mod">
-          <ac:chgData name="Fatima Pillosu" userId="a6295d4dc9e22643" providerId="LiveId" clId="{E2B223F2-0B33-4F85-811E-48E98266BFC0}" dt="2023-11-17T15:55:45.103" v="2281"/>
-          <ac:spMkLst>
-            <pc:docMk/>
-            <pc:sldMk cId="2230501479" sldId="257"/>
-            <ac:spMk id="532" creationId="{FBC9C7CE-6D91-153B-D7BB-65D8165B97A3}"/>
+          <ac:chgData name="Fatima Pillosu" userId="a6295d4dc9e22643" providerId="LiveId" clId="{E2B223F2-0B33-4F85-811E-48E98266BFC0}" dt="2023-11-19T23:01:00.149" v="3113" actId="207"/>
+          <ac:spMkLst>
+            <pc:docMk/>
+            <pc:sldMk cId="2230501479" sldId="257"/>
+            <ac:spMk id="567" creationId="{6A73B47F-A888-3238-2DAA-8A08425A06A5}"/>
           </ac:spMkLst>
         </pc:spChg>
         <pc:spChg chg="add mod">
-          <ac:chgData name="Fatima Pillosu" userId="a6295d4dc9e22643" providerId="LiveId" clId="{E2B223F2-0B33-4F85-811E-48E98266BFC0}" dt="2023-11-17T15:55:45.103" v="2281"/>
-          <ac:spMkLst>
-            <pc:docMk/>
-            <pc:sldMk cId="2230501479" sldId="257"/>
-            <ac:spMk id="533" creationId="{7E6E0497-6602-C39F-2521-F4694FDAF384}"/>
+          <ac:chgData name="Fatima Pillosu" userId="a6295d4dc9e22643" providerId="LiveId" clId="{E2B223F2-0B33-4F85-811E-48E98266BFC0}" dt="2023-11-19T16:34:38.011" v="2658" actId="1037"/>
+          <ac:spMkLst>
+            <pc:docMk/>
+            <pc:sldMk cId="2230501479" sldId="257"/>
+            <ac:spMk id="570" creationId="{03679941-F324-69FC-4370-4F979BEBE3C6}"/>
           </ac:spMkLst>
         </pc:spChg>
         <pc:spChg chg="add mod">
-          <ac:chgData name="Fatima Pillosu" userId="a6295d4dc9e22643" providerId="LiveId" clId="{E2B223F2-0B33-4F85-811E-48E98266BFC0}" dt="2023-11-17T15:55:45.103" v="2281"/>
-          <ac:spMkLst>
-            <pc:docMk/>
-            <pc:sldMk cId="2230501479" sldId="257"/>
-            <ac:spMk id="534" creationId="{B1A19C48-8994-C5AA-10ED-29894C503212}"/>
+          <ac:chgData name="Fatima Pillosu" userId="a6295d4dc9e22643" providerId="LiveId" clId="{E2B223F2-0B33-4F85-811E-48E98266BFC0}" dt="2023-11-19T16:34:38.011" v="2658" actId="1037"/>
+          <ac:spMkLst>
+            <pc:docMk/>
+            <pc:sldMk cId="2230501479" sldId="257"/>
+            <ac:spMk id="571" creationId="{D0F49E0A-6AB5-21F8-879B-DE8517AA645B}"/>
           </ac:spMkLst>
         </pc:spChg>
         <pc:spChg chg="add mod">
-          <ac:chgData name="Fatima Pillosu" userId="a6295d4dc9e22643" providerId="LiveId" clId="{E2B223F2-0B33-4F85-811E-48E98266BFC0}" dt="2023-11-17T15:55:45.103" v="2281"/>
-          <ac:spMkLst>
-            <pc:docMk/>
-            <pc:sldMk cId="2230501479" sldId="257"/>
-            <ac:spMk id="535" creationId="{3EFA6971-3DA3-09CC-BBC8-9B14CEDFCD44}"/>
+          <ac:chgData name="Fatima Pillosu" userId="a6295d4dc9e22643" providerId="LiveId" clId="{E2B223F2-0B33-4F85-811E-48E98266BFC0}" dt="2023-11-19T16:34:38.011" v="2658" actId="1037"/>
+          <ac:spMkLst>
+            <pc:docMk/>
+            <pc:sldMk cId="2230501479" sldId="257"/>
+            <ac:spMk id="572" creationId="{4824C7BD-C90E-4891-ADCA-AC95DC95AF55}"/>
           </ac:spMkLst>
         </pc:spChg>
         <pc:spChg chg="add mod">
-          <ac:chgData name="Fatima Pillosu" userId="a6295d4dc9e22643" providerId="LiveId" clId="{E2B223F2-0B33-4F85-811E-48E98266BFC0}" dt="2023-11-17T15:55:45.103" v="2281"/>
-          <ac:spMkLst>
-            <pc:docMk/>
-            <pc:sldMk cId="2230501479" sldId="257"/>
-            <ac:spMk id="536" creationId="{04A39F24-8A42-B1B3-4CAF-C18EF3A94261}"/>
+          <ac:chgData name="Fatima Pillosu" userId="a6295d4dc9e22643" providerId="LiveId" clId="{E2B223F2-0B33-4F85-811E-48E98266BFC0}" dt="2023-11-19T16:34:38.011" v="2658" actId="1037"/>
+          <ac:spMkLst>
+            <pc:docMk/>
+            <pc:sldMk cId="2230501479" sldId="257"/>
+            <ac:spMk id="573" creationId="{F263596B-6406-C730-8EF2-A4C55C9C2255}"/>
           </ac:spMkLst>
         </pc:spChg>
         <pc:spChg chg="add mod">
-          <ac:chgData name="Fatima Pillosu" userId="a6295d4dc9e22643" providerId="LiveId" clId="{E2B223F2-0B33-4F85-811E-48E98266BFC0}" dt="2023-11-17T15:55:45.103" v="2281"/>
-          <ac:spMkLst>
-            <pc:docMk/>
-            <pc:sldMk cId="2230501479" sldId="257"/>
-            <ac:spMk id="537" creationId="{0EE7F395-DD96-7D61-568F-A9628A57438E}"/>
+          <ac:chgData name="Fatima Pillosu" userId="a6295d4dc9e22643" providerId="LiveId" clId="{E2B223F2-0B33-4F85-811E-48E98266BFC0}" dt="2023-11-19T16:34:38.011" v="2658" actId="1037"/>
+          <ac:spMkLst>
+            <pc:docMk/>
+            <pc:sldMk cId="2230501479" sldId="257"/>
+            <ac:spMk id="574" creationId="{02A41116-472C-5948-2BA1-A61479E7EF1F}"/>
           </ac:spMkLst>
         </pc:spChg>
         <pc:spChg chg="add mod">
-          <ac:chgData name="Fatima Pillosu" userId="a6295d4dc9e22643" providerId="LiveId" clId="{E2B223F2-0B33-4F85-811E-48E98266BFC0}" dt="2023-11-17T15:55:45.103" v="2281"/>
-          <ac:spMkLst>
-            <pc:docMk/>
-            <pc:sldMk cId="2230501479" sldId="257"/>
-            <ac:spMk id="538" creationId="{9DCE8549-6B76-FDA0-F2B7-64602A2A5189}"/>
+          <ac:chgData name="Fatima Pillosu" userId="a6295d4dc9e22643" providerId="LiveId" clId="{E2B223F2-0B33-4F85-811E-48E98266BFC0}" dt="2023-11-19T16:34:38.011" v="2658" actId="1037"/>
+          <ac:spMkLst>
+            <pc:docMk/>
+            <pc:sldMk cId="2230501479" sldId="257"/>
+            <ac:spMk id="575" creationId="{C6DB6134-55B2-4F6A-C16D-704591178742}"/>
           </ac:spMkLst>
         </pc:spChg>
         <pc:spChg chg="add mod">
-          <ac:chgData name="Fatima Pillosu" userId="a6295d4dc9e22643" providerId="LiveId" clId="{E2B223F2-0B33-4F85-811E-48E98266BFC0}" dt="2023-11-17T15:55:45.103" v="2281"/>
-          <ac:spMkLst>
-            <pc:docMk/>
-            <pc:sldMk cId="2230501479" sldId="257"/>
-            <ac:spMk id="539" creationId="{3C5F1E53-A594-9784-8FD6-FFDEA6E0B40F}"/>
+          <ac:chgData name="Fatima Pillosu" userId="a6295d4dc9e22643" providerId="LiveId" clId="{E2B223F2-0B33-4F85-811E-48E98266BFC0}" dt="2023-11-19T16:34:38.011" v="2658" actId="1037"/>
+          <ac:spMkLst>
+            <pc:docMk/>
+            <pc:sldMk cId="2230501479" sldId="257"/>
+            <ac:spMk id="576" creationId="{05F840A2-EB88-9D68-546F-05947FB4D427}"/>
           </ac:spMkLst>
         </pc:spChg>
         <pc:spChg chg="add mod">
-          <ac:chgData name="Fatima Pillosu" userId="a6295d4dc9e22643" providerId="LiveId" clId="{E2B223F2-0B33-4F85-811E-48E98266BFC0}" dt="2023-11-17T15:55:45.103" v="2281"/>
-          <ac:spMkLst>
-            <pc:docMk/>
-            <pc:sldMk cId="2230501479" sldId="257"/>
-            <ac:spMk id="540" creationId="{17E85FF3-1F8F-D914-FBCF-FA4B7B7FA8BF}"/>
+          <ac:chgData name="Fatima Pillosu" userId="a6295d4dc9e22643" providerId="LiveId" clId="{E2B223F2-0B33-4F85-811E-48E98266BFC0}" dt="2023-11-19T16:34:38.011" v="2658" actId="1037"/>
+          <ac:spMkLst>
+            <pc:docMk/>
+            <pc:sldMk cId="2230501479" sldId="257"/>
+            <ac:spMk id="577" creationId="{CA718834-4505-1C45-1F25-CEF2568D9E13}"/>
           </ac:spMkLst>
         </pc:spChg>
         <pc:spChg chg="add mod">
-          <ac:chgData name="Fatima Pillosu" userId="a6295d4dc9e22643" providerId="LiveId" clId="{E2B223F2-0B33-4F85-811E-48E98266BFC0}" dt="2023-11-17T15:55:45.103" v="2281"/>
-          <ac:spMkLst>
-            <pc:docMk/>
-            <pc:sldMk cId="2230501479" sldId="257"/>
-            <ac:spMk id="541" creationId="{B7DB4E5A-9164-43A3-59A0-36F60342243D}"/>
+          <ac:chgData name="Fatima Pillosu" userId="a6295d4dc9e22643" providerId="LiveId" clId="{E2B223F2-0B33-4F85-811E-48E98266BFC0}" dt="2023-11-19T16:34:38.011" v="2658" actId="1037"/>
+          <ac:spMkLst>
+            <pc:docMk/>
+            <pc:sldMk cId="2230501479" sldId="257"/>
+            <ac:spMk id="578" creationId="{9F73076E-2601-C807-A4EA-3742242CB811}"/>
           </ac:spMkLst>
         </pc:spChg>
         <pc:spChg chg="add mod">
-          <ac:chgData name="Fatima Pillosu" userId="a6295d4dc9e22643" providerId="LiveId" clId="{E2B223F2-0B33-4F85-811E-48E98266BFC0}" dt="2023-11-17T16:04:17.932" v="2284" actId="207"/>
-          <ac:spMkLst>
-            <pc:docMk/>
-            <pc:sldMk cId="2230501479" sldId="257"/>
-            <ac:spMk id="542" creationId="{79677E89-F472-2E0E-FCCE-1B7FCE750CE4}"/>
+          <ac:chgData name="Fatima Pillosu" userId="a6295d4dc9e22643" providerId="LiveId" clId="{E2B223F2-0B33-4F85-811E-48E98266BFC0}" dt="2023-11-19T16:34:21.083" v="2629" actId="1038"/>
+          <ac:spMkLst>
+            <pc:docMk/>
+            <pc:sldMk cId="2230501479" sldId="257"/>
+            <ac:spMk id="579" creationId="{980EA8EE-45AE-225A-B99F-211740925FAE}"/>
           </ac:spMkLst>
         </pc:spChg>
         <pc:spChg chg="add mod">
-          <ac:chgData name="Fatima Pillosu" userId="a6295d4dc9e22643" providerId="LiveId" clId="{E2B223F2-0B33-4F85-811E-48E98266BFC0}" dt="2023-11-17T16:04:17.932" v="2284" actId="207"/>
-          <ac:spMkLst>
-            <pc:docMk/>
-            <pc:sldMk cId="2230501479" sldId="257"/>
-            <ac:spMk id="543" creationId="{2E057E61-2EAE-3AF6-1578-305D109E9A30}"/>
+          <ac:chgData name="Fatima Pillosu" userId="a6295d4dc9e22643" providerId="LiveId" clId="{E2B223F2-0B33-4F85-811E-48E98266BFC0}" dt="2023-11-19T23:01:39.437" v="3117" actId="207"/>
+          <ac:spMkLst>
+            <pc:docMk/>
+            <pc:sldMk cId="2230501479" sldId="257"/>
+            <ac:spMk id="580" creationId="{E78A1B98-B118-65A7-CA46-D87402318F74}"/>
           </ac:spMkLst>
         </pc:spChg>
         <pc:spChg chg="add mod">
-          <ac:chgData name="Fatima Pillosu" userId="a6295d4dc9e22643" providerId="LiveId" clId="{E2B223F2-0B33-4F85-811E-48E98266BFC0}" dt="2023-11-17T16:04:17.932" v="2284" actId="207"/>
-          <ac:spMkLst>
-            <pc:docMk/>
-            <pc:sldMk cId="2230501479" sldId="257"/>
-            <ac:spMk id="544" creationId="{7937E0E0-0F49-1BFD-2B93-37F597C84BE4}"/>
+          <ac:chgData name="Fatima Pillosu" userId="a6295d4dc9e22643" providerId="LiveId" clId="{E2B223F2-0B33-4F85-811E-48E98266BFC0}" dt="2023-11-20T00:04:37.069" v="3125" actId="20577"/>
+          <ac:spMkLst>
+            <pc:docMk/>
+            <pc:sldMk cId="2230501479" sldId="257"/>
+            <ac:spMk id="581" creationId="{57C13E1F-9EB8-515E-93AA-55628194845A}"/>
           </ac:spMkLst>
         </pc:spChg>
         <pc:spChg chg="add mod">
-          <ac:chgData name="Fatima Pillosu" userId="a6295d4dc9e22643" providerId="LiveId" clId="{E2B223F2-0B33-4F85-811E-48E98266BFC0}" dt="2023-11-17T16:04:17.932" v="2284" actId="207"/>
-          <ac:spMkLst>
-            <pc:docMk/>
-            <pc:sldMk cId="2230501479" sldId="257"/>
-            <ac:spMk id="545" creationId="{262A0AC8-420B-B925-E652-87CC6C4335CA}"/>
+          <ac:chgData name="Fatima Pillosu" userId="a6295d4dc9e22643" providerId="LiveId" clId="{E2B223F2-0B33-4F85-811E-48E98266BFC0}" dt="2023-11-20T00:04:45.342" v="3133" actId="14100"/>
+          <ac:spMkLst>
+            <pc:docMk/>
+            <pc:sldMk cId="2230501479" sldId="257"/>
+            <ac:spMk id="582" creationId="{B7134F83-30D3-B9C8-B576-103580535DF7}"/>
           </ac:spMkLst>
         </pc:spChg>
         <pc:spChg chg="add mod">
-          <ac:chgData name="Fatima Pillosu" userId="a6295d4dc9e22643" providerId="LiveId" clId="{E2B223F2-0B33-4F85-811E-48E98266BFC0}" dt="2023-11-17T16:04:17.932" v="2284" actId="207"/>
-          <ac:spMkLst>
-            <pc:docMk/>
-            <pc:sldMk cId="2230501479" sldId="257"/>
-            <ac:spMk id="546" creationId="{58B6A8CF-FE1F-62DA-0AF8-4124F800B7C6}"/>
+          <ac:chgData name="Fatima Pillosu" userId="a6295d4dc9e22643" providerId="LiveId" clId="{E2B223F2-0B33-4F85-811E-48E98266BFC0}" dt="2023-11-19T16:34:38.011" v="2658" actId="1037"/>
+          <ac:spMkLst>
+            <pc:docMk/>
+            <pc:sldMk cId="2230501479" sldId="257"/>
+            <ac:spMk id="583" creationId="{C83B8B3B-C62B-93C4-5DCB-F10191BF4A14}"/>
           </ac:spMkLst>
         </pc:spChg>
         <pc:spChg chg="add mod">
-          <ac:chgData name="Fatima Pillosu" userId="a6295d4dc9e22643" providerId="LiveId" clId="{E2B223F2-0B33-4F85-811E-48E98266BFC0}" dt="2023-11-17T16:04:17.932" v="2284" actId="207"/>
-          <ac:spMkLst>
-            <pc:docMk/>
-            <pc:sldMk cId="2230501479" sldId="257"/>
-            <ac:spMk id="547" creationId="{74C24D45-DB8B-044E-EBE3-3ED3789D0A0C}"/>
+          <ac:chgData name="Fatima Pillosu" userId="a6295d4dc9e22643" providerId="LiveId" clId="{E2B223F2-0B33-4F85-811E-48E98266BFC0}" dt="2023-11-19T23:01:31.979" v="3116" actId="207"/>
+          <ac:spMkLst>
+            <pc:docMk/>
+            <pc:sldMk cId="2230501479" sldId="257"/>
+            <ac:spMk id="584" creationId="{01B435E1-6A9F-50B3-2C0C-846724F64EAF}"/>
           </ac:spMkLst>
         </pc:spChg>
         <pc:spChg chg="add mod">
-          <ac:chgData name="Fatima Pillosu" userId="a6295d4dc9e22643" providerId="LiveId" clId="{E2B223F2-0B33-4F85-811E-48E98266BFC0}" dt="2023-11-17T16:04:17.932" v="2284" actId="207"/>
-          <ac:spMkLst>
-            <pc:docMk/>
-            <pc:sldMk cId="2230501479" sldId="257"/>
-            <ac:spMk id="548" creationId="{8DF4974F-0731-B6D9-2684-CC656ABE13D5}"/>
+          <ac:chgData name="Fatima Pillosu" userId="a6295d4dc9e22643" providerId="LiveId" clId="{E2B223F2-0B33-4F85-811E-48E98266BFC0}" dt="2023-11-19T16:34:38.011" v="2658" actId="1037"/>
+          <ac:spMkLst>
+            <pc:docMk/>
+            <pc:sldMk cId="2230501479" sldId="257"/>
+            <ac:spMk id="585" creationId="{8D206E3E-D316-4FD0-01BF-4DB096646758}"/>
           </ac:spMkLst>
         </pc:spChg>
         <pc:spChg chg="add mod">
-          <ac:chgData name="Fatima Pillosu" userId="a6295d4dc9e22643" providerId="LiveId" clId="{E2B223F2-0B33-4F85-811E-48E98266BFC0}" dt="2023-11-17T16:04:17.932" v="2284" actId="207"/>
-          <ac:spMkLst>
-            <pc:docMk/>
-            <pc:sldMk cId="2230501479" sldId="257"/>
-            <ac:spMk id="549" creationId="{CC7C0B71-41B8-071E-FDF2-30BA9DC82D25}"/>
+          <ac:chgData name="Fatima Pillosu" userId="a6295d4dc9e22643" providerId="LiveId" clId="{E2B223F2-0B33-4F85-811E-48E98266BFC0}" dt="2023-11-19T16:34:38.011" v="2658" actId="1037"/>
+          <ac:spMkLst>
+            <pc:docMk/>
+            <pc:sldMk cId="2230501479" sldId="257"/>
+            <ac:spMk id="589" creationId="{1A7456AA-EE4E-FD2C-1F12-8A388E86EA37}"/>
           </ac:spMkLst>
         </pc:spChg>
         <pc:spChg chg="add mod">
-          <ac:chgData name="Fatima Pillosu" userId="a6295d4dc9e22643" providerId="LiveId" clId="{E2B223F2-0B33-4F85-811E-48E98266BFC0}" dt="2023-11-17T16:04:17.932" v="2284" actId="207"/>
-          <ac:spMkLst>
-            <pc:docMk/>
-            <pc:sldMk cId="2230501479" sldId="257"/>
-            <ac:spMk id="550" creationId="{2567B18A-A09C-B96A-5D92-214CF358D40F}"/>
+          <ac:chgData name="Fatima Pillosu" userId="a6295d4dc9e22643" providerId="LiveId" clId="{E2B223F2-0B33-4F85-811E-48E98266BFC0}" dt="2023-11-19T16:34:38.011" v="2658" actId="1037"/>
+          <ac:spMkLst>
+            <pc:docMk/>
+            <pc:sldMk cId="2230501479" sldId="257"/>
+            <ac:spMk id="590" creationId="{B01F8FC1-6AE1-5F10-FD53-90C9B2238E42}"/>
           </ac:spMkLst>
         </pc:spChg>
         <pc:spChg chg="add mod">
-          <ac:chgData name="Fatima Pillosu" userId="a6295d4dc9e22643" providerId="LiveId" clId="{E2B223F2-0B33-4F85-811E-48E98266BFC0}" dt="2023-11-17T16:04:17.932" v="2284" actId="207"/>
-          <ac:spMkLst>
-            <pc:docMk/>
-            <pc:sldMk cId="2230501479" sldId="257"/>
-            <ac:spMk id="551" creationId="{D28C0FD2-DDBB-9A9F-97A1-BA99F006AF60}"/>
+          <ac:chgData name="Fatima Pillosu" userId="a6295d4dc9e22643" providerId="LiveId" clId="{E2B223F2-0B33-4F85-811E-48E98266BFC0}" dt="2023-11-19T16:34:38.011" v="2658" actId="1037"/>
+          <ac:spMkLst>
+            <pc:docMk/>
+            <pc:sldMk cId="2230501479" sldId="257"/>
+            <ac:spMk id="591" creationId="{521966D9-118C-331A-387F-068133FAA6D2}"/>
           </ac:spMkLst>
         </pc:spChg>
         <pc:spChg chg="add mod">
-          <ac:chgData name="Fatima Pillosu" userId="a6295d4dc9e22643" providerId="LiveId" clId="{E2B223F2-0B33-4F85-811E-48E98266BFC0}" dt="2023-11-17T16:04:17.932" v="2284" actId="207"/>
-          <ac:spMkLst>
-            <pc:docMk/>
-            <pc:sldMk cId="2230501479" sldId="257"/>
-            <ac:spMk id="552" creationId="{C998D48F-72F2-7A8C-7EA7-0C97C8F38FB8}"/>
+          <ac:chgData name="Fatima Pillosu" userId="a6295d4dc9e22643" providerId="LiveId" clId="{E2B223F2-0B33-4F85-811E-48E98266BFC0}" dt="2023-11-19T16:34:38.011" v="2658" actId="1037"/>
+          <ac:spMkLst>
+            <pc:docMk/>
+            <pc:sldMk cId="2230501479" sldId="257"/>
+            <ac:spMk id="594" creationId="{C80BCC19-E69B-6028-558A-BE2A7C3483CC}"/>
           </ac:spMkLst>
         </pc:spChg>
         <pc:spChg chg="add mod">
-          <ac:chgData name="Fatima Pillosu" userId="a6295d4dc9e22643" providerId="LiveId" clId="{E2B223F2-0B33-4F85-811E-48E98266BFC0}" dt="2023-11-17T16:04:17.932" v="2284" actId="207"/>
-          <ac:spMkLst>
-            <pc:docMk/>
-            <pc:sldMk cId="2230501479" sldId="257"/>
-            <ac:spMk id="553" creationId="{0D8EA6C5-B039-18C0-043C-382F779AF0F3}"/>
+          <ac:chgData name="Fatima Pillosu" userId="a6295d4dc9e22643" providerId="LiveId" clId="{E2B223F2-0B33-4F85-811E-48E98266BFC0}" dt="2023-11-19T16:34:38.011" v="2658" actId="1037"/>
+          <ac:spMkLst>
+            <pc:docMk/>
+            <pc:sldMk cId="2230501479" sldId="257"/>
+            <ac:spMk id="595" creationId="{0E4EA294-7DD7-E3CC-60A8-B99C57005456}"/>
           </ac:spMkLst>
         </pc:spChg>
         <pc:spChg chg="add mod">
-          <ac:chgData name="Fatima Pillosu" userId="a6295d4dc9e22643" providerId="LiveId" clId="{E2B223F2-0B33-4F85-811E-48E98266BFC0}" dt="2023-11-17T16:04:17.932" v="2284" actId="207"/>
-          <ac:spMkLst>
-            <pc:docMk/>
-            <pc:sldMk cId="2230501479" sldId="257"/>
-            <ac:spMk id="554" creationId="{E56152AD-8B72-3983-DBE9-0D5DE94967FB}"/>
+          <ac:chgData name="Fatima Pillosu" userId="a6295d4dc9e22643" providerId="LiveId" clId="{E2B223F2-0B33-4F85-811E-48E98266BFC0}" dt="2023-11-19T16:34:38.011" v="2658" actId="1037"/>
+          <ac:spMkLst>
+            <pc:docMk/>
+            <pc:sldMk cId="2230501479" sldId="257"/>
+            <ac:spMk id="596" creationId="{5FBF61D4-49FE-88CE-C021-81B6BF7A21E8}"/>
           </ac:spMkLst>
         </pc:spChg>
         <pc:spChg chg="add mod">
-          <ac:chgData name="Fatima Pillosu" userId="a6295d4dc9e22643" providerId="LiveId" clId="{E2B223F2-0B33-4F85-811E-48E98266BFC0}" dt="2023-11-17T16:04:17.932" v="2284" actId="207"/>
-          <ac:spMkLst>
-            <pc:docMk/>
-            <pc:sldMk cId="2230501479" sldId="257"/>
-            <ac:spMk id="555" creationId="{C118D9DB-6DFD-48F8-2382-48F4D6AF8CED}"/>
+          <ac:chgData name="Fatima Pillosu" userId="a6295d4dc9e22643" providerId="LiveId" clId="{E2B223F2-0B33-4F85-811E-48E98266BFC0}" dt="2023-11-19T16:34:38.011" v="2658" actId="1037"/>
+          <ac:spMkLst>
+            <pc:docMk/>
+            <pc:sldMk cId="2230501479" sldId="257"/>
+            <ac:spMk id="597" creationId="{E654A189-D461-0DAA-A976-6DBA9C59A411}"/>
           </ac:spMkLst>
         </pc:spChg>
         <pc:spChg chg="add mod">
-          <ac:chgData name="Fatima Pillosu" userId="a6295d4dc9e22643" providerId="LiveId" clId="{E2B223F2-0B33-4F85-811E-48E98266BFC0}" dt="2023-11-17T16:04:17.932" v="2284" actId="207"/>
-          <ac:spMkLst>
-            <pc:docMk/>
-            <pc:sldMk cId="2230501479" sldId="257"/>
-            <ac:spMk id="562" creationId="{32F7C3B8-D5CB-68AF-FA42-D7DB88E2EEF2}"/>
+          <ac:chgData name="Fatima Pillosu" userId="a6295d4dc9e22643" providerId="LiveId" clId="{E2B223F2-0B33-4F85-811E-48E98266BFC0}" dt="2023-11-19T22:53:19.706" v="3094" actId="14100"/>
+          <ac:spMkLst>
+            <pc:docMk/>
+            <pc:sldMk cId="2230501479" sldId="257"/>
+            <ac:spMk id="598" creationId="{39361844-CF03-0D1B-19B0-982FD3E41719}"/>
           </ac:spMkLst>
         </pc:spChg>
         <pc:spChg chg="add mod">
-          <ac:chgData name="Fatima Pillosu" userId="a6295d4dc9e22643" providerId="LiveId" clId="{E2B223F2-0B33-4F85-811E-48E98266BFC0}" dt="2023-11-17T16:04:17.932" v="2284" actId="207"/>
-          <ac:spMkLst>
-            <pc:docMk/>
-            <pc:sldMk cId="2230501479" sldId="257"/>
-            <ac:spMk id="563" creationId="{D5E08A09-33AE-8A56-A6D4-2C40966A564F}"/>
+          <ac:chgData name="Fatima Pillosu" userId="a6295d4dc9e22643" providerId="LiveId" clId="{E2B223F2-0B33-4F85-811E-48E98266BFC0}" dt="2023-11-19T22:53:12.594" v="3086" actId="20577"/>
+          <ac:spMkLst>
+            <pc:docMk/>
+            <pc:sldMk cId="2230501479" sldId="257"/>
+            <ac:spMk id="599" creationId="{7A7FE6DD-3302-7960-0E46-F285638BEB40}"/>
           </ac:spMkLst>
         </pc:spChg>
         <pc:spChg chg="add mod">
-          <ac:chgData name="Fatima Pillosu" userId="a6295d4dc9e22643" providerId="LiveId" clId="{E2B223F2-0B33-4F85-811E-48E98266BFC0}" dt="2023-11-17T16:04:17.932" v="2284" actId="207"/>
-          <ac:spMkLst>
-            <pc:docMk/>
-            <pc:sldMk cId="2230501479" sldId="257"/>
-            <ac:spMk id="564" creationId="{34D32958-E630-4F79-EDC9-AA819945EFBC}"/>
+          <ac:chgData name="Fatima Pillosu" userId="a6295d4dc9e22643" providerId="LiveId" clId="{E2B223F2-0B33-4F85-811E-48E98266BFC0}" dt="2023-11-19T22:53:07.310" v="3079" actId="20577"/>
+          <ac:spMkLst>
+            <pc:docMk/>
+            <pc:sldMk cId="2230501479" sldId="257"/>
+            <ac:spMk id="600" creationId="{2A93AD67-5788-55E9-1854-351DF31B4A5A}"/>
           </ac:spMkLst>
         </pc:spChg>
         <pc:spChg chg="add mod">
-          <ac:chgData name="Fatima Pillosu" userId="a6295d4dc9e22643" providerId="LiveId" clId="{E2B223F2-0B33-4F85-811E-48E98266BFC0}" dt="2023-11-17T16:04:17.932" v="2284" actId="207"/>
-          <ac:spMkLst>
-            <pc:docMk/>
-            <pc:sldMk cId="2230501479" sldId="257"/>
-            <ac:spMk id="565" creationId="{1B2D4176-8C61-0F80-6782-D353E1CEBD3A}"/>
+          <ac:chgData name="Fatima Pillosu" userId="a6295d4dc9e22643" providerId="LiveId" clId="{E2B223F2-0B33-4F85-811E-48E98266BFC0}" dt="2023-11-19T17:37:10.125" v="2808" actId="1076"/>
+          <ac:spMkLst>
+            <pc:docMk/>
+            <pc:sldMk cId="2230501479" sldId="257"/>
+            <ac:spMk id="601" creationId="{11C3C6C9-A03F-80C5-DFDF-90ACB519BA80}"/>
           </ac:spMkLst>
         </pc:spChg>
         <pc:spChg chg="add mod">
-          <ac:chgData name="Fatima Pillosu" userId="a6295d4dc9e22643" providerId="LiveId" clId="{E2B223F2-0B33-4F85-811E-48E98266BFC0}" dt="2023-11-17T15:55:45.103" v="2281"/>
-          <ac:spMkLst>
-            <pc:docMk/>
-            <pc:sldMk cId="2230501479" sldId="257"/>
-            <ac:spMk id="566" creationId="{8221B94B-975D-C17A-818C-51284CB96552}"/>
-          </ac:spMkLst>
-        </pc:spChg>
-        <pc:spChg chg="add mod">
-          <ac:chgData name="Fatima Pillosu" userId="a6295d4dc9e22643" providerId="LiveId" clId="{E2B223F2-0B33-4F85-811E-48E98266BFC0}" dt="2023-11-17T15:55:45.103" v="2281"/>
-          <ac:spMkLst>
-            <pc:docMk/>
-            <pc:sldMk cId="2230501479" sldId="257"/>
-            <ac:spMk id="567" creationId="{6A73B47F-A888-3238-2DAA-8A08425A06A5}"/>
-          </ac:spMkLst>
-        </pc:spChg>
-        <pc:spChg chg="add mod">
-          <ac:chgData name="Fatima Pillosu" userId="a6295d4dc9e22643" providerId="LiveId" clId="{E2B223F2-0B33-4F85-811E-48E98266BFC0}" dt="2023-11-17T15:55:45.103" v="2281"/>
-          <ac:spMkLst>
-            <pc:docMk/>
-            <pc:sldMk cId="2230501479" sldId="257"/>
-            <ac:spMk id="570" creationId="{03679941-F324-69FC-4370-4F979BEBE3C6}"/>
-          </ac:spMkLst>
-        </pc:spChg>
-        <pc:spChg chg="add mod">
-          <ac:chgData name="Fatima Pillosu" userId="a6295d4dc9e22643" providerId="LiveId" clId="{E2B223F2-0B33-4F85-811E-48E98266BFC0}" dt="2023-11-17T15:55:45.103" v="2281"/>
-          <ac:spMkLst>
-            <pc:docMk/>
-            <pc:sldMk cId="2230501479" sldId="257"/>
-            <ac:spMk id="571" creationId="{D0F49E0A-6AB5-21F8-879B-DE8517AA645B}"/>
-          </ac:spMkLst>
-        </pc:spChg>
-        <pc:spChg chg="add mod">
-          <ac:chgData name="Fatima Pillosu" userId="a6295d4dc9e22643" providerId="LiveId" clId="{E2B223F2-0B33-4F85-811E-48E98266BFC0}" dt="2023-11-17T15:56:15.604" v="2283" actId="20577"/>
-          <ac:spMkLst>
-            <pc:docMk/>
-            <pc:sldMk cId="2230501479" sldId="257"/>
-            <ac:spMk id="572" creationId="{4824C7BD-C90E-4891-ADCA-AC95DC95AF55}"/>
-          </ac:spMkLst>
-        </pc:spChg>
-        <pc:spChg chg="add mod">
-          <ac:chgData name="Fatima Pillosu" userId="a6295d4dc9e22643" providerId="LiveId" clId="{E2B223F2-0B33-4F85-811E-48E98266BFC0}" dt="2023-11-17T15:55:45.103" v="2281"/>
-          <ac:spMkLst>
-            <pc:docMk/>
-            <pc:sldMk cId="2230501479" sldId="257"/>
-            <ac:spMk id="573" creationId="{F263596B-6406-C730-8EF2-A4C55C9C2255}"/>
-          </ac:spMkLst>
-        </pc:spChg>
-        <pc:spChg chg="add mod">
-          <ac:chgData name="Fatima Pillosu" userId="a6295d4dc9e22643" providerId="LiveId" clId="{E2B223F2-0B33-4F85-811E-48E98266BFC0}" dt="2023-11-17T15:55:45.103" v="2281"/>
-          <ac:spMkLst>
-            <pc:docMk/>
-            <pc:sldMk cId="2230501479" sldId="257"/>
-            <ac:spMk id="574" creationId="{02A41116-472C-5948-2BA1-A61479E7EF1F}"/>
-          </ac:spMkLst>
-        </pc:spChg>
-        <pc:spChg chg="add mod">
-          <ac:chgData name="Fatima Pillosu" userId="a6295d4dc9e22643" providerId="LiveId" clId="{E2B223F2-0B33-4F85-811E-48E98266BFC0}" dt="2023-11-17T15:55:45.103" v="2281"/>
-          <ac:spMkLst>
-            <pc:docMk/>
-            <pc:sldMk cId="2230501479" sldId="257"/>
-            <ac:spMk id="575" creationId="{C6DB6134-55B2-4F6A-C16D-704591178742}"/>
-          </ac:spMkLst>
-        </pc:spChg>
-        <pc:spChg chg="add mod">
-          <ac:chgData name="Fatima Pillosu" userId="a6295d4dc9e22643" providerId="LiveId" clId="{E2B223F2-0B33-4F85-811E-48E98266BFC0}" dt="2023-11-17T15:55:45.103" v="2281"/>
-          <ac:spMkLst>
-            <pc:docMk/>
-            <pc:sldMk cId="2230501479" sldId="257"/>
-            <ac:spMk id="576" creationId="{05F840A2-EB88-9D68-546F-05947FB4D427}"/>
-          </ac:spMkLst>
-        </pc:spChg>
-        <pc:spChg chg="add mod">
-          <ac:chgData name="Fatima Pillosu" userId="a6295d4dc9e22643" providerId="LiveId" clId="{E2B223F2-0B33-4F85-811E-48E98266BFC0}" dt="2023-11-17T15:55:45.103" v="2281"/>
-          <ac:spMkLst>
-            <pc:docMk/>
-            <pc:sldMk cId="2230501479" sldId="257"/>
-            <ac:spMk id="577" creationId="{CA718834-4505-1C45-1F25-CEF2568D9E13}"/>
-          </ac:spMkLst>
-        </pc:spChg>
-        <pc:spChg chg="add mod">
-          <ac:chgData name="Fatima Pillosu" userId="a6295d4dc9e22643" providerId="LiveId" clId="{E2B223F2-0B33-4F85-811E-48E98266BFC0}" dt="2023-11-17T15:55:45.103" v="2281"/>
-          <ac:spMkLst>
-            <pc:docMk/>
-            <pc:sldMk cId="2230501479" sldId="257"/>
-            <ac:spMk id="578" creationId="{9F73076E-2601-C807-A4EA-3742242CB811}"/>
-          </ac:spMkLst>
-        </pc:spChg>
-        <pc:spChg chg="add mod">
-          <ac:chgData name="Fatima Pillosu" userId="a6295d4dc9e22643" providerId="LiveId" clId="{E2B223F2-0B33-4F85-811E-48E98266BFC0}" dt="2023-11-17T16:04:17.932" v="2284" actId="207"/>
-          <ac:spMkLst>
-            <pc:docMk/>
-            <pc:sldMk cId="2230501479" sldId="257"/>
-            <ac:spMk id="579" creationId="{980EA8EE-45AE-225A-B99F-211740925FAE}"/>
-          </ac:spMkLst>
-        </pc:spChg>
-        <pc:spChg chg="add mod">
-          <ac:chgData name="Fatima Pillosu" userId="a6295d4dc9e22643" providerId="LiveId" clId="{E2B223F2-0B33-4F85-811E-48E98266BFC0}" dt="2023-11-17T16:04:17.932" v="2284" actId="207"/>
-          <ac:spMkLst>
-            <pc:docMk/>
-            <pc:sldMk cId="2230501479" sldId="257"/>
-            <ac:spMk id="580" creationId="{E78A1B98-B118-65A7-CA46-D87402318F74}"/>
-          </ac:spMkLst>
-        </pc:spChg>
-        <pc:spChg chg="add mod">
-          <ac:chgData name="Fatima Pillosu" userId="a6295d4dc9e22643" providerId="LiveId" clId="{E2B223F2-0B33-4F85-811E-48E98266BFC0}" dt="2023-11-17T15:55:45.103" v="2281"/>
-          <ac:spMkLst>
-            <pc:docMk/>
-            <pc:sldMk cId="2230501479" sldId="257"/>
-            <ac:spMk id="581" creationId="{57C13E1F-9EB8-515E-93AA-55628194845A}"/>
-          </ac:spMkLst>
-        </pc:spChg>
-        <pc:spChg chg="add mod">
-          <ac:chgData name="Fatima Pillosu" userId="a6295d4dc9e22643" providerId="LiveId" clId="{E2B223F2-0B33-4F85-811E-48E98266BFC0}" dt="2023-11-17T16:04:17.932" v="2284" actId="207"/>
-          <ac:spMkLst>
-            <pc:docMk/>
-            <pc:sldMk cId="2230501479" sldId="257"/>
-            <ac:spMk id="582" creationId="{B7134F83-30D3-B9C8-B576-103580535DF7}"/>
-          </ac:spMkLst>
-        </pc:spChg>
-        <pc:spChg chg="add mod">
-          <ac:chgData name="Fatima Pillosu" userId="a6295d4dc9e22643" providerId="LiveId" clId="{E2B223F2-0B33-4F85-811E-48E98266BFC0}" dt="2023-11-17T15:55:45.103" v="2281"/>
-          <ac:spMkLst>
-            <pc:docMk/>
-            <pc:sldMk cId="2230501479" sldId="257"/>
-            <ac:spMk id="583" creationId="{C83B8B3B-C62B-93C4-5DCB-F10191BF4A14}"/>
-          </ac:spMkLst>
-        </pc:spChg>
-        <pc:spChg chg="add mod">
-          <ac:chgData name="Fatima Pillosu" userId="a6295d4dc9e22643" providerId="LiveId" clId="{E2B223F2-0B33-4F85-811E-48E98266BFC0}" dt="2023-11-17T15:55:45.103" v="2281"/>
-          <ac:spMkLst>
-            <pc:docMk/>
-            <pc:sldMk cId="2230501479" sldId="257"/>
-            <ac:spMk id="584" creationId="{01B435E1-6A9F-50B3-2C0C-846724F64EAF}"/>
-          </ac:spMkLst>
-        </pc:spChg>
-        <pc:spChg chg="add mod">
-          <ac:chgData name="Fatima Pillosu" userId="a6295d4dc9e22643" providerId="LiveId" clId="{E2B223F2-0B33-4F85-811E-48E98266BFC0}" dt="2023-11-17T15:55:45.103" v="2281"/>
-          <ac:spMkLst>
-            <pc:docMk/>
-            <pc:sldMk cId="2230501479" sldId="257"/>
-            <ac:spMk id="585" creationId="{8D206E3E-D316-4FD0-01BF-4DB096646758}"/>
-          </ac:spMkLst>
-        </pc:spChg>
-        <pc:spChg chg="add mod">
-          <ac:chgData name="Fatima Pillosu" userId="a6295d4dc9e22643" providerId="LiveId" clId="{E2B223F2-0B33-4F85-811E-48E98266BFC0}" dt="2023-11-17T15:55:45.103" v="2281"/>
-          <ac:spMkLst>
-            <pc:docMk/>
-            <pc:sldMk cId="2230501479" sldId="257"/>
-            <ac:spMk id="589" creationId="{1A7456AA-EE4E-FD2C-1F12-8A388E86EA37}"/>
-          </ac:spMkLst>
-        </pc:spChg>
-        <pc:spChg chg="add mod">
-          <ac:chgData name="Fatima Pillosu" userId="a6295d4dc9e22643" providerId="LiveId" clId="{E2B223F2-0B33-4F85-811E-48E98266BFC0}" dt="2023-11-17T15:55:45.103" v="2281"/>
-          <ac:spMkLst>
-            <pc:docMk/>
-            <pc:sldMk cId="2230501479" sldId="257"/>
-            <ac:spMk id="590" creationId="{B01F8FC1-6AE1-5F10-FD53-90C9B2238E42}"/>
-          </ac:spMkLst>
-        </pc:spChg>
-        <pc:spChg chg="add mod">
-          <ac:chgData name="Fatima Pillosu" userId="a6295d4dc9e22643" providerId="LiveId" clId="{E2B223F2-0B33-4F85-811E-48E98266BFC0}" dt="2023-11-17T15:55:45.103" v="2281"/>
-          <ac:spMkLst>
-            <pc:docMk/>
-            <pc:sldMk cId="2230501479" sldId="257"/>
-            <ac:spMk id="591" creationId="{521966D9-118C-331A-387F-068133FAA6D2}"/>
-          </ac:spMkLst>
-        </pc:spChg>
-        <pc:spChg chg="add mod">
-          <ac:chgData name="Fatima Pillosu" userId="a6295d4dc9e22643" providerId="LiveId" clId="{E2B223F2-0B33-4F85-811E-48E98266BFC0}" dt="2023-11-17T15:55:45.103" v="2281"/>
-          <ac:spMkLst>
-            <pc:docMk/>
-            <pc:sldMk cId="2230501479" sldId="257"/>
-            <ac:spMk id="594" creationId="{C80BCC19-E69B-6028-558A-BE2A7C3483CC}"/>
-          </ac:spMkLst>
-        </pc:spChg>
-        <pc:spChg chg="add mod">
-          <ac:chgData name="Fatima Pillosu" userId="a6295d4dc9e22643" providerId="LiveId" clId="{E2B223F2-0B33-4F85-811E-48E98266BFC0}" dt="2023-11-17T15:55:45.103" v="2281"/>
-          <ac:spMkLst>
-            <pc:docMk/>
-            <pc:sldMk cId="2230501479" sldId="257"/>
-            <ac:spMk id="595" creationId="{0E4EA294-7DD7-E3CC-60A8-B99C57005456}"/>
-          </ac:spMkLst>
-        </pc:spChg>
-        <pc:spChg chg="add mod">
-          <ac:chgData name="Fatima Pillosu" userId="a6295d4dc9e22643" providerId="LiveId" clId="{E2B223F2-0B33-4F85-811E-48E98266BFC0}" dt="2023-11-17T15:55:45.103" v="2281"/>
-          <ac:spMkLst>
-            <pc:docMk/>
-            <pc:sldMk cId="2230501479" sldId="257"/>
-            <ac:spMk id="596" creationId="{5FBF61D4-49FE-88CE-C021-81B6BF7A21E8}"/>
-          </ac:spMkLst>
-        </pc:spChg>
-        <pc:spChg chg="add mod">
-          <ac:chgData name="Fatima Pillosu" userId="a6295d4dc9e22643" providerId="LiveId" clId="{E2B223F2-0B33-4F85-811E-48E98266BFC0}" dt="2023-11-17T15:55:45.103" v="2281"/>
-          <ac:spMkLst>
-            <pc:docMk/>
-            <pc:sldMk cId="2230501479" sldId="257"/>
-            <ac:spMk id="597" creationId="{E654A189-D461-0DAA-A976-6DBA9C59A411}"/>
-          </ac:spMkLst>
-        </pc:spChg>
-        <pc:spChg chg="add mod">
-          <ac:chgData name="Fatima Pillosu" userId="a6295d4dc9e22643" providerId="LiveId" clId="{E2B223F2-0B33-4F85-811E-48E98266BFC0}" dt="2023-11-17T15:55:45.103" v="2281"/>
-          <ac:spMkLst>
-            <pc:docMk/>
-            <pc:sldMk cId="2230501479" sldId="257"/>
-            <ac:spMk id="598" creationId="{39361844-CF03-0D1B-19B0-982FD3E41719}"/>
-          </ac:spMkLst>
-        </pc:spChg>
-        <pc:spChg chg="add mod">
-          <ac:chgData name="Fatima Pillosu" userId="a6295d4dc9e22643" providerId="LiveId" clId="{E2B223F2-0B33-4F85-811E-48E98266BFC0}" dt="2023-11-17T15:55:45.103" v="2281"/>
-          <ac:spMkLst>
-            <pc:docMk/>
-            <pc:sldMk cId="2230501479" sldId="257"/>
-            <ac:spMk id="599" creationId="{7A7FE6DD-3302-7960-0E46-F285638BEB40}"/>
-          </ac:spMkLst>
-        </pc:spChg>
-        <pc:spChg chg="add mod">
-          <ac:chgData name="Fatima Pillosu" userId="a6295d4dc9e22643" providerId="LiveId" clId="{E2B223F2-0B33-4F85-811E-48E98266BFC0}" dt="2023-11-17T15:55:45.103" v="2281"/>
-          <ac:spMkLst>
-            <pc:docMk/>
-            <pc:sldMk cId="2230501479" sldId="257"/>
-            <ac:spMk id="600" creationId="{2A93AD67-5788-55E9-1854-351DF31B4A5A}"/>
-          </ac:spMkLst>
-        </pc:spChg>
-        <pc:spChg chg="add mod">
-          <ac:chgData name="Fatima Pillosu" userId="a6295d4dc9e22643" providerId="LiveId" clId="{E2B223F2-0B33-4F85-811E-48E98266BFC0}" dt="2023-11-17T15:55:45.103" v="2281"/>
-          <ac:spMkLst>
-            <pc:docMk/>
-            <pc:sldMk cId="2230501479" sldId="257"/>
-            <ac:spMk id="601" creationId="{11C3C6C9-A03F-80C5-DFDF-90ACB519BA80}"/>
-          </ac:spMkLst>
-        </pc:spChg>
-        <pc:spChg chg="add mod">
-          <ac:chgData name="Fatima Pillosu" userId="a6295d4dc9e22643" providerId="LiveId" clId="{E2B223F2-0B33-4F85-811E-48E98266BFC0}" dt="2023-11-17T15:55:45.103" v="2281"/>
+          <ac:chgData name="Fatima Pillosu" userId="a6295d4dc9e22643" providerId="LiveId" clId="{E2B223F2-0B33-4F85-811E-48E98266BFC0}" dt="2023-11-19T22:31:56.653" v="3024" actId="1036"/>
           <ac:spMkLst>
             <pc:docMk/>
             <pc:sldMk cId="2230501479" sldId="257"/>
@@ -5751,7 +5783,7 @@
           </ac:cxnSpMkLst>
         </pc:cxnChg>
         <pc:cxnChg chg="add mod">
-          <ac:chgData name="Fatima Pillosu" userId="a6295d4dc9e22643" providerId="LiveId" clId="{E2B223F2-0B33-4F85-811E-48E98266BFC0}" dt="2023-11-17T15:55:45.103" v="2281"/>
+          <ac:chgData name="Fatima Pillosu" userId="a6295d4dc9e22643" providerId="LiveId" clId="{E2B223F2-0B33-4F85-811E-48E98266BFC0}" dt="2023-11-19T16:28:51.249" v="2476" actId="1036"/>
           <ac:cxnSpMkLst>
             <pc:docMk/>
             <pc:sldMk cId="2230501479" sldId="257"/>
@@ -5759,7 +5791,7 @@
           </ac:cxnSpMkLst>
         </pc:cxnChg>
         <pc:cxnChg chg="add mod">
-          <ac:chgData name="Fatima Pillosu" userId="a6295d4dc9e22643" providerId="LiveId" clId="{E2B223F2-0B33-4F85-811E-48E98266BFC0}" dt="2023-11-17T15:55:45.103" v="2281"/>
+          <ac:chgData name="Fatima Pillosu" userId="a6295d4dc9e22643" providerId="LiveId" clId="{E2B223F2-0B33-4F85-811E-48E98266BFC0}" dt="2023-11-19T16:28:51.249" v="2476" actId="1036"/>
           <ac:cxnSpMkLst>
             <pc:docMk/>
             <pc:sldMk cId="2230501479" sldId="257"/>
@@ -5767,7 +5799,7 @@
           </ac:cxnSpMkLst>
         </pc:cxnChg>
         <pc:cxnChg chg="add mod">
-          <ac:chgData name="Fatima Pillosu" userId="a6295d4dc9e22643" providerId="LiveId" clId="{E2B223F2-0B33-4F85-811E-48E98266BFC0}" dt="2023-11-17T15:55:45.103" v="2281"/>
+          <ac:chgData name="Fatima Pillosu" userId="a6295d4dc9e22643" providerId="LiveId" clId="{E2B223F2-0B33-4F85-811E-48E98266BFC0}" dt="2023-11-19T16:28:51.249" v="2476" actId="1036"/>
           <ac:cxnSpMkLst>
             <pc:docMk/>
             <pc:sldMk cId="2230501479" sldId="257"/>
@@ -5775,7 +5807,7 @@
           </ac:cxnSpMkLst>
         </pc:cxnChg>
         <pc:cxnChg chg="add mod">
-          <ac:chgData name="Fatima Pillosu" userId="a6295d4dc9e22643" providerId="LiveId" clId="{E2B223F2-0B33-4F85-811E-48E98266BFC0}" dt="2023-11-17T15:55:45.103" v="2281"/>
+          <ac:chgData name="Fatima Pillosu" userId="a6295d4dc9e22643" providerId="LiveId" clId="{E2B223F2-0B33-4F85-811E-48E98266BFC0}" dt="2023-11-19T16:28:51.249" v="2476" actId="1036"/>
           <ac:cxnSpMkLst>
             <pc:docMk/>
             <pc:sldMk cId="2230501479" sldId="257"/>
@@ -5783,7 +5815,7 @@
           </ac:cxnSpMkLst>
         </pc:cxnChg>
         <pc:cxnChg chg="add mod">
-          <ac:chgData name="Fatima Pillosu" userId="a6295d4dc9e22643" providerId="LiveId" clId="{E2B223F2-0B33-4F85-811E-48E98266BFC0}" dt="2023-11-17T15:55:45.103" v="2281"/>
+          <ac:chgData name="Fatima Pillosu" userId="a6295d4dc9e22643" providerId="LiveId" clId="{E2B223F2-0B33-4F85-811E-48E98266BFC0}" dt="2023-11-19T16:32:06.700" v="2579" actId="1035"/>
           <ac:cxnSpMkLst>
             <pc:docMk/>
             <pc:sldMk cId="2230501479" sldId="257"/>
@@ -5791,7 +5823,7 @@
           </ac:cxnSpMkLst>
         </pc:cxnChg>
         <pc:cxnChg chg="add mod">
-          <ac:chgData name="Fatima Pillosu" userId="a6295d4dc9e22643" providerId="LiveId" clId="{E2B223F2-0B33-4F85-811E-48E98266BFC0}" dt="2023-11-17T15:55:45.103" v="2281"/>
+          <ac:chgData name="Fatima Pillosu" userId="a6295d4dc9e22643" providerId="LiveId" clId="{E2B223F2-0B33-4F85-811E-48E98266BFC0}" dt="2023-11-19T16:32:06.700" v="2579" actId="1035"/>
           <ac:cxnSpMkLst>
             <pc:docMk/>
             <pc:sldMk cId="2230501479" sldId="257"/>
@@ -5799,7 +5831,7 @@
           </ac:cxnSpMkLst>
         </pc:cxnChg>
         <pc:cxnChg chg="add mod">
-          <ac:chgData name="Fatima Pillosu" userId="a6295d4dc9e22643" providerId="LiveId" clId="{E2B223F2-0B33-4F85-811E-48E98266BFC0}" dt="2023-11-17T15:55:45.103" v="2281"/>
+          <ac:chgData name="Fatima Pillosu" userId="a6295d4dc9e22643" providerId="LiveId" clId="{E2B223F2-0B33-4F85-811E-48E98266BFC0}" dt="2023-11-19T16:28:51.249" v="2476" actId="1036"/>
           <ac:cxnSpMkLst>
             <pc:docMk/>
             <pc:sldMk cId="2230501479" sldId="257"/>
@@ -5807,7 +5839,7 @@
           </ac:cxnSpMkLst>
         </pc:cxnChg>
         <pc:cxnChg chg="add mod">
-          <ac:chgData name="Fatima Pillosu" userId="a6295d4dc9e22643" providerId="LiveId" clId="{E2B223F2-0B33-4F85-811E-48E98266BFC0}" dt="2023-11-17T15:55:45.103" v="2281"/>
+          <ac:chgData name="Fatima Pillosu" userId="a6295d4dc9e22643" providerId="LiveId" clId="{E2B223F2-0B33-4F85-811E-48E98266BFC0}" dt="2023-11-19T16:28:51.249" v="2476" actId="1036"/>
           <ac:cxnSpMkLst>
             <pc:docMk/>
             <pc:sldMk cId="2230501479" sldId="257"/>
@@ -5815,7 +5847,7 @@
           </ac:cxnSpMkLst>
         </pc:cxnChg>
         <pc:cxnChg chg="add mod">
-          <ac:chgData name="Fatima Pillosu" userId="a6295d4dc9e22643" providerId="LiveId" clId="{E2B223F2-0B33-4F85-811E-48E98266BFC0}" dt="2023-11-17T15:55:45.103" v="2281"/>
+          <ac:chgData name="Fatima Pillosu" userId="a6295d4dc9e22643" providerId="LiveId" clId="{E2B223F2-0B33-4F85-811E-48E98266BFC0}" dt="2023-11-19T16:32:06.700" v="2579" actId="1035"/>
           <ac:cxnSpMkLst>
             <pc:docMk/>
             <pc:sldMk cId="2230501479" sldId="257"/>
@@ -5823,7 +5855,7 @@
           </ac:cxnSpMkLst>
         </pc:cxnChg>
         <pc:cxnChg chg="add mod">
-          <ac:chgData name="Fatima Pillosu" userId="a6295d4dc9e22643" providerId="LiveId" clId="{E2B223F2-0B33-4F85-811E-48E98266BFC0}" dt="2023-11-17T16:52:34.515" v="2285" actId="208"/>
+          <ac:chgData name="Fatima Pillosu" userId="a6295d4dc9e22643" providerId="LiveId" clId="{E2B223F2-0B33-4F85-811E-48E98266BFC0}" dt="2023-11-19T23:02:08.411" v="3118" actId="208"/>
           <ac:cxnSpMkLst>
             <pc:docMk/>
             <pc:sldMk cId="2230501479" sldId="257"/>
@@ -5831,7 +5863,7 @@
           </ac:cxnSpMkLst>
         </pc:cxnChg>
         <pc:cxnChg chg="add mod">
-          <ac:chgData name="Fatima Pillosu" userId="a6295d4dc9e22643" providerId="LiveId" clId="{E2B223F2-0B33-4F85-811E-48E98266BFC0}" dt="2023-11-17T16:52:34.515" v="2285" actId="208"/>
+          <ac:chgData name="Fatima Pillosu" userId="a6295d4dc9e22643" providerId="LiveId" clId="{E2B223F2-0B33-4F85-811E-48E98266BFC0}" dt="2023-11-19T23:02:08.411" v="3118" actId="208"/>
           <ac:cxnSpMkLst>
             <pc:docMk/>
             <pc:sldMk cId="2230501479" sldId="257"/>
@@ -5839,7 +5871,7 @@
           </ac:cxnSpMkLst>
         </pc:cxnChg>
         <pc:cxnChg chg="add mod">
-          <ac:chgData name="Fatima Pillosu" userId="a6295d4dc9e22643" providerId="LiveId" clId="{E2B223F2-0B33-4F85-811E-48E98266BFC0}" dt="2023-11-17T16:52:34.515" v="2285" actId="208"/>
+          <ac:chgData name="Fatima Pillosu" userId="a6295d4dc9e22643" providerId="LiveId" clId="{E2B223F2-0B33-4F85-811E-48E98266BFC0}" dt="2023-11-19T23:02:08.411" v="3118" actId="208"/>
           <ac:cxnSpMkLst>
             <pc:docMk/>
             <pc:sldMk cId="2230501479" sldId="257"/>
@@ -5847,7 +5879,7 @@
           </ac:cxnSpMkLst>
         </pc:cxnChg>
         <pc:cxnChg chg="add mod">
-          <ac:chgData name="Fatima Pillosu" userId="a6295d4dc9e22643" providerId="LiveId" clId="{E2B223F2-0B33-4F85-811E-48E98266BFC0}" dt="2023-11-17T16:52:34.515" v="2285" actId="208"/>
+          <ac:chgData name="Fatima Pillosu" userId="a6295d4dc9e22643" providerId="LiveId" clId="{E2B223F2-0B33-4F85-811E-48E98266BFC0}" dt="2023-11-19T23:02:08.411" v="3118" actId="208"/>
           <ac:cxnSpMkLst>
             <pc:docMk/>
             <pc:sldMk cId="2230501479" sldId="257"/>
@@ -5855,7 +5887,7 @@
           </ac:cxnSpMkLst>
         </pc:cxnChg>
         <pc:cxnChg chg="add mod">
-          <ac:chgData name="Fatima Pillosu" userId="a6295d4dc9e22643" providerId="LiveId" clId="{E2B223F2-0B33-4F85-811E-48E98266BFC0}" dt="2023-11-17T16:52:34.515" v="2285" actId="208"/>
+          <ac:chgData name="Fatima Pillosu" userId="a6295d4dc9e22643" providerId="LiveId" clId="{E2B223F2-0B33-4F85-811E-48E98266BFC0}" dt="2023-11-19T23:02:08.411" v="3118" actId="208"/>
           <ac:cxnSpMkLst>
             <pc:docMk/>
             <pc:sldMk cId="2230501479" sldId="257"/>
@@ -5863,7 +5895,7 @@
           </ac:cxnSpMkLst>
         </pc:cxnChg>
         <pc:cxnChg chg="add mod">
-          <ac:chgData name="Fatima Pillosu" userId="a6295d4dc9e22643" providerId="LiveId" clId="{E2B223F2-0B33-4F85-811E-48E98266BFC0}" dt="2023-11-17T16:52:34.515" v="2285" actId="208"/>
+          <ac:chgData name="Fatima Pillosu" userId="a6295d4dc9e22643" providerId="LiveId" clId="{E2B223F2-0B33-4F85-811E-48E98266BFC0}" dt="2023-11-19T23:02:08.411" v="3118" actId="208"/>
           <ac:cxnSpMkLst>
             <pc:docMk/>
             <pc:sldMk cId="2230501479" sldId="257"/>
@@ -5871,7 +5903,7 @@
           </ac:cxnSpMkLst>
         </pc:cxnChg>
         <pc:cxnChg chg="add mod">
-          <ac:chgData name="Fatima Pillosu" userId="a6295d4dc9e22643" providerId="LiveId" clId="{E2B223F2-0B33-4F85-811E-48E98266BFC0}" dt="2023-11-17T15:55:45.103" v="2281"/>
+          <ac:chgData name="Fatima Pillosu" userId="a6295d4dc9e22643" providerId="LiveId" clId="{E2B223F2-0B33-4F85-811E-48E98266BFC0}" dt="2023-11-19T23:01:12.368" v="3114" actId="208"/>
           <ac:cxnSpMkLst>
             <pc:docMk/>
             <pc:sldMk cId="2230501479" sldId="257"/>
@@ -5879,7 +5911,7 @@
           </ac:cxnSpMkLst>
         </pc:cxnChg>
         <pc:cxnChg chg="add mod">
-          <ac:chgData name="Fatima Pillosu" userId="a6295d4dc9e22643" providerId="LiveId" clId="{E2B223F2-0B33-4F85-811E-48E98266BFC0}" dt="2023-11-17T15:55:45.103" v="2281"/>
+          <ac:chgData name="Fatima Pillosu" userId="a6295d4dc9e22643" providerId="LiveId" clId="{E2B223F2-0B33-4F85-811E-48E98266BFC0}" dt="2023-11-19T23:01:12.368" v="3114" actId="208"/>
           <ac:cxnSpMkLst>
             <pc:docMk/>
             <pc:sldMk cId="2230501479" sldId="257"/>
@@ -5887,7 +5919,7 @@
           </ac:cxnSpMkLst>
         </pc:cxnChg>
         <pc:cxnChg chg="add mod">
-          <ac:chgData name="Fatima Pillosu" userId="a6295d4dc9e22643" providerId="LiveId" clId="{E2B223F2-0B33-4F85-811E-48E98266BFC0}" dt="2023-11-17T15:55:45.103" v="2281"/>
+          <ac:chgData name="Fatima Pillosu" userId="a6295d4dc9e22643" providerId="LiveId" clId="{E2B223F2-0B33-4F85-811E-48E98266BFC0}" dt="2023-11-19T22:33:16.651" v="3069" actId="14100"/>
           <ac:cxnSpMkLst>
             <pc:docMk/>
             <pc:sldMk cId="2230501479" sldId="257"/>
@@ -5895,7 +5927,7 @@
           </ac:cxnSpMkLst>
         </pc:cxnChg>
         <pc:cxnChg chg="add mod">
-          <ac:chgData name="Fatima Pillosu" userId="a6295d4dc9e22643" providerId="LiveId" clId="{E2B223F2-0B33-4F85-811E-48E98266BFC0}" dt="2023-11-17T15:55:45.103" v="2281"/>
+          <ac:chgData name="Fatima Pillosu" userId="a6295d4dc9e22643" providerId="LiveId" clId="{E2B223F2-0B33-4F85-811E-48E98266BFC0}" dt="2023-11-19T22:33:29.876" v="3071" actId="14100"/>
           <ac:cxnSpMkLst>
             <pc:docMk/>
             <pc:sldMk cId="2230501479" sldId="257"/>
@@ -5903,7 +5935,7 @@
           </ac:cxnSpMkLst>
         </pc:cxnChg>
         <pc:cxnChg chg="add mod">
-          <ac:chgData name="Fatima Pillosu" userId="a6295d4dc9e22643" providerId="LiveId" clId="{E2B223F2-0B33-4F85-811E-48E98266BFC0}" dt="2023-11-17T15:55:45.103" v="2281"/>
+          <ac:chgData name="Fatima Pillosu" userId="a6295d4dc9e22643" providerId="LiveId" clId="{E2B223F2-0B33-4F85-811E-48E98266BFC0}" dt="2023-11-19T16:35:15.413" v="2670" actId="14100"/>
           <ac:cxnSpMkLst>
             <pc:docMk/>
             <pc:sldMk cId="2230501479" sldId="257"/>
@@ -5911,7 +5943,7 @@
           </ac:cxnSpMkLst>
         </pc:cxnChg>
         <pc:cxnChg chg="add mod">
-          <ac:chgData name="Fatima Pillosu" userId="a6295d4dc9e22643" providerId="LiveId" clId="{E2B223F2-0B33-4F85-811E-48E98266BFC0}" dt="2023-11-17T15:55:45.103" v="2281"/>
+          <ac:chgData name="Fatima Pillosu" userId="a6295d4dc9e22643" providerId="LiveId" clId="{E2B223F2-0B33-4F85-811E-48E98266BFC0}" dt="2023-11-19T16:34:38.011" v="2658" actId="1037"/>
           <ac:cxnSpMkLst>
             <pc:docMk/>
             <pc:sldMk cId="2230501479" sldId="257"/>
@@ -5919,7 +5951,7 @@
           </ac:cxnSpMkLst>
         </pc:cxnChg>
         <pc:cxnChg chg="add mod">
-          <ac:chgData name="Fatima Pillosu" userId="a6295d4dc9e22643" providerId="LiveId" clId="{E2B223F2-0B33-4F85-811E-48E98266BFC0}" dt="2023-11-17T15:55:45.103" v="2281"/>
+          <ac:chgData name="Fatima Pillosu" userId="a6295d4dc9e22643" providerId="LiveId" clId="{E2B223F2-0B33-4F85-811E-48E98266BFC0}" dt="2023-11-19T16:34:38.011" v="2658" actId="1037"/>
           <ac:cxnSpMkLst>
             <pc:docMk/>
             <pc:sldMk cId="2230501479" sldId="257"/>
@@ -7071,7 +7103,7 @@
           <a:p>
             <a:fld id="{ECF8A5AB-4FEB-4DE2-90BB-D554FBAEAC0F}" type="datetimeFigureOut">
               <a:rPr lang="en-GB" smtClean="0"/>
-              <a:t>17/11/2023</a:t>
+              <a:t>20/11/2023</a:t>
             </a:fld>
             <a:endParaRPr lang="en-GB"/>
           </a:p>
@@ -7241,7 +7273,7 @@
           <a:p>
             <a:fld id="{ECF8A5AB-4FEB-4DE2-90BB-D554FBAEAC0F}" type="datetimeFigureOut">
               <a:rPr lang="en-GB" smtClean="0"/>
-              <a:t>17/11/2023</a:t>
+              <a:t>20/11/2023</a:t>
             </a:fld>
             <a:endParaRPr lang="en-GB"/>
           </a:p>
@@ -7421,7 +7453,7 @@
           <a:p>
             <a:fld id="{ECF8A5AB-4FEB-4DE2-90BB-D554FBAEAC0F}" type="datetimeFigureOut">
               <a:rPr lang="en-GB" smtClean="0"/>
-              <a:t>17/11/2023</a:t>
+              <a:t>20/11/2023</a:t>
             </a:fld>
             <a:endParaRPr lang="en-GB"/>
           </a:p>
@@ -7591,7 +7623,7 @@
           <a:p>
             <a:fld id="{ECF8A5AB-4FEB-4DE2-90BB-D554FBAEAC0F}" type="datetimeFigureOut">
               <a:rPr lang="en-GB" smtClean="0"/>
-              <a:t>17/11/2023</a:t>
+              <a:t>20/11/2023</a:t>
             </a:fld>
             <a:endParaRPr lang="en-GB"/>
           </a:p>
@@ -7835,7 +7867,7 @@
           <a:p>
             <a:fld id="{ECF8A5AB-4FEB-4DE2-90BB-D554FBAEAC0F}" type="datetimeFigureOut">
               <a:rPr lang="en-GB" smtClean="0"/>
-              <a:t>17/11/2023</a:t>
+              <a:t>20/11/2023</a:t>
             </a:fld>
             <a:endParaRPr lang="en-GB"/>
           </a:p>
@@ -8067,7 +8099,7 @@
           <a:p>
             <a:fld id="{ECF8A5AB-4FEB-4DE2-90BB-D554FBAEAC0F}" type="datetimeFigureOut">
               <a:rPr lang="en-GB" smtClean="0"/>
-              <a:t>17/11/2023</a:t>
+              <a:t>20/11/2023</a:t>
             </a:fld>
             <a:endParaRPr lang="en-GB"/>
           </a:p>
@@ -8434,7 +8466,7 @@
           <a:p>
             <a:fld id="{ECF8A5AB-4FEB-4DE2-90BB-D554FBAEAC0F}" type="datetimeFigureOut">
               <a:rPr lang="en-GB" smtClean="0"/>
-              <a:t>17/11/2023</a:t>
+              <a:t>20/11/2023</a:t>
             </a:fld>
             <a:endParaRPr lang="en-GB"/>
           </a:p>
@@ -8552,7 +8584,7 @@
           <a:p>
             <a:fld id="{ECF8A5AB-4FEB-4DE2-90BB-D554FBAEAC0F}" type="datetimeFigureOut">
               <a:rPr lang="en-GB" smtClean="0"/>
-              <a:t>17/11/2023</a:t>
+              <a:t>20/11/2023</a:t>
             </a:fld>
             <a:endParaRPr lang="en-GB"/>
           </a:p>
@@ -8647,7 +8679,7 @@
           <a:p>
             <a:fld id="{ECF8A5AB-4FEB-4DE2-90BB-D554FBAEAC0F}" type="datetimeFigureOut">
               <a:rPr lang="en-GB" smtClean="0"/>
-              <a:t>17/11/2023</a:t>
+              <a:t>20/11/2023</a:t>
             </a:fld>
             <a:endParaRPr lang="en-GB"/>
           </a:p>
@@ -8924,7 +8956,7 @@
           <a:p>
             <a:fld id="{ECF8A5AB-4FEB-4DE2-90BB-D554FBAEAC0F}" type="datetimeFigureOut">
               <a:rPr lang="en-GB" smtClean="0"/>
-              <a:t>17/11/2023</a:t>
+              <a:t>20/11/2023</a:t>
             </a:fld>
             <a:endParaRPr lang="en-GB"/>
           </a:p>
@@ -9181,7 +9213,7 @@
           <a:p>
             <a:fld id="{ECF8A5AB-4FEB-4DE2-90BB-D554FBAEAC0F}" type="datetimeFigureOut">
               <a:rPr lang="en-GB" smtClean="0"/>
-              <a:t>17/11/2023</a:t>
+              <a:t>20/11/2023</a:t>
             </a:fld>
             <a:endParaRPr lang="en-GB"/>
           </a:p>
@@ -9394,7 +9426,7 @@
           <a:p>
             <a:fld id="{ECF8A5AB-4FEB-4DE2-90BB-D554FBAEAC0F}" type="datetimeFigureOut">
               <a:rPr lang="en-GB" smtClean="0"/>
-              <a:t>17/11/2023</a:t>
+              <a:t>20/11/2023</a:t>
             </a:fld>
             <a:endParaRPr lang="en-GB"/>
           </a:p>
@@ -9848,7 +9880,7 @@
         </p:nvSpPr>
         <p:spPr>
           <a:xfrm>
-            <a:off x="3652671" y="608982"/>
+            <a:off x="3652671" y="446422"/>
             <a:ext cx="814191" cy="849985"/>
           </a:xfrm>
           <a:prstGeom prst="rect">
@@ -9910,7 +9942,7 @@
         </p:nvSpPr>
         <p:spPr>
           <a:xfrm>
-            <a:off x="3660353" y="623947"/>
+            <a:off x="3660353" y="461387"/>
             <a:ext cx="768910" cy="831540"/>
           </a:xfrm>
           <a:custGeom>
@@ -10201,7 +10233,7 @@
         </p:nvSpPr>
         <p:spPr>
           <a:xfrm rot="16200000">
-            <a:off x="3177861" y="980507"/>
+            <a:off x="3177861" y="817947"/>
             <a:ext cx="703735" cy="246221"/>
           </a:xfrm>
           <a:prstGeom prst="rect">
@@ -10254,7 +10286,7 @@
         </p:nvCxnSpPr>
         <p:spPr>
           <a:xfrm flipH="1">
-            <a:off x="3652648" y="678097"/>
+            <a:off x="3652648" y="515537"/>
             <a:ext cx="530527" cy="0"/>
           </a:xfrm>
           <a:prstGeom prst="line">
@@ -10301,7 +10333,7 @@
         </p:nvCxnSpPr>
         <p:spPr>
           <a:xfrm>
-            <a:off x="4207624" y="714397"/>
+            <a:off x="4207624" y="551837"/>
             <a:ext cx="0" cy="741092"/>
           </a:xfrm>
           <a:prstGeom prst="line">
@@ -10346,7 +10378,7 @@
         </p:nvSpPr>
         <p:spPr>
           <a:xfrm>
-            <a:off x="3837372" y="1437498"/>
+            <a:off x="3837372" y="1274938"/>
             <a:ext cx="814191" cy="246221"/>
           </a:xfrm>
           <a:prstGeom prst="rect">
@@ -10407,7 +10439,7 @@
         </p:nvSpPr>
         <p:spPr>
           <a:xfrm>
-            <a:off x="2913645" y="584747"/>
+            <a:off x="2913645" y="401867"/>
             <a:ext cx="814191" cy="246221"/>
           </a:xfrm>
           <a:prstGeom prst="rect">
@@ -10460,7 +10492,7 @@
         </p:nvSpPr>
         <p:spPr>
           <a:xfrm>
-            <a:off x="4187109" y="658901"/>
+            <a:off x="4187109" y="496341"/>
             <a:ext cx="36000" cy="36000"/>
           </a:xfrm>
           <a:prstGeom prst="ellipse">
@@ -10521,7 +10553,7 @@
         </p:nvSpPr>
         <p:spPr>
           <a:xfrm rot="16200000">
-            <a:off x="3126700" y="1974669"/>
+            <a:off x="3126700" y="1812109"/>
             <a:ext cx="3131486" cy="400110"/>
           </a:xfrm>
           <a:prstGeom prst="rect">
@@ -10542,15 +10574,7 @@
                   <a:srgbClr val="0000FF"/>
                 </a:solidFill>
               </a:rPr>
-              <a:t>Distribution of short-range ecPoint rainfall forecasts (i.e., </a:t>
-            </a:r>
-            <a:r>
-              <a:rPr lang="en-GB" sz="1000">
-                <a:solidFill>
-                  <a:srgbClr val="0000FF"/>
-                </a:solidFill>
-              </a:rPr>
-              <a:t>realizations) </a:t>
+              <a:t>Distribution of short-range ecPoint rainfall forecasts </a:t>
             </a:r>
             <a:r>
               <a:rPr lang="en-GB" sz="1000" dirty="0">
@@ -10558,21 +10582,8 @@
                   <a:srgbClr val="0000FF"/>
                 </a:solidFill>
               </a:rPr>
-              <a:t>for each of the N point </a:t>
+              <a:t>for each of the N point flood reports</a:t>
             </a:r>
-            <a:r>
-              <a:rPr lang="en-GB" sz="1000">
-                <a:solidFill>
-                  <a:srgbClr val="0000FF"/>
-                </a:solidFill>
-              </a:rPr>
-              <a:t>flood reports.</a:t>
-            </a:r>
-            <a:endParaRPr lang="en-GB" sz="1000" dirty="0">
-              <a:solidFill>
-                <a:srgbClr val="0000FF"/>
-              </a:solidFill>
-            </a:endParaRPr>
           </a:p>
         </p:txBody>
       </p:sp>
@@ -10590,7 +10601,7 @@
         </p:nvSpPr>
         <p:spPr>
           <a:xfrm>
-            <a:off x="3652671" y="1669997"/>
+            <a:off x="3652671" y="1507437"/>
             <a:ext cx="814191" cy="843579"/>
           </a:xfrm>
           <a:prstGeom prst="rect">
@@ -10652,7 +10663,7 @@
         </p:nvSpPr>
         <p:spPr>
           <a:xfrm>
-            <a:off x="3660398" y="1681640"/>
+            <a:off x="3660398" y="1519080"/>
             <a:ext cx="606678" cy="828455"/>
           </a:xfrm>
           <a:custGeom>
@@ -11083,7 +11094,7 @@
         </p:nvSpPr>
         <p:spPr>
           <a:xfrm rot="16200000">
-            <a:off x="3159186" y="2016438"/>
+            <a:off x="3159186" y="1853878"/>
             <a:ext cx="741087" cy="246221"/>
           </a:xfrm>
           <a:prstGeom prst="rect">
@@ -11136,7 +11147,7 @@
         </p:nvCxnSpPr>
         <p:spPr>
           <a:xfrm flipH="1">
-            <a:off x="3652695" y="1732706"/>
+            <a:off x="3652695" y="1570146"/>
             <a:ext cx="288000" cy="0"/>
           </a:xfrm>
           <a:prstGeom prst="line">
@@ -11183,7 +11194,7 @@
         </p:nvCxnSpPr>
         <p:spPr>
           <a:xfrm>
-            <a:off x="3927453" y="1769006"/>
+            <a:off x="3927453" y="1606446"/>
             <a:ext cx="0" cy="741092"/>
           </a:xfrm>
           <a:prstGeom prst="line">
@@ -11228,7 +11239,7 @@
         </p:nvSpPr>
         <p:spPr>
           <a:xfrm>
-            <a:off x="3557201" y="2492107"/>
+            <a:off x="3557201" y="2329547"/>
             <a:ext cx="814191" cy="246221"/>
           </a:xfrm>
           <a:prstGeom prst="rect">
@@ -11289,7 +11300,7 @@
         </p:nvSpPr>
         <p:spPr>
           <a:xfrm>
-            <a:off x="2913645" y="1654957"/>
+            <a:off x="2913645" y="1472077"/>
             <a:ext cx="814191" cy="246221"/>
           </a:xfrm>
           <a:prstGeom prst="rect">
@@ -11342,7 +11353,7 @@
         </p:nvSpPr>
         <p:spPr>
           <a:xfrm>
-            <a:off x="3909711" y="1713416"/>
+            <a:off x="3909711" y="1550856"/>
             <a:ext cx="36000" cy="36000"/>
           </a:xfrm>
           <a:prstGeom prst="ellipse">
@@ -11403,7 +11414,7 @@
         </p:nvSpPr>
         <p:spPr>
           <a:xfrm>
-            <a:off x="3652671" y="2894097"/>
+            <a:off x="3652671" y="2690897"/>
             <a:ext cx="814191" cy="849851"/>
           </a:xfrm>
           <a:prstGeom prst="rect">
@@ -11465,7 +11476,7 @@
         </p:nvSpPr>
         <p:spPr>
           <a:xfrm>
-            <a:off x="3660352" y="2908928"/>
+            <a:off x="3660352" y="2705728"/>
             <a:ext cx="601762" cy="831540"/>
           </a:xfrm>
           <a:custGeom>
@@ -11896,7 +11907,7 @@
         </p:nvSpPr>
         <p:spPr>
           <a:xfrm>
-            <a:off x="3603702" y="3884007"/>
+            <a:off x="3603702" y="3680807"/>
             <a:ext cx="930420" cy="246221"/>
           </a:xfrm>
           <a:prstGeom prst="rect">
@@ -11947,7 +11958,7 @@
         </p:nvSpPr>
         <p:spPr>
           <a:xfrm rot="16200000">
-            <a:off x="3175990" y="3263617"/>
+            <a:off x="3175990" y="3060417"/>
             <a:ext cx="707480" cy="246221"/>
           </a:xfrm>
           <a:prstGeom prst="rect">
@@ -12000,7 +12011,7 @@
         </p:nvCxnSpPr>
         <p:spPr>
           <a:xfrm flipH="1" flipV="1">
-            <a:off x="3652651" y="2963078"/>
+            <a:off x="3652651" y="2759878"/>
             <a:ext cx="322672" cy="15389"/>
           </a:xfrm>
           <a:prstGeom prst="line">
@@ -12047,7 +12058,7 @@
         </p:nvCxnSpPr>
         <p:spPr>
           <a:xfrm>
-            <a:off x="3912660" y="2999378"/>
+            <a:off x="3912660" y="2796178"/>
             <a:ext cx="0" cy="741092"/>
           </a:xfrm>
           <a:prstGeom prst="line">
@@ -12092,7 +12103,7 @@
         </p:nvSpPr>
         <p:spPr>
           <a:xfrm>
-            <a:off x="3542408" y="3722479"/>
+            <a:off x="3542408" y="3519279"/>
             <a:ext cx="814191" cy="246221"/>
           </a:xfrm>
           <a:prstGeom prst="rect">
@@ -12153,7 +12164,7 @@
         </p:nvSpPr>
         <p:spPr>
           <a:xfrm>
-            <a:off x="2913645" y="2872129"/>
+            <a:off x="2913645" y="2648609"/>
             <a:ext cx="814191" cy="246221"/>
           </a:xfrm>
           <a:prstGeom prst="rect">
@@ -12206,7 +12217,7 @@
         </p:nvSpPr>
         <p:spPr>
           <a:xfrm>
-            <a:off x="3895640" y="2948918"/>
+            <a:off x="3895640" y="2745718"/>
             <a:ext cx="36000" cy="36000"/>
           </a:xfrm>
           <a:prstGeom prst="ellipse">
@@ -12329,7 +12340,7 @@
         </p:nvSpPr>
         <p:spPr>
           <a:xfrm rot="16200000">
-            <a:off x="3626668" y="2649409"/>
+            <a:off x="3626668" y="2486849"/>
             <a:ext cx="814191" cy="215444"/>
           </a:xfrm>
           <a:prstGeom prst="rect">
@@ -12438,7 +12449,7 @@
         </p:nvSpPr>
         <p:spPr>
           <a:xfrm>
-            <a:off x="3951766" y="356445"/>
+            <a:off x="4540838" y="305087"/>
             <a:ext cx="216000" cy="215444"/>
           </a:xfrm>
           <a:prstGeom prst="rect">
@@ -12494,7 +12505,7 @@
         </p:nvSpPr>
         <p:spPr>
           <a:xfrm>
-            <a:off x="3331873" y="3650399"/>
+            <a:off x="3331873" y="3447199"/>
             <a:ext cx="380723" cy="246221"/>
           </a:xfrm>
           <a:prstGeom prst="rect">
@@ -12545,7 +12556,7 @@
         </p:nvSpPr>
         <p:spPr>
           <a:xfrm>
-            <a:off x="3331873" y="1501951"/>
+            <a:off x="3331873" y="1339391"/>
             <a:ext cx="380723" cy="246221"/>
           </a:xfrm>
           <a:prstGeom prst="rect">
@@ -12596,7 +12607,7 @@
         </p:nvSpPr>
         <p:spPr>
           <a:xfrm>
-            <a:off x="3331873" y="2422458"/>
+            <a:off x="3331873" y="2259898"/>
             <a:ext cx="380723" cy="246221"/>
           </a:xfrm>
           <a:prstGeom prst="rect">
@@ -12647,7 +12658,7 @@
         </p:nvSpPr>
         <p:spPr>
           <a:xfrm>
-            <a:off x="3331873" y="428001"/>
+            <a:off x="3331873" y="265441"/>
             <a:ext cx="380723" cy="246221"/>
           </a:xfrm>
           <a:prstGeom prst="rect">
@@ -12698,7 +12709,7 @@
         </p:nvSpPr>
         <p:spPr>
           <a:xfrm>
-            <a:off x="3331873" y="1354362"/>
+            <a:off x="3331873" y="1191802"/>
             <a:ext cx="380723" cy="246221"/>
           </a:xfrm>
           <a:prstGeom prst="rect">
@@ -12752,7 +12763,7 @@
         </p:nvCxnSpPr>
         <p:spPr>
           <a:xfrm flipH="1">
-            <a:off x="1326966" y="1103617"/>
+            <a:off x="1326966" y="941057"/>
             <a:ext cx="2079652" cy="44196"/>
           </a:xfrm>
           <a:prstGeom prst="line">
@@ -12801,7 +12812,7 @@
         </p:nvCxnSpPr>
         <p:spPr>
           <a:xfrm flipH="1" flipV="1">
-            <a:off x="1227109" y="1538171"/>
+            <a:off x="1227109" y="1375611"/>
             <a:ext cx="2179510" cy="601377"/>
           </a:xfrm>
           <a:prstGeom prst="line">
@@ -12850,7 +12861,7 @@
         </p:nvCxnSpPr>
         <p:spPr>
           <a:xfrm flipH="1" flipV="1">
-            <a:off x="700505" y="2262739"/>
+            <a:off x="700505" y="2059539"/>
             <a:ext cx="2706115" cy="1123989"/>
           </a:xfrm>
           <a:prstGeom prst="line">
@@ -12896,7 +12907,7 @@
         </p:nvSpPr>
         <p:spPr>
           <a:xfrm>
-            <a:off x="3331873" y="2726551"/>
+            <a:off x="3331873" y="2523351"/>
             <a:ext cx="380723" cy="246221"/>
           </a:xfrm>
           <a:prstGeom prst="rect">
@@ -14424,8 +14435,8 @@
         </p:nvSpPr>
         <p:spPr>
           <a:xfrm>
-            <a:off x="5396854" y="1283935"/>
-            <a:ext cx="1250214" cy="400110"/>
+            <a:off x="5314785" y="1141810"/>
+            <a:ext cx="1385925" cy="553998"/>
           </a:xfrm>
           <a:prstGeom prst="rect">
             <a:avLst/>
@@ -14445,7 +14456,7 @@
                   <a:srgbClr val="FF0000"/>
                 </a:solidFill>
               </a:rPr>
-              <a:t>Net distribution of the N tp(x</a:t>
+              <a:t>Net distribution of the N flash-flood-triggering tp(x</a:t>
             </a:r>
             <a:r>
               <a:rPr lang="en-GB" sz="1000" baseline="30000" dirty="0">
@@ -14461,7 +14472,7 @@
                   <a:srgbClr val="FF0000"/>
                 </a:solidFill>
               </a:rPr>
-              <a:t>) values</a:t>
+              <a:t>) events</a:t>
             </a:r>
           </a:p>
         </p:txBody>
@@ -14480,7 +14491,7 @@
         </p:nvSpPr>
         <p:spPr>
           <a:xfrm>
-            <a:off x="5921314" y="1070502"/>
+            <a:off x="5921314" y="735222"/>
             <a:ext cx="216000" cy="215444"/>
           </a:xfrm>
           <a:prstGeom prst="rect">
@@ -14638,8 +14649,8 @@
         </p:nvSpPr>
         <p:spPr>
           <a:xfrm>
-            <a:off x="219075" y="259080"/>
-            <a:ext cx="3068569" cy="400110"/>
+            <a:off x="228835" y="174840"/>
+            <a:ext cx="3040796" cy="553998"/>
           </a:xfrm>
           <a:prstGeom prst="rect">
             <a:avLst/>
@@ -14665,21 +14676,23 @@
                 <a:latin typeface="Calibri" panose="020F0502020204030204" pitchFamily="34" charset="0"/>
                 <a:ea typeface="Calibri" panose="020F0502020204030204" pitchFamily="34" charset="0"/>
               </a:rPr>
-              <a:t>Location of N point flood reports in “La Costa”, with EFFCI&gt;=6, in 2019 (from </a:t>
+              <a:t>Location of the considered N point flood reports</a:t>
             </a:r>
+          </a:p>
+          <a:p>
+            <a:pPr algn="ctr"/>
             <a:r>
-              <a:rPr lang="en-GB" sz="1000" b="1" dirty="0">
+              <a:rPr lang="en-GB" sz="1000" dirty="0">
                 <a:solidFill>
                   <a:schemeClr val="tx1">
                     <a:lumMod val="75000"/>
                     <a:lumOff val="25000"/>
                   </a:schemeClr>
                 </a:solidFill>
-                <a:effectLst/>
                 <a:latin typeface="Calibri" panose="020F0502020204030204" pitchFamily="34" charset="0"/>
                 <a:ea typeface="Calibri" panose="020F0502020204030204" pitchFamily="34" charset="0"/>
               </a:rPr>
-              <a:t>Figure 3b</a:t>
+              <a:t>(example taken for the 2019’s N=93 flood reports</a:t>
             </a:r>
             <a:r>
               <a:rPr lang="en-GB" sz="1000" dirty="0">
@@ -14693,7 +14706,7 @@
                 <a:latin typeface="Calibri" panose="020F0502020204030204" pitchFamily="34" charset="0"/>
                 <a:ea typeface="Calibri" panose="020F0502020204030204" pitchFamily="34" charset="0"/>
               </a:rPr>
-              <a:t>)</a:t>
+              <a:t> with EFFCI&gt;=6 in “La Costa”)</a:t>
             </a:r>
             <a:endParaRPr lang="en-GB" sz="1000" dirty="0">
               <a:solidFill>
@@ -14720,8 +14733,8 @@
         </p:nvSpPr>
         <p:spPr>
           <a:xfrm>
-            <a:off x="0" y="21942"/>
-            <a:ext cx="6858000" cy="246221"/>
+            <a:off x="-55880" y="-46638"/>
+            <a:ext cx="6969760" cy="246221"/>
           </a:xfrm>
           <a:prstGeom prst="rect">
             <a:avLst/>
@@ -14736,18 +14749,8 @@
           <a:p>
             <a:pPr algn="ctr"/>
             <a:r>
-              <a:rPr lang="en-GB" sz="1000" b="1" dirty="0">
-                <a:solidFill>
-                  <a:schemeClr val="tx1">
-                    <a:lumMod val="75000"/>
-                    <a:lumOff val="25000"/>
-                  </a:schemeClr>
-                </a:solidFill>
-                <a:effectLst/>
-                <a:latin typeface="Calibri" panose="020F0502020204030204" pitchFamily="34" charset="0"/>
-                <a:ea typeface="Calibri" panose="020F0502020204030204" pitchFamily="34" charset="0"/>
-              </a:rPr>
-              <a:t>Schematic representation of the definition of verifying rainfall thresholds (VRTs) using short-range ecPoint rainfall forecasts</a:t>
+              <a:rPr lang="en-GB" sz="1000" b="1" dirty="0"/>
+              <a:t>Schematic representation of how short-range ecPoint rainfall forecasts are used to determine verifying rainfall thresholds (VRT)</a:t>
             </a:r>
             <a:endParaRPr lang="en-GB" sz="1000" b="1" dirty="0">
               <a:solidFill>
@@ -14774,7 +14777,7 @@
         </p:nvSpPr>
         <p:spPr>
           <a:xfrm>
-            <a:off x="487184" y="4466907"/>
+            <a:off x="12834" y="4402640"/>
             <a:ext cx="216000" cy="215444"/>
           </a:xfrm>
           <a:prstGeom prst="rect">
@@ -14830,7 +14833,7 @@
         </p:nvSpPr>
         <p:spPr>
           <a:xfrm>
-            <a:off x="1408847" y="4927600"/>
+            <a:off x="1134527" y="4978400"/>
             <a:ext cx="797467" cy="2060754"/>
           </a:xfrm>
           <a:prstGeom prst="rect">
@@ -14892,7 +14895,7 @@
         </p:nvSpPr>
         <p:spPr>
           <a:xfrm>
-            <a:off x="1002525" y="4927600"/>
+            <a:off x="728205" y="4978400"/>
             <a:ext cx="406858" cy="2060754"/>
           </a:xfrm>
           <a:prstGeom prst="rect">
@@ -14900,7 +14903,7 @@
           </a:prstGeom>
           <a:solidFill>
             <a:schemeClr val="bg2">
-              <a:lumMod val="90000"/>
+              <a:lumMod val="75000"/>
               <a:alpha val="75000"/>
             </a:schemeClr>
           </a:solidFill>
@@ -14954,7 +14957,7 @@
         </p:nvSpPr>
         <p:spPr>
           <a:xfrm>
-            <a:off x="715085" y="4927600"/>
+            <a:off x="440765" y="4978400"/>
             <a:ext cx="2084112" cy="2060754"/>
           </a:xfrm>
           <a:prstGeom prst="rect">
@@ -15016,7 +15019,7 @@
         </p:nvSpPr>
         <p:spPr>
           <a:xfrm>
-            <a:off x="722766" y="4942430"/>
+            <a:off x="448446" y="4993230"/>
             <a:ext cx="1960075" cy="2016353"/>
           </a:xfrm>
           <a:custGeom>
@@ -15775,9 +15778,7 @@
           <a:noFill/>
           <a:ln w="28575">
             <a:solidFill>
-              <a:schemeClr val="accent4">
-                <a:lumMod val="75000"/>
-              </a:schemeClr>
+              <a:srgbClr val="FFFF00"/>
             </a:solidFill>
           </a:ln>
         </p:spPr>
@@ -15827,7 +15828,7 @@
         </p:nvSpPr>
         <p:spPr>
           <a:xfrm>
-            <a:off x="712610" y="7254176"/>
+            <a:off x="438290" y="7254176"/>
             <a:ext cx="2086587" cy="246221"/>
           </a:xfrm>
           <a:prstGeom prst="rect">
@@ -15878,7 +15879,7 @@
         </p:nvSpPr>
         <p:spPr>
           <a:xfrm rot="16200000">
-            <a:off x="-641625" y="5834868"/>
+            <a:off x="-915945" y="5885668"/>
             <a:ext cx="2060754" cy="246221"/>
           </a:xfrm>
           <a:prstGeom prst="rect">
@@ -15929,19 +15930,22 @@
         </p:nvSpPr>
         <p:spPr>
           <a:xfrm>
-            <a:off x="2170403" y="4904338"/>
+            <a:off x="1896083" y="5026258"/>
             <a:ext cx="72000" cy="72000"/>
           </a:xfrm>
           <a:prstGeom prst="ellipse">
             <a:avLst/>
           </a:prstGeom>
           <a:solidFill>
-            <a:schemeClr val="accent4">
-              <a:lumMod val="75000"/>
-            </a:schemeClr>
+            <a:srgbClr val="FFFF00"/>
           </a:solidFill>
-          <a:ln>
-            <a:noFill/>
+          <a:ln w="3175">
+            <a:solidFill>
+              <a:schemeClr val="tx1">
+                <a:lumMod val="75000"/>
+                <a:lumOff val="25000"/>
+              </a:schemeClr>
+            </a:solidFill>
           </a:ln>
         </p:spPr>
         <p:style>
@@ -15990,7 +15994,7 @@
         </p:nvSpPr>
         <p:spPr>
           <a:xfrm>
-            <a:off x="376310" y="6836646"/>
+            <a:off x="101990" y="6887446"/>
             <a:ext cx="389608" cy="246221"/>
           </a:xfrm>
           <a:prstGeom prst="rect">
@@ -16041,7 +16045,7 @@
         </p:nvSpPr>
         <p:spPr>
           <a:xfrm>
-            <a:off x="324734" y="5323672"/>
+            <a:off x="50414" y="5374472"/>
             <a:ext cx="441184" cy="246221"/>
           </a:xfrm>
           <a:prstGeom prst="rect">
@@ -16065,9 +16069,20 @@
                   </a:schemeClr>
                 </a:solidFill>
               </a:rPr>
-              <a:t>P1</a:t>
+              <a:t>P</a:t>
             </a:r>
-            <a:endParaRPr lang="en-GB" sz="1000" dirty="0">
+            <a:r>
+              <a:rPr lang="it-IT" sz="1000" baseline="-25000" dirty="0">
+                <a:solidFill>
+                  <a:schemeClr val="tx1">
+                    <a:lumMod val="75000"/>
+                    <a:lumOff val="25000"/>
+                  </a:schemeClr>
+                </a:solidFill>
+              </a:rPr>
+              <a:t>1</a:t>
+            </a:r>
+            <a:endParaRPr lang="en-GB" sz="1000" baseline="-25000" dirty="0">
               <a:solidFill>
                 <a:schemeClr val="tx1">
                   <a:lumMod val="75000"/>
@@ -16092,7 +16107,7 @@
         </p:nvSpPr>
         <p:spPr>
           <a:xfrm>
-            <a:off x="324734" y="5072863"/>
+            <a:off x="50414" y="5123663"/>
             <a:ext cx="441184" cy="246221"/>
           </a:xfrm>
           <a:prstGeom prst="rect">
@@ -16116,9 +16131,20 @@
                   </a:schemeClr>
                 </a:solidFill>
               </a:rPr>
-              <a:t>P2</a:t>
+              <a:t>P</a:t>
             </a:r>
-            <a:endParaRPr lang="en-GB" sz="1000" dirty="0">
+            <a:r>
+              <a:rPr lang="it-IT" sz="1000" baseline="-25000" dirty="0">
+                <a:solidFill>
+                  <a:schemeClr val="tx1">
+                    <a:lumMod val="75000"/>
+                    <a:lumOff val="25000"/>
+                  </a:schemeClr>
+                </a:solidFill>
+              </a:rPr>
+              <a:t>2</a:t>
+            </a:r>
+            <a:endParaRPr lang="en-GB" sz="1000" baseline="-25000" dirty="0">
               <a:solidFill>
                 <a:schemeClr val="tx1">
                   <a:lumMod val="75000"/>
@@ -16143,7 +16169,7 @@
         </p:nvSpPr>
         <p:spPr>
           <a:xfrm>
-            <a:off x="332415" y="4890497"/>
+            <a:off x="58095" y="4941297"/>
             <a:ext cx="441184" cy="246221"/>
           </a:xfrm>
           <a:prstGeom prst="rect">
@@ -16167,9 +16193,20 @@
                   </a:schemeClr>
                 </a:solidFill>
               </a:rPr>
-              <a:t>P3</a:t>
+              <a:t>P</a:t>
             </a:r>
-            <a:endParaRPr lang="en-GB" sz="1000" dirty="0">
+            <a:r>
+              <a:rPr lang="it-IT" sz="1000" baseline="-25000" dirty="0">
+                <a:solidFill>
+                  <a:schemeClr val="tx1">
+                    <a:lumMod val="75000"/>
+                    <a:lumOff val="25000"/>
+                  </a:schemeClr>
+                </a:solidFill>
+              </a:rPr>
+              <a:t>3</a:t>
+            </a:r>
+            <a:endParaRPr lang="en-GB" sz="1000" baseline="-25000" dirty="0">
               <a:solidFill>
                 <a:schemeClr val="tx1">
                   <a:lumMod val="75000"/>
@@ -16194,19 +16231,22 @@
         </p:nvSpPr>
         <p:spPr>
           <a:xfrm>
-            <a:off x="1373470" y="5170675"/>
+            <a:off x="1099150" y="5221475"/>
             <a:ext cx="72000" cy="72000"/>
           </a:xfrm>
           <a:prstGeom prst="ellipse">
             <a:avLst/>
           </a:prstGeom>
           <a:solidFill>
-            <a:schemeClr val="accent4">
-              <a:lumMod val="75000"/>
-            </a:schemeClr>
+            <a:srgbClr val="FFFF00"/>
           </a:solidFill>
-          <a:ln>
-            <a:noFill/>
+          <a:ln w="3175">
+            <a:solidFill>
+              <a:schemeClr val="tx1">
+                <a:lumMod val="75000"/>
+                <a:lumOff val="25000"/>
+              </a:schemeClr>
+            </a:solidFill>
           </a:ln>
         </p:spPr>
         <p:style>
@@ -16255,19 +16295,22 @@
         </p:nvSpPr>
         <p:spPr>
           <a:xfrm>
-            <a:off x="959578" y="5433112"/>
+            <a:off x="685258" y="5483912"/>
             <a:ext cx="72000" cy="72000"/>
           </a:xfrm>
           <a:prstGeom prst="ellipse">
             <a:avLst/>
           </a:prstGeom>
           <a:solidFill>
-            <a:schemeClr val="accent4">
-              <a:lumMod val="75000"/>
-            </a:schemeClr>
+            <a:srgbClr val="FFFF00"/>
           </a:solidFill>
-          <a:ln>
-            <a:noFill/>
+          <a:ln w="3175">
+            <a:solidFill>
+              <a:schemeClr val="tx1">
+                <a:lumMod val="75000"/>
+                <a:lumOff val="25000"/>
+              </a:schemeClr>
+            </a:solidFill>
           </a:ln>
         </p:spPr>
         <p:style>
@@ -16318,7 +16361,7 @@
         </p:nvCxnSpPr>
         <p:spPr>
           <a:xfrm>
-            <a:off x="712611" y="4935047"/>
+            <a:off x="438291" y="5056967"/>
             <a:ext cx="1457792" cy="0"/>
           </a:xfrm>
           <a:prstGeom prst="line">
@@ -16326,7 +16369,10 @@
           </a:prstGeom>
           <a:ln>
             <a:solidFill>
-              <a:srgbClr val="FF0000"/>
+              <a:schemeClr val="tx1">
+                <a:lumMod val="75000"/>
+                <a:lumOff val="25000"/>
+              </a:schemeClr>
             </a:solidFill>
             <a:prstDash val="dash"/>
             <a:tailEnd type="triangle" w="sm" len="sm"/>
@@ -16363,7 +16409,7 @@
         </p:nvCxnSpPr>
         <p:spPr>
           <a:xfrm flipH="1">
-            <a:off x="2208917" y="5052538"/>
+            <a:off x="1934597" y="5103338"/>
             <a:ext cx="0" cy="1935816"/>
           </a:xfrm>
           <a:prstGeom prst="line">
@@ -16371,7 +16417,10 @@
           </a:prstGeom>
           <a:ln>
             <a:solidFill>
-              <a:srgbClr val="FF0000"/>
+              <a:schemeClr val="tx1">
+                <a:lumMod val="75000"/>
+                <a:lumOff val="25000"/>
+              </a:schemeClr>
             </a:solidFill>
             <a:prstDash val="dash"/>
             <a:tailEnd type="triangle" w="sm" len="sm"/>
@@ -16408,7 +16457,7 @@
         </p:nvCxnSpPr>
         <p:spPr>
           <a:xfrm>
-            <a:off x="998090" y="5505112"/>
+            <a:off x="723770" y="5555912"/>
             <a:ext cx="0" cy="1483242"/>
           </a:xfrm>
           <a:prstGeom prst="line">
@@ -16416,7 +16465,10 @@
           </a:prstGeom>
           <a:ln>
             <a:solidFill>
-              <a:srgbClr val="FF0000"/>
+              <a:schemeClr val="tx1">
+                <a:lumMod val="75000"/>
+                <a:lumOff val="25000"/>
+              </a:schemeClr>
             </a:solidFill>
             <a:prstDash val="dash"/>
             <a:headEnd type="none"/>
@@ -16454,7 +16506,7 @@
         </p:nvCxnSpPr>
         <p:spPr>
           <a:xfrm>
-            <a:off x="714365" y="5469112"/>
+            <a:off x="440045" y="5519912"/>
             <a:ext cx="241529" cy="0"/>
           </a:xfrm>
           <a:prstGeom prst="line">
@@ -16462,7 +16514,10 @@
           </a:prstGeom>
           <a:ln>
             <a:solidFill>
-              <a:srgbClr val="FF0000"/>
+              <a:schemeClr val="tx1">
+                <a:lumMod val="75000"/>
+                <a:lumOff val="25000"/>
+              </a:schemeClr>
             </a:solidFill>
             <a:prstDash val="dash"/>
             <a:tailEnd type="triangle" w="sm" len="sm"/>
@@ -16500,7 +16555,7 @@
         </p:nvCxnSpPr>
         <p:spPr>
           <a:xfrm>
-            <a:off x="712611" y="5206675"/>
+            <a:off x="438291" y="5257475"/>
             <a:ext cx="660859" cy="0"/>
           </a:xfrm>
           <a:prstGeom prst="line">
@@ -16508,7 +16563,10 @@
           </a:prstGeom>
           <a:ln>
             <a:solidFill>
-              <a:srgbClr val="FF0000"/>
+              <a:schemeClr val="tx1">
+                <a:lumMod val="75000"/>
+                <a:lumOff val="25000"/>
+              </a:schemeClr>
             </a:solidFill>
             <a:prstDash val="dash"/>
             <a:tailEnd type="triangle" w="sm" len="sm"/>
@@ -16545,7 +16603,7 @@
         </p:nvCxnSpPr>
         <p:spPr>
           <a:xfrm>
-            <a:off x="1408848" y="5242675"/>
+            <a:off x="1134528" y="5293475"/>
             <a:ext cx="0" cy="1745679"/>
           </a:xfrm>
           <a:prstGeom prst="line">
@@ -16553,7 +16611,10 @@
           </a:prstGeom>
           <a:ln>
             <a:solidFill>
-              <a:srgbClr val="FF0000"/>
+              <a:schemeClr val="tx1">
+                <a:lumMod val="75000"/>
+                <a:lumOff val="25000"/>
+              </a:schemeClr>
             </a:solidFill>
             <a:prstDash val="dash"/>
             <a:tailEnd type="triangle" w="sm" len="sm"/>
@@ -16588,7 +16649,7 @@
         </p:nvSpPr>
         <p:spPr>
           <a:xfrm rot="18530121">
-            <a:off x="1229182" y="7004387"/>
+            <a:off x="954862" y="7055187"/>
             <a:ext cx="441184" cy="246221"/>
           </a:xfrm>
           <a:prstGeom prst="rect">
@@ -16612,7 +16673,7 @@
                   </a:schemeClr>
                 </a:solidFill>
               </a:rPr>
-              <a:t>TP</a:t>
+              <a:t>tp</a:t>
             </a:r>
             <a:r>
               <a:rPr lang="it-IT" sz="1000" baseline="-25000" dirty="0">
@@ -16623,7 +16684,7 @@
                   </a:schemeClr>
                 </a:solidFill>
               </a:rPr>
-              <a:t>P2</a:t>
+              <a:t>2</a:t>
             </a:r>
             <a:endParaRPr lang="en-GB" sz="1000" baseline="-25000" dirty="0">
               <a:solidFill>
@@ -16650,7 +16711,7 @@
         </p:nvSpPr>
         <p:spPr>
           <a:xfrm rot="18530121">
-            <a:off x="1990442" y="7004387"/>
+            <a:off x="1716122" y="7055187"/>
             <a:ext cx="441184" cy="246221"/>
           </a:xfrm>
           <a:prstGeom prst="rect">
@@ -16674,7 +16735,7 @@
                   </a:schemeClr>
                 </a:solidFill>
               </a:rPr>
-              <a:t>TP</a:t>
+              <a:t>tp</a:t>
             </a:r>
             <a:r>
               <a:rPr lang="it-IT" sz="1000" baseline="-25000" dirty="0">
@@ -16685,7 +16746,7 @@
                   </a:schemeClr>
                 </a:solidFill>
               </a:rPr>
-              <a:t>P3</a:t>
+              <a:t>3</a:t>
             </a:r>
             <a:endParaRPr lang="en-GB" sz="1000" baseline="-25000" dirty="0">
               <a:solidFill>
@@ -16712,7 +16773,7 @@
         </p:nvSpPr>
         <p:spPr>
           <a:xfrm>
-            <a:off x="357595" y="4707838"/>
+            <a:off x="83275" y="4758638"/>
             <a:ext cx="420850" cy="246221"/>
           </a:xfrm>
           <a:prstGeom prst="rect">
@@ -16763,7 +16824,7 @@
         </p:nvSpPr>
         <p:spPr>
           <a:xfrm rot="18530121">
-            <a:off x="783668" y="7004387"/>
+            <a:off x="509348" y="7055187"/>
             <a:ext cx="441184" cy="246221"/>
           </a:xfrm>
           <a:prstGeom prst="rect">
@@ -16787,7 +16848,7 @@
                   </a:schemeClr>
                 </a:solidFill>
               </a:rPr>
-              <a:t>TP</a:t>
+              <a:t>tp</a:t>
             </a:r>
             <a:r>
               <a:rPr lang="it-IT" sz="1000" baseline="-25000" dirty="0">
@@ -16798,7 +16859,7 @@
                   </a:schemeClr>
                 </a:solidFill>
               </a:rPr>
-              <a:t>P1</a:t>
+              <a:t>1</a:t>
             </a:r>
             <a:endParaRPr lang="en-GB" sz="1000" baseline="-25000" dirty="0">
               <a:solidFill>
@@ -16825,7 +16886,7 @@
         </p:nvSpPr>
         <p:spPr>
           <a:xfrm>
-            <a:off x="1019954" y="6430005"/>
+            <a:off x="745634" y="6480805"/>
             <a:ext cx="482535" cy="246221"/>
           </a:xfrm>
           <a:prstGeom prst="rect">
@@ -16842,22 +16903,22 @@
             <a:r>
               <a:rPr lang="en-US" sz="1000" dirty="0">
                 <a:solidFill>
-                  <a:srgbClr val="CC0099"/>
+                  <a:srgbClr val="FFFF00"/>
                 </a:solidFill>
               </a:rPr>
-              <a:t>TP</a:t>
+              <a:t>tp</a:t>
             </a:r>
             <a:r>
               <a:rPr lang="en-US" sz="1000" baseline="-25000" dirty="0">
                 <a:solidFill>
-                  <a:srgbClr val="CC0099"/>
+                  <a:srgbClr val="FFFF00"/>
                 </a:solidFill>
               </a:rPr>
-              <a:t>S</a:t>
+              <a:t>MS</a:t>
             </a:r>
             <a:endParaRPr lang="en-GB" sz="1000" dirty="0">
               <a:solidFill>
-                <a:srgbClr val="CC0099"/>
+                <a:srgbClr val="FFFF00"/>
               </a:solidFill>
             </a:endParaRPr>
           </a:p>
@@ -16877,7 +16938,7 @@
         </p:nvSpPr>
         <p:spPr>
           <a:xfrm>
-            <a:off x="1563114" y="6430005"/>
+            <a:off x="1288794" y="6480805"/>
             <a:ext cx="482535" cy="246221"/>
           </a:xfrm>
           <a:prstGeom prst="rect">
@@ -16891,25 +16952,26 @@
           </a:bodyPr>
           <a:lstStyle/>
           <a:p>
+            <a:pPr algn="ctr"/>
             <a:r>
               <a:rPr lang="en-US" sz="1000" dirty="0">
                 <a:solidFill>
-                  <a:srgbClr val="CC0099"/>
+                  <a:srgbClr val="FFFF00"/>
                 </a:solidFill>
               </a:rPr>
-              <a:t>TP</a:t>
+              <a:t>tp</a:t>
             </a:r>
             <a:r>
               <a:rPr lang="en-US" sz="1000" baseline="-25000" dirty="0">
                 <a:solidFill>
-                  <a:srgbClr val="CC0099"/>
+                  <a:srgbClr val="FFFF00"/>
                 </a:solidFill>
               </a:rPr>
-              <a:t>MS</a:t>
+              <a:t>S</a:t>
             </a:r>
             <a:endParaRPr lang="en-GB" sz="1000" dirty="0">
               <a:solidFill>
-                <a:srgbClr val="CC0099"/>
+                <a:srgbClr val="FFFF00"/>
               </a:solidFill>
             </a:endParaRPr>
           </a:p>
@@ -16931,7 +16993,7 @@
         </p:nvCxnSpPr>
         <p:spPr>
           <a:xfrm flipV="1">
-            <a:off x="1000565" y="6683672"/>
+            <a:off x="726245" y="6734472"/>
             <a:ext cx="408282" cy="0"/>
           </a:xfrm>
           <a:prstGeom prst="straightConnector1">
@@ -16939,7 +17001,7 @@
           </a:prstGeom>
           <a:ln>
             <a:solidFill>
-              <a:srgbClr val="CC0099"/>
+              <a:srgbClr val="FFFF00"/>
             </a:solidFill>
             <a:headEnd type="triangle" w="sm" len="sm"/>
             <a:tailEnd type="triangle" w="sm" len="sm"/>
@@ -16976,7 +17038,7 @@
         </p:nvCxnSpPr>
         <p:spPr>
           <a:xfrm>
-            <a:off x="1408847" y="6683672"/>
+            <a:off x="1134527" y="6734472"/>
             <a:ext cx="795619" cy="0"/>
           </a:xfrm>
           <a:prstGeom prst="straightConnector1">
@@ -16984,7 +17046,7 @@
           </a:prstGeom>
           <a:ln>
             <a:solidFill>
-              <a:srgbClr val="CC0099"/>
+              <a:srgbClr val="FFFF00"/>
             </a:solidFill>
             <a:headEnd type="triangle" w="sm" len="sm"/>
             <a:tailEnd type="triangle" w="sm" len="sm"/>
@@ -17019,7 +17081,7 @@
         </p:nvSpPr>
         <p:spPr>
           <a:xfrm>
-            <a:off x="3874435" y="4903529"/>
+            <a:off x="3376595" y="4903529"/>
             <a:ext cx="2160000" cy="2160000"/>
           </a:xfrm>
           <a:prstGeom prst="rect">
@@ -17081,7 +17143,7 @@
         </p:nvSpPr>
         <p:spPr>
           <a:xfrm>
-            <a:off x="3877312" y="4965459"/>
+            <a:off x="3379472" y="4965459"/>
             <a:ext cx="663526" cy="2098070"/>
           </a:xfrm>
           <a:custGeom>
@@ -18635,7 +18697,7 @@
         </p:nvSpPr>
         <p:spPr>
           <a:xfrm>
-            <a:off x="3874435" y="7243635"/>
+            <a:off x="3376595" y="7243635"/>
             <a:ext cx="2160000" cy="246221"/>
           </a:xfrm>
           <a:prstGeom prst="rect">
@@ -18686,7 +18748,7 @@
         </p:nvSpPr>
         <p:spPr>
           <a:xfrm rot="16200000">
-            <a:off x="2475389" y="5860416"/>
+            <a:off x="2018189" y="5860416"/>
             <a:ext cx="2159999" cy="246221"/>
           </a:xfrm>
           <a:prstGeom prst="rect">
@@ -18737,7 +18799,7 @@
         </p:nvSpPr>
         <p:spPr>
           <a:xfrm>
-            <a:off x="4017013" y="4322092"/>
+            <a:off x="3519173" y="4322092"/>
             <a:ext cx="2151449" cy="656590"/>
           </a:xfrm>
           <a:prstGeom prst="rect">
@@ -18904,7 +18966,7 @@
         </p:nvSpPr>
         <p:spPr>
           <a:xfrm>
-            <a:off x="3896053" y="4465417"/>
+            <a:off x="3398213" y="4465417"/>
             <a:ext cx="216000" cy="215444"/>
           </a:xfrm>
           <a:prstGeom prst="rect">
@@ -18960,7 +19022,7 @@
         </p:nvSpPr>
         <p:spPr>
           <a:xfrm>
-            <a:off x="3567573" y="6918693"/>
+            <a:off x="3069733" y="6918693"/>
             <a:ext cx="380723" cy="246221"/>
           </a:xfrm>
           <a:prstGeom prst="rect">
@@ -19011,7 +19073,7 @@
         </p:nvSpPr>
         <p:spPr>
           <a:xfrm>
-            <a:off x="3567573" y="4768534"/>
+            <a:off x="3069733" y="4768534"/>
             <a:ext cx="380723" cy="246221"/>
           </a:xfrm>
           <a:prstGeom prst="rect">
@@ -19062,7 +19124,7 @@
         </p:nvSpPr>
         <p:spPr>
           <a:xfrm>
-            <a:off x="4000469" y="5213174"/>
+            <a:off x="3502629" y="5213174"/>
             <a:ext cx="1979847" cy="1861627"/>
           </a:xfrm>
           <a:custGeom>
@@ -21019,7 +21081,7 @@
         </p:nvSpPr>
         <p:spPr>
           <a:xfrm>
-            <a:off x="802590" y="4626794"/>
+            <a:off x="528270" y="4829994"/>
             <a:ext cx="180000" cy="90000"/>
           </a:xfrm>
           <a:prstGeom prst="rect">
@@ -21081,7 +21143,7 @@
         </p:nvSpPr>
         <p:spPr>
           <a:xfrm>
-            <a:off x="802590" y="4427049"/>
+            <a:off x="528270" y="4670889"/>
             <a:ext cx="180000" cy="90000"/>
           </a:xfrm>
           <a:prstGeom prst="rect">
@@ -21089,7 +21151,7 @@
           </a:prstGeom>
           <a:solidFill>
             <a:schemeClr val="bg2">
-              <a:lumMod val="90000"/>
+              <a:lumMod val="75000"/>
               <a:alpha val="75000"/>
             </a:schemeClr>
           </a:solidFill>
@@ -21143,7 +21205,7 @@
         </p:nvSpPr>
         <p:spPr>
           <a:xfrm>
-            <a:off x="935229" y="4348939"/>
+            <a:off x="660909" y="4582619"/>
             <a:ext cx="2323251" cy="246221"/>
           </a:xfrm>
           <a:prstGeom prst="rect">
@@ -21159,7 +21221,7 @@
           <a:p>
             <a:r>
               <a:rPr lang="en-US" sz="1000" dirty="0"/>
-              <a:t>Moderately severe rainfall (TP</a:t>
+              <a:t>Moderately severe rainfall events (TP</a:t>
             </a:r>
             <a:r>
               <a:rPr lang="en-US" sz="1000" baseline="-25000" dirty="0"/>
@@ -21187,8 +21249,8 @@
         </p:nvSpPr>
         <p:spPr>
           <a:xfrm>
-            <a:off x="935229" y="4548684"/>
-            <a:ext cx="1454436" cy="246221"/>
+            <a:off x="660909" y="4751884"/>
+            <a:ext cx="1754772" cy="246221"/>
           </a:xfrm>
           <a:prstGeom prst="rect">
             <a:avLst/>
@@ -21210,7 +21272,7 @@
                   </a:schemeClr>
                 </a:solidFill>
               </a:rPr>
-              <a:t>Severe rainfall (TP</a:t>
+              <a:t>Severe rainfall events (TP</a:t>
             </a:r>
             <a:r>
               <a:rPr lang="en-US" sz="1000" baseline="-25000" dirty="0">
@@ -21259,7 +21321,7 @@
         </p:nvSpPr>
         <p:spPr>
           <a:xfrm>
-            <a:off x="4558653" y="4903529"/>
+            <a:off x="4060813" y="4903529"/>
             <a:ext cx="797467" cy="2160000"/>
           </a:xfrm>
           <a:prstGeom prst="rect">
@@ -21314,7 +21376,7 @@
         </p:nvSpPr>
         <p:spPr>
           <a:xfrm>
-            <a:off x="4152331" y="4903529"/>
+            <a:off x="3654491" y="4903529"/>
             <a:ext cx="406858" cy="2160000"/>
           </a:xfrm>
           <a:prstGeom prst="rect">
@@ -21322,7 +21384,7 @@
           </a:prstGeom>
           <a:solidFill>
             <a:schemeClr val="bg2">
-              <a:lumMod val="90000"/>
+              <a:lumMod val="75000"/>
               <a:alpha val="75000"/>
             </a:schemeClr>
           </a:solidFill>
@@ -21369,7 +21431,7 @@
         </p:nvSpPr>
         <p:spPr>
           <a:xfrm>
-            <a:off x="3960729" y="4942653"/>
+            <a:off x="3462889" y="4942653"/>
             <a:ext cx="1736961" cy="2125945"/>
           </a:xfrm>
           <a:custGeom>
@@ -23134,8 +23196,8 @@
         </p:nvCxnSpPr>
         <p:spPr>
           <a:xfrm>
-            <a:off x="3874435" y="5983529"/>
-            <a:ext cx="2520000" cy="0"/>
+            <a:off x="3376595" y="5983529"/>
+            <a:ext cx="2376000" cy="0"/>
           </a:xfrm>
           <a:prstGeom prst="line">
             <a:avLst/>
@@ -23177,8 +23239,8 @@
         </p:nvCxnSpPr>
         <p:spPr>
           <a:xfrm>
-            <a:off x="3878999" y="6513670"/>
-            <a:ext cx="2700000" cy="0"/>
+            <a:off x="3381159" y="6513670"/>
+            <a:ext cx="2520000" cy="0"/>
           </a:xfrm>
           <a:prstGeom prst="line">
             <a:avLst/>
@@ -23220,8 +23282,8 @@
         </p:nvCxnSpPr>
         <p:spPr>
           <a:xfrm>
-            <a:off x="3874435" y="5438593"/>
-            <a:ext cx="2340000" cy="0"/>
+            <a:off x="3376595" y="5438593"/>
+            <a:ext cx="2268000" cy="0"/>
           </a:xfrm>
           <a:prstGeom prst="line">
             <a:avLst/>
@@ -23261,7 +23323,7 @@
         </p:nvSpPr>
         <p:spPr>
           <a:xfrm>
-            <a:off x="3567573" y="5843614"/>
+            <a:off x="3069733" y="5843614"/>
             <a:ext cx="380723" cy="246221"/>
           </a:xfrm>
           <a:prstGeom prst="rect">
@@ -23312,7 +23374,7 @@
         </p:nvSpPr>
         <p:spPr>
           <a:xfrm>
-            <a:off x="3567573" y="6381154"/>
+            <a:off x="3069733" y="6381154"/>
             <a:ext cx="380723" cy="246221"/>
           </a:xfrm>
           <a:prstGeom prst="rect">
@@ -23363,7 +23425,7 @@
         </p:nvSpPr>
         <p:spPr>
           <a:xfrm>
-            <a:off x="3567573" y="5306074"/>
+            <a:off x="3069733" y="5306074"/>
             <a:ext cx="380723" cy="246221"/>
           </a:xfrm>
           <a:prstGeom prst="rect">
@@ -23417,7 +23479,7 @@
         </p:nvCxnSpPr>
         <p:spPr>
           <a:xfrm>
-            <a:off x="4181171" y="6513670"/>
+            <a:off x="3683331" y="6513670"/>
             <a:ext cx="0" cy="513860"/>
           </a:xfrm>
           <a:prstGeom prst="line">
@@ -23464,7 +23526,7 @@
         </p:nvCxnSpPr>
         <p:spPr>
           <a:xfrm flipH="1">
-            <a:off x="4582693" y="6502395"/>
+            <a:off x="4084853" y="6502395"/>
             <a:ext cx="1602" cy="528542"/>
           </a:xfrm>
           <a:prstGeom prst="line">
@@ -23508,7 +23570,7 @@
         </p:nvSpPr>
         <p:spPr>
           <a:xfrm>
-            <a:off x="4145171" y="7027530"/>
+            <a:off x="3647331" y="7027530"/>
             <a:ext cx="72000" cy="72000"/>
           </a:xfrm>
           <a:prstGeom prst="ellipse">
@@ -23560,7 +23622,7 @@
         </p:nvSpPr>
         <p:spPr>
           <a:xfrm>
-            <a:off x="4546693" y="7030937"/>
+            <a:off x="4048853" y="7030937"/>
             <a:ext cx="72000" cy="72000"/>
           </a:xfrm>
           <a:prstGeom prst="ellipse">
@@ -23612,7 +23674,7 @@
         </p:nvSpPr>
         <p:spPr>
           <a:xfrm>
-            <a:off x="3930871" y="7062835"/>
+            <a:off x="3433031" y="7062835"/>
             <a:ext cx="547222" cy="246221"/>
           </a:xfrm>
           <a:prstGeom prst="rect">
@@ -23665,7 +23727,7 @@
         </p:nvSpPr>
         <p:spPr>
           <a:xfrm>
-            <a:off x="4348569" y="7060761"/>
+            <a:off x="3850729" y="7060761"/>
             <a:ext cx="547222" cy="246221"/>
           </a:xfrm>
           <a:prstGeom prst="rect">
@@ -23718,8 +23780,8 @@
         </p:nvSpPr>
         <p:spPr>
           <a:xfrm rot="16200000">
-            <a:off x="5983754" y="5957247"/>
-            <a:ext cx="1051127" cy="215444"/>
+            <a:off x="5014140" y="5658193"/>
+            <a:ext cx="1649236" cy="215444"/>
           </a:xfrm>
           <a:prstGeom prst="rect">
             <a:avLst/>
@@ -23734,7 +23796,7 @@
           <a:p>
             <a:r>
               <a:rPr lang="en-US" sz="800" dirty="0"/>
-              <a:t>Top ¾ flood events </a:t>
+              <a:t>Top ¾ most extreme flood events </a:t>
             </a:r>
             <a:endParaRPr lang="en-GB" sz="800" dirty="0"/>
           </a:p>
@@ -23754,8 +23816,8 @@
         </p:nvSpPr>
         <p:spPr>
           <a:xfrm rot="16200000">
-            <a:off x="5791782" y="5384446"/>
-            <a:ext cx="1099031" cy="215444"/>
+            <a:off x="4899476" y="5114440"/>
+            <a:ext cx="1639044" cy="215444"/>
           </a:xfrm>
           <a:prstGeom prst="rect">
             <a:avLst/>
@@ -23770,7 +23832,7 @@
           <a:p>
             <a:r>
               <a:rPr lang="en-US" sz="800" dirty="0"/>
-              <a:t>Top ½ flood events </a:t>
+              <a:t>Top ½ most extreme flood events </a:t>
             </a:r>
             <a:endParaRPr lang="en-GB" sz="800" dirty="0"/>
           </a:p>
@@ -23790,8 +23852,8 @@
         </p:nvSpPr>
         <p:spPr>
           <a:xfrm rot="16200000">
-            <a:off x="5608915" y="4859122"/>
-            <a:ext cx="1080803" cy="215444"/>
+            <a:off x="4810568" y="4609415"/>
+            <a:ext cx="1580218" cy="215444"/>
           </a:xfrm>
           <a:prstGeom prst="rect">
             <a:avLst/>
@@ -23806,7 +23868,7 @@
           <a:p>
             <a:r>
               <a:rPr lang="en-US" sz="800" dirty="0"/>
-              <a:t>Top ¼ flood events </a:t>
+              <a:t>Top ¼ most extreme flood events </a:t>
             </a:r>
             <a:endParaRPr lang="en-GB" sz="800" dirty="0"/>
           </a:p>
@@ -23826,8 +23888,8 @@
         </p:nvSpPr>
         <p:spPr>
           <a:xfrm>
-            <a:off x="2968530" y="5897335"/>
-            <a:ext cx="352895" cy="246221"/>
+            <a:off x="2631265" y="5766867"/>
+            <a:ext cx="352895" cy="483819"/>
           </a:xfrm>
           <a:prstGeom prst="rightArrow">
             <a:avLst/>
@@ -23880,9 +23942,9 @@
           <p:nvPr/>
         </p:nvSpPr>
         <p:spPr>
-          <a:xfrm rot="5400000">
-            <a:off x="5322172" y="3616645"/>
-            <a:ext cx="899200" cy="299083"/>
+          <a:xfrm rot="6943759">
+            <a:off x="5536607" y="3447062"/>
+            <a:ext cx="744492" cy="457688"/>
           </a:xfrm>
           <a:prstGeom prst="rightArrow">
             <a:avLst/>
@@ -23919,6 +23981,260 @@
           <a:p>
             <a:pPr algn="ctr"/>
             <a:endParaRPr lang="en-GB"/>
+          </a:p>
+        </p:txBody>
+      </p:sp>
+      <p:sp>
+        <p:nvSpPr>
+          <p:cNvPr id="2" name="CasellaDiTesto 278">
+            <a:extLst>
+              <a:ext uri="{FF2B5EF4-FFF2-40B4-BE49-F238E27FC236}">
+                <a16:creationId xmlns:a16="http://schemas.microsoft.com/office/drawing/2014/main" id="{D418E678-C87A-88E1-524D-31F2757C051E}"/>
+              </a:ext>
+            </a:extLst>
+          </p:cNvPr>
+          <p:cNvSpPr txBox="1"/>
+          <p:nvPr/>
+        </p:nvSpPr>
+        <p:spPr>
+          <a:xfrm>
+            <a:off x="204815" y="4390948"/>
+            <a:ext cx="2548448" cy="246221"/>
+          </a:xfrm>
+          <a:prstGeom prst="rect">
+            <a:avLst/>
+          </a:prstGeom>
+          <a:noFill/>
+        </p:spPr>
+        <p:txBody>
+          <a:bodyPr wrap="square" rtlCol="0">
+            <a:spAutoFit/>
+          </a:bodyPr>
+          <a:lstStyle/>
+          <a:p>
+            <a:r>
+              <a:rPr lang="en-US" sz="1000" dirty="0"/>
+              <a:t>Rainfall climatology from SYNOP observations</a:t>
+            </a:r>
+            <a:endParaRPr lang="en-GB" sz="1000" dirty="0"/>
+          </a:p>
+        </p:txBody>
+      </p:sp>
+      <p:sp>
+        <p:nvSpPr>
+          <p:cNvPr id="3" name="CasellaDiTesto 2">
+            <a:extLst>
+              <a:ext uri="{FF2B5EF4-FFF2-40B4-BE49-F238E27FC236}">
+                <a16:creationId xmlns:a16="http://schemas.microsoft.com/office/drawing/2014/main" id="{80840E2E-DDD8-7F50-C028-7F8A2186A16C}"/>
+              </a:ext>
+            </a:extLst>
+          </p:cNvPr>
+          <p:cNvSpPr txBox="1"/>
+          <p:nvPr/>
+        </p:nvSpPr>
+        <p:spPr>
+          <a:xfrm>
+            <a:off x="3246619" y="3876358"/>
+            <a:ext cx="1627517" cy="400110"/>
+          </a:xfrm>
+          <a:prstGeom prst="rect">
+            <a:avLst/>
+          </a:prstGeom>
+          <a:noFill/>
+        </p:spPr>
+        <p:txBody>
+          <a:bodyPr wrap="square" rtlCol="0">
+            <a:spAutoFit/>
+          </a:bodyPr>
+          <a:lstStyle/>
+          <a:p>
+            <a:pPr algn="ctr"/>
+            <a:r>
+              <a:rPr lang="en-GB" sz="1000" dirty="0">
+                <a:solidFill>
+                  <a:srgbClr val="FF0000"/>
+                </a:solidFill>
+              </a:rPr>
+              <a:t>tp(x</a:t>
+            </a:r>
+            <a:r>
+              <a:rPr lang="en-GB" sz="1000" baseline="30000" dirty="0">
+                <a:solidFill>
+                  <a:srgbClr val="FF0000"/>
+                </a:solidFill>
+              </a:rPr>
+              <a:t>th</a:t>
+            </a:r>
+            <a:r>
+              <a:rPr lang="en-GB" sz="1000" dirty="0">
+                <a:solidFill>
+                  <a:srgbClr val="FF0000"/>
+                </a:solidFill>
+              </a:rPr>
+              <a:t>): flash-flood-triggering rainfall events</a:t>
+            </a:r>
+          </a:p>
+        </p:txBody>
+      </p:sp>
+      <p:sp>
+        <p:nvSpPr>
+          <p:cNvPr id="4" name="CasellaDiTesto 146">
+            <a:extLst>
+              <a:ext uri="{FF2B5EF4-FFF2-40B4-BE49-F238E27FC236}">
+                <a16:creationId xmlns:a16="http://schemas.microsoft.com/office/drawing/2014/main" id="{6FC38557-38E6-99F8-E256-7E6C9AB95BDC}"/>
+              </a:ext>
+            </a:extLst>
+          </p:cNvPr>
+          <p:cNvSpPr txBox="1"/>
+          <p:nvPr/>
+        </p:nvSpPr>
+        <p:spPr>
+          <a:xfrm>
+            <a:off x="5954548" y="5240066"/>
+            <a:ext cx="886272" cy="707886"/>
+          </a:xfrm>
+          <a:prstGeom prst="rect">
+            <a:avLst/>
+          </a:prstGeom>
+          <a:noFill/>
+          <a:ln w="3175">
+            <a:solidFill>
+              <a:schemeClr val="tx1">
+                <a:lumMod val="75000"/>
+                <a:lumOff val="25000"/>
+              </a:schemeClr>
+            </a:solidFill>
+          </a:ln>
+        </p:spPr>
+        <p:txBody>
+          <a:bodyPr wrap="square" rtlCol="0">
+            <a:spAutoFit/>
+          </a:bodyPr>
+          <a:lstStyle/>
+          <a:p>
+            <a:pPr algn="ctr"/>
+            <a:r>
+              <a:rPr lang="en-GB" sz="1000" dirty="0">
+                <a:solidFill>
+                  <a:schemeClr val="tx1">
+                    <a:lumMod val="75000"/>
+                    <a:lumOff val="25000"/>
+                  </a:schemeClr>
+                </a:solidFill>
+              </a:rPr>
+              <a:t>VRT</a:t>
+            </a:r>
+            <a:r>
+              <a:rPr lang="en-GB" sz="1000" baseline="-25000" dirty="0">
+                <a:solidFill>
+                  <a:schemeClr val="tx1">
+                    <a:lumMod val="75000"/>
+                    <a:lumOff val="25000"/>
+                  </a:schemeClr>
+                </a:solidFill>
+              </a:rPr>
+              <a:t>MS</a:t>
+            </a:r>
+            <a:r>
+              <a:rPr lang="en-GB" sz="1000" dirty="0">
+                <a:solidFill>
+                  <a:schemeClr val="tx1">
+                    <a:lumMod val="75000"/>
+                    <a:lumOff val="25000"/>
+                  </a:schemeClr>
+                </a:solidFill>
+              </a:rPr>
+              <a:t>: candidate for moderately severe VRT</a:t>
+            </a:r>
+            <a:endParaRPr lang="en-GB" sz="1000" baseline="-25000" dirty="0">
+              <a:solidFill>
+                <a:schemeClr val="tx1">
+                  <a:lumMod val="75000"/>
+                  <a:lumOff val="25000"/>
+                </a:schemeClr>
+              </a:solidFill>
+            </a:endParaRPr>
+          </a:p>
+        </p:txBody>
+      </p:sp>
+      <p:sp>
+        <p:nvSpPr>
+          <p:cNvPr id="5" name="CasellaDiTesto 146">
+            <a:extLst>
+              <a:ext uri="{FF2B5EF4-FFF2-40B4-BE49-F238E27FC236}">
+                <a16:creationId xmlns:a16="http://schemas.microsoft.com/office/drawing/2014/main" id="{1B3E2A5F-0628-3490-22B5-84FF4575447A}"/>
+              </a:ext>
+            </a:extLst>
+          </p:cNvPr>
+          <p:cNvSpPr txBox="1"/>
+          <p:nvPr/>
+        </p:nvSpPr>
+        <p:spPr>
+          <a:xfrm>
+            <a:off x="5954548" y="6024169"/>
+            <a:ext cx="886272" cy="553998"/>
+          </a:xfrm>
+          <a:prstGeom prst="rect">
+            <a:avLst/>
+          </a:prstGeom>
+          <a:noFill/>
+          <a:ln w="3175">
+            <a:solidFill>
+              <a:schemeClr val="tx1">
+                <a:lumMod val="75000"/>
+                <a:lumOff val="25000"/>
+              </a:schemeClr>
+            </a:solidFill>
+          </a:ln>
+        </p:spPr>
+        <p:txBody>
+          <a:bodyPr wrap="square" rtlCol="0">
+            <a:spAutoFit/>
+          </a:bodyPr>
+          <a:lstStyle/>
+          <a:p>
+            <a:pPr algn="ctr"/>
+            <a:r>
+              <a:rPr lang="it-IT" sz="1000" dirty="0">
+                <a:solidFill>
+                  <a:schemeClr val="tx1">
+                    <a:lumMod val="75000"/>
+                    <a:lumOff val="25000"/>
+                  </a:schemeClr>
+                </a:solidFill>
+              </a:rPr>
+              <a:t>VRT</a:t>
+            </a:r>
+            <a:r>
+              <a:rPr lang="it-IT" sz="1000" baseline="-25000" dirty="0">
+                <a:solidFill>
+                  <a:schemeClr val="tx1">
+                    <a:lumMod val="75000"/>
+                    <a:lumOff val="25000"/>
+                  </a:schemeClr>
+                </a:solidFill>
+              </a:rPr>
+              <a:t>S</a:t>
+            </a:r>
+            <a:r>
+              <a:rPr lang="it-IT" sz="1000" dirty="0">
+                <a:solidFill>
+                  <a:schemeClr val="tx1">
+                    <a:lumMod val="75000"/>
+                    <a:lumOff val="25000"/>
+                  </a:schemeClr>
+                </a:solidFill>
+              </a:rPr>
+              <a:t>: candidate for severe VRT</a:t>
+            </a:r>
+            <a:endParaRPr lang="en-GB" sz="1000" baseline="-25000" dirty="0">
+              <a:solidFill>
+                <a:schemeClr val="tx1">
+                  <a:lumMod val="75000"/>
+                  <a:lumOff val="25000"/>
+                </a:schemeClr>
+              </a:solidFill>
+            </a:endParaRPr>
           </a:p>
         </p:txBody>
       </p:sp>
